--- a/Etudiants/Thomas/Revue Projet/Revue 1/Thomas Cadeau Revue 1.pptx
+++ b/Etudiants/Thomas/Revue Projet/Revue 1/Thomas Cadeau Revue 1.pptx
@@ -264,7 +264,7 @@
           <a:p>
             <a:fld id="{A5A52D65-5D23-4759-866C-BD4D7E81B3B3}" type="datetimeFigureOut">
               <a:rPr lang="fr-FR" smtClean="0"/>
-              <a:t>29/01/2020</a:t>
+              <a:t>31/01/2020</a:t>
             </a:fld>
             <a:endParaRPr lang="fr-FR"/>
           </a:p>
@@ -462,7 +462,7 @@
           <a:p>
             <a:fld id="{A5A52D65-5D23-4759-866C-BD4D7E81B3B3}" type="datetimeFigureOut">
               <a:rPr lang="fr-FR" smtClean="0"/>
-              <a:t>29/01/2020</a:t>
+              <a:t>31/01/2020</a:t>
             </a:fld>
             <a:endParaRPr lang="fr-FR"/>
           </a:p>
@@ -670,7 +670,7 @@
           <a:p>
             <a:fld id="{A5A52D65-5D23-4759-866C-BD4D7E81B3B3}" type="datetimeFigureOut">
               <a:rPr lang="fr-FR" smtClean="0"/>
-              <a:t>29/01/2020</a:t>
+              <a:t>31/01/2020</a:t>
             </a:fld>
             <a:endParaRPr lang="fr-FR"/>
           </a:p>
@@ -868,7 +868,7 @@
           <a:p>
             <a:fld id="{A5A52D65-5D23-4759-866C-BD4D7E81B3B3}" type="datetimeFigureOut">
               <a:rPr lang="fr-FR" smtClean="0"/>
-              <a:t>29/01/2020</a:t>
+              <a:t>31/01/2020</a:t>
             </a:fld>
             <a:endParaRPr lang="fr-FR"/>
           </a:p>
@@ -1143,7 +1143,7 @@
           <a:p>
             <a:fld id="{A5A52D65-5D23-4759-866C-BD4D7E81B3B3}" type="datetimeFigureOut">
               <a:rPr lang="fr-FR" smtClean="0"/>
-              <a:t>29/01/2020</a:t>
+              <a:t>31/01/2020</a:t>
             </a:fld>
             <a:endParaRPr lang="fr-FR"/>
           </a:p>
@@ -1408,7 +1408,7 @@
           <a:p>
             <a:fld id="{A5A52D65-5D23-4759-866C-BD4D7E81B3B3}" type="datetimeFigureOut">
               <a:rPr lang="fr-FR" smtClean="0"/>
-              <a:t>29/01/2020</a:t>
+              <a:t>31/01/2020</a:t>
             </a:fld>
             <a:endParaRPr lang="fr-FR"/>
           </a:p>
@@ -1820,7 +1820,7 @@
           <a:p>
             <a:fld id="{A5A52D65-5D23-4759-866C-BD4D7E81B3B3}" type="datetimeFigureOut">
               <a:rPr lang="fr-FR" smtClean="0"/>
-              <a:t>29/01/2020</a:t>
+              <a:t>31/01/2020</a:t>
             </a:fld>
             <a:endParaRPr lang="fr-FR"/>
           </a:p>
@@ -1961,7 +1961,7 @@
           <a:p>
             <a:fld id="{A5A52D65-5D23-4759-866C-BD4D7E81B3B3}" type="datetimeFigureOut">
               <a:rPr lang="fr-FR" smtClean="0"/>
-              <a:t>29/01/2020</a:t>
+              <a:t>31/01/2020</a:t>
             </a:fld>
             <a:endParaRPr lang="fr-FR"/>
           </a:p>
@@ -2074,7 +2074,7 @@
           <a:p>
             <a:fld id="{A5A52D65-5D23-4759-866C-BD4D7E81B3B3}" type="datetimeFigureOut">
               <a:rPr lang="fr-FR" smtClean="0"/>
-              <a:t>29/01/2020</a:t>
+              <a:t>31/01/2020</a:t>
             </a:fld>
             <a:endParaRPr lang="fr-FR"/>
           </a:p>
@@ -2385,7 +2385,7 @@
           <a:p>
             <a:fld id="{A5A52D65-5D23-4759-866C-BD4D7E81B3B3}" type="datetimeFigureOut">
               <a:rPr lang="fr-FR" smtClean="0"/>
-              <a:t>29/01/2020</a:t>
+              <a:t>31/01/2020</a:t>
             </a:fld>
             <a:endParaRPr lang="fr-FR"/>
           </a:p>
@@ -2673,7 +2673,7 @@
           <a:p>
             <a:fld id="{A5A52D65-5D23-4759-866C-BD4D7E81B3B3}" type="datetimeFigureOut">
               <a:rPr lang="fr-FR" smtClean="0"/>
-              <a:t>29/01/2020</a:t>
+              <a:t>31/01/2020</a:t>
             </a:fld>
             <a:endParaRPr lang="fr-FR"/>
           </a:p>
@@ -2914,7 +2914,7 @@
           <a:p>
             <a:fld id="{A5A52D65-5D23-4759-866C-BD4D7E81B3B3}" type="datetimeFigureOut">
               <a:rPr lang="fr-FR" smtClean="0"/>
-              <a:t>29/01/2020</a:t>
+              <a:t>31/01/2020</a:t>
             </a:fld>
             <a:endParaRPr lang="fr-FR"/>
           </a:p>
@@ -6919,6 +6919,202 @@
           </a:prstGeom>
         </p:spPr>
       </p:pic>
+      <p:pic>
+        <p:nvPicPr>
+          <p:cNvPr id="4" name="Image 3">
+            <a:extLst>
+              <a:ext uri="{FF2B5EF4-FFF2-40B4-BE49-F238E27FC236}">
+                <a16:creationId xmlns:a16="http://schemas.microsoft.com/office/drawing/2014/main" id="{D0641EF9-342F-4D19-891A-C40A0E2AD262}"/>
+              </a:ext>
+            </a:extLst>
+          </p:cNvPr>
+          <p:cNvPicPr>
+            <a:picLocks noChangeAspect="1"/>
+          </p:cNvPicPr>
+          <p:nvPr/>
+        </p:nvPicPr>
+        <p:blipFill>
+          <a:blip r:embed="rId3"/>
+          <a:stretch>
+            <a:fillRect/>
+          </a:stretch>
+        </p:blipFill>
+        <p:spPr>
+          <a:xfrm>
+            <a:off x="3049409" y="1420798"/>
+            <a:ext cx="2014056" cy="2014056"/>
+          </a:xfrm>
+          <a:prstGeom prst="rect">
+            <a:avLst/>
+          </a:prstGeom>
+        </p:spPr>
+      </p:pic>
+      <p:pic>
+        <p:nvPicPr>
+          <p:cNvPr id="5" name="Image 4">
+            <a:extLst>
+              <a:ext uri="{FF2B5EF4-FFF2-40B4-BE49-F238E27FC236}">
+                <a16:creationId xmlns:a16="http://schemas.microsoft.com/office/drawing/2014/main" id="{EEBAC794-CE09-4D77-8B21-1EA7F0DB7600}"/>
+              </a:ext>
+            </a:extLst>
+          </p:cNvPr>
+          <p:cNvPicPr>
+            <a:picLocks noChangeAspect="1"/>
+          </p:cNvPicPr>
+          <p:nvPr/>
+        </p:nvPicPr>
+        <p:blipFill>
+          <a:blip r:embed="rId4">
+            <a:extLst>
+              <a:ext uri="{28A0092B-C50C-407E-A947-70E740481C1C}">
+                <a14:useLocalDpi xmlns:a14="http://schemas.microsoft.com/office/drawing/2010/main" val="0"/>
+              </a:ext>
+            </a:extLst>
+          </a:blip>
+          <a:stretch>
+            <a:fillRect/>
+          </a:stretch>
+        </p:blipFill>
+        <p:spPr>
+          <a:xfrm>
+            <a:off x="6722466" y="1691861"/>
+            <a:ext cx="1905266" cy="1905266"/>
+          </a:xfrm>
+          <a:prstGeom prst="rect">
+            <a:avLst/>
+          </a:prstGeom>
+        </p:spPr>
+      </p:pic>
+      <p:sp>
+        <p:nvSpPr>
+          <p:cNvPr id="2" name="Rectangle 1">
+            <a:extLst>
+              <a:ext uri="{FF2B5EF4-FFF2-40B4-BE49-F238E27FC236}">
+                <a16:creationId xmlns:a16="http://schemas.microsoft.com/office/drawing/2014/main" id="{8E81247F-3036-475E-8B14-E758E49D8CB8}"/>
+              </a:ext>
+            </a:extLst>
+          </p:cNvPr>
+          <p:cNvSpPr/>
+          <p:nvPr/>
+        </p:nvSpPr>
+        <p:spPr>
+          <a:xfrm>
+            <a:off x="2421535" y="3427949"/>
+            <a:ext cx="3048000" cy="923330"/>
+          </a:xfrm>
+          <a:prstGeom prst="rect">
+            <a:avLst/>
+          </a:prstGeom>
+        </p:spPr>
+        <p:txBody>
+          <a:bodyPr wrap="square">
+            <a:spAutoFit/>
+          </a:bodyPr>
+          <a:lstStyle/>
+          <a:p>
+            <a:pPr marL="342900" lvl="0" indent="-342900">
+              <a:spcAft>
+                <a:spcPts val="0"/>
+              </a:spcAft>
+              <a:buFont typeface="Wingdings" panose="05000000000000000000" pitchFamily="2" charset="2"/>
+              <a:buChar char=""/>
+            </a:pPr>
+            <a:r>
+              <a:rPr lang="fr-FR" dirty="0">
+                <a:latin typeface="Calibri" panose="020F0502020204030204" pitchFamily="34" charset="0"/>
+                <a:ea typeface="Calibri" panose="020F0502020204030204" pitchFamily="34" charset="0"/>
+                <a:cs typeface="Times New Roman" panose="02020603050405020304" pitchFamily="18" charset="0"/>
+              </a:rPr>
+              <a:t>Référence : </a:t>
+            </a:r>
+            <a:r>
+              <a:rPr lang="fr-FR" dirty="0">
+                <a:solidFill>
+                  <a:srgbClr val="FF0000"/>
+                </a:solidFill>
+                <a:latin typeface="Calibri" panose="020F0502020204030204" pitchFamily="34" charset="0"/>
+                <a:ea typeface="Calibri" panose="020F0502020204030204" pitchFamily="34" charset="0"/>
+                <a:cs typeface="Times New Roman" panose="02020603050405020304" pitchFamily="18" charset="0"/>
+              </a:rPr>
+              <a:t>BDT 250</a:t>
+            </a:r>
+            <a:endParaRPr lang="fr-FR" dirty="0">
+              <a:latin typeface="Calibri" panose="020F0502020204030204" pitchFamily="34" charset="0"/>
+              <a:ea typeface="Calibri" panose="020F0502020204030204" pitchFamily="34" charset="0"/>
+              <a:cs typeface="Times New Roman" panose="02020603050405020304" pitchFamily="18" charset="0"/>
+            </a:endParaRPr>
+          </a:p>
+          <a:p>
+            <a:pPr marL="342900" lvl="0" indent="-342900">
+              <a:spcAft>
+                <a:spcPts val="0"/>
+              </a:spcAft>
+              <a:buFont typeface="Wingdings" panose="05000000000000000000" pitchFamily="2" charset="2"/>
+              <a:buChar char=""/>
+            </a:pPr>
+            <a:r>
+              <a:rPr lang="fr-FR" dirty="0">
+                <a:latin typeface="Calibri" panose="020F0502020204030204" pitchFamily="34" charset="0"/>
+                <a:ea typeface="Calibri" panose="020F0502020204030204" pitchFamily="34" charset="0"/>
+                <a:cs typeface="Times New Roman" panose="02020603050405020304" pitchFamily="18" charset="0"/>
+              </a:rPr>
+              <a:t>Signal : </a:t>
+            </a:r>
+            <a:r>
+              <a:rPr lang="fr-FR" dirty="0">
+                <a:solidFill>
+                  <a:srgbClr val="0070C0"/>
+                </a:solidFill>
+                <a:latin typeface="Calibri" panose="020F0502020204030204" pitchFamily="34" charset="0"/>
+                <a:ea typeface="Calibri" panose="020F0502020204030204" pitchFamily="34" charset="0"/>
+                <a:cs typeface="Times New Roman" panose="02020603050405020304" pitchFamily="18" charset="0"/>
+              </a:rPr>
+              <a:t>Numérique</a:t>
+            </a:r>
+            <a:r>
+              <a:rPr lang="fr-FR" dirty="0">
+                <a:latin typeface="Calibri" panose="020F0502020204030204" pitchFamily="34" charset="0"/>
+                <a:ea typeface="Calibri" panose="020F0502020204030204" pitchFamily="34" charset="0"/>
+                <a:cs typeface="Times New Roman" panose="02020603050405020304" pitchFamily="18" charset="0"/>
+              </a:rPr>
+              <a:t> </a:t>
+            </a:r>
+          </a:p>
+          <a:p>
+            <a:pPr marL="342900" lvl="0" indent="-342900">
+              <a:spcAft>
+                <a:spcPts val="0"/>
+              </a:spcAft>
+              <a:buFont typeface="Wingdings" panose="05000000000000000000" pitchFamily="2" charset="2"/>
+              <a:buChar char=""/>
+            </a:pPr>
+            <a:r>
+              <a:rPr lang="fr-FR" dirty="0">
+                <a:latin typeface="Calibri" panose="020F0502020204030204" pitchFamily="34" charset="0"/>
+                <a:ea typeface="Calibri" panose="020F0502020204030204" pitchFamily="34" charset="0"/>
+                <a:cs typeface="Times New Roman" panose="02020603050405020304" pitchFamily="18" charset="0"/>
+              </a:rPr>
+              <a:t>Voltage : </a:t>
+            </a:r>
+            <a:r>
+              <a:rPr lang="fr-FR" dirty="0">
+                <a:solidFill>
+                  <a:srgbClr val="0070C0"/>
+                </a:solidFill>
+                <a:latin typeface="Calibri" panose="020F0502020204030204" pitchFamily="34" charset="0"/>
+                <a:ea typeface="Calibri" panose="020F0502020204030204" pitchFamily="34" charset="0"/>
+                <a:cs typeface="Times New Roman" panose="02020603050405020304" pitchFamily="18" charset="0"/>
+              </a:rPr>
+              <a:t>0-5V</a:t>
+            </a:r>
+            <a:endParaRPr lang="fr-FR" dirty="0">
+              <a:latin typeface="Calibri" panose="020F0502020204030204" pitchFamily="34" charset="0"/>
+              <a:ea typeface="Calibri" panose="020F0502020204030204" pitchFamily="34" charset="0"/>
+              <a:cs typeface="Times New Roman" panose="02020603050405020304" pitchFamily="18" charset="0"/>
+            </a:endParaRPr>
+          </a:p>
+        </p:txBody>
+      </p:sp>
     </p:spTree>
     <p:extLst>
       <p:ext uri="{BB962C8B-B14F-4D97-AF65-F5344CB8AC3E}">

--- a/Etudiants/Thomas/Revue Projet/Revue 1/Thomas Cadeau Revue 1.pptx
+++ b/Etudiants/Thomas/Revue Projet/Revue 1/Thomas Cadeau Revue 1.pptx
@@ -264,7 +264,7 @@
           <a:p>
             <a:fld id="{A5A52D65-5D23-4759-866C-BD4D7E81B3B3}" type="datetimeFigureOut">
               <a:rPr lang="fr-FR" smtClean="0"/>
-              <a:t>31/01/2020</a:t>
+              <a:t>03/02/2020</a:t>
             </a:fld>
             <a:endParaRPr lang="fr-FR"/>
           </a:p>
@@ -462,7 +462,7 @@
           <a:p>
             <a:fld id="{A5A52D65-5D23-4759-866C-BD4D7E81B3B3}" type="datetimeFigureOut">
               <a:rPr lang="fr-FR" smtClean="0"/>
-              <a:t>31/01/2020</a:t>
+              <a:t>03/02/2020</a:t>
             </a:fld>
             <a:endParaRPr lang="fr-FR"/>
           </a:p>
@@ -670,7 +670,7 @@
           <a:p>
             <a:fld id="{A5A52D65-5D23-4759-866C-BD4D7E81B3B3}" type="datetimeFigureOut">
               <a:rPr lang="fr-FR" smtClean="0"/>
-              <a:t>31/01/2020</a:t>
+              <a:t>03/02/2020</a:t>
             </a:fld>
             <a:endParaRPr lang="fr-FR"/>
           </a:p>
@@ -868,7 +868,7 @@
           <a:p>
             <a:fld id="{A5A52D65-5D23-4759-866C-BD4D7E81B3B3}" type="datetimeFigureOut">
               <a:rPr lang="fr-FR" smtClean="0"/>
-              <a:t>31/01/2020</a:t>
+              <a:t>03/02/2020</a:t>
             </a:fld>
             <a:endParaRPr lang="fr-FR"/>
           </a:p>
@@ -1143,7 +1143,7 @@
           <a:p>
             <a:fld id="{A5A52D65-5D23-4759-866C-BD4D7E81B3B3}" type="datetimeFigureOut">
               <a:rPr lang="fr-FR" smtClean="0"/>
-              <a:t>31/01/2020</a:t>
+              <a:t>03/02/2020</a:t>
             </a:fld>
             <a:endParaRPr lang="fr-FR"/>
           </a:p>
@@ -1408,7 +1408,7 @@
           <a:p>
             <a:fld id="{A5A52D65-5D23-4759-866C-BD4D7E81B3B3}" type="datetimeFigureOut">
               <a:rPr lang="fr-FR" smtClean="0"/>
-              <a:t>31/01/2020</a:t>
+              <a:t>03/02/2020</a:t>
             </a:fld>
             <a:endParaRPr lang="fr-FR"/>
           </a:p>
@@ -1820,7 +1820,7 @@
           <a:p>
             <a:fld id="{A5A52D65-5D23-4759-866C-BD4D7E81B3B3}" type="datetimeFigureOut">
               <a:rPr lang="fr-FR" smtClean="0"/>
-              <a:t>31/01/2020</a:t>
+              <a:t>03/02/2020</a:t>
             </a:fld>
             <a:endParaRPr lang="fr-FR"/>
           </a:p>
@@ -1961,7 +1961,7 @@
           <a:p>
             <a:fld id="{A5A52D65-5D23-4759-866C-BD4D7E81B3B3}" type="datetimeFigureOut">
               <a:rPr lang="fr-FR" smtClean="0"/>
-              <a:t>31/01/2020</a:t>
+              <a:t>03/02/2020</a:t>
             </a:fld>
             <a:endParaRPr lang="fr-FR"/>
           </a:p>
@@ -2074,7 +2074,7 @@
           <a:p>
             <a:fld id="{A5A52D65-5D23-4759-866C-BD4D7E81B3B3}" type="datetimeFigureOut">
               <a:rPr lang="fr-FR" smtClean="0"/>
-              <a:t>31/01/2020</a:t>
+              <a:t>03/02/2020</a:t>
             </a:fld>
             <a:endParaRPr lang="fr-FR"/>
           </a:p>
@@ -2385,7 +2385,7 @@
           <a:p>
             <a:fld id="{A5A52D65-5D23-4759-866C-BD4D7E81B3B3}" type="datetimeFigureOut">
               <a:rPr lang="fr-FR" smtClean="0"/>
-              <a:t>31/01/2020</a:t>
+              <a:t>03/02/2020</a:t>
             </a:fld>
             <a:endParaRPr lang="fr-FR"/>
           </a:p>
@@ -2673,7 +2673,7 @@
           <a:p>
             <a:fld id="{A5A52D65-5D23-4759-866C-BD4D7E81B3B3}" type="datetimeFigureOut">
               <a:rPr lang="fr-FR" smtClean="0"/>
-              <a:t>31/01/2020</a:t>
+              <a:t>03/02/2020</a:t>
             </a:fld>
             <a:endParaRPr lang="fr-FR"/>
           </a:p>
@@ -2914,7 +2914,7 @@
           <a:p>
             <a:fld id="{A5A52D65-5D23-4759-866C-BD4D7E81B3B3}" type="datetimeFigureOut">
               <a:rPr lang="fr-FR" smtClean="0"/>
-              <a:t>31/01/2020</a:t>
+              <a:t>03/02/2020</a:t>
             </a:fld>
             <a:endParaRPr lang="fr-FR"/>
           </a:p>
@@ -6919,6 +6919,58 @@
           </a:prstGeom>
         </p:spPr>
       </p:pic>
+      <p:sp>
+        <p:nvSpPr>
+          <p:cNvPr id="3" name="Rectangle 2">
+            <a:extLst>
+              <a:ext uri="{FF2B5EF4-FFF2-40B4-BE49-F238E27FC236}">
+                <a16:creationId xmlns:a16="http://schemas.microsoft.com/office/drawing/2014/main" id="{6CEB290B-CBEC-406B-BB8F-705BC90B9637}"/>
+              </a:ext>
+            </a:extLst>
+          </p:cNvPr>
+          <p:cNvSpPr/>
+          <p:nvPr/>
+        </p:nvSpPr>
+        <p:spPr>
+          <a:xfrm>
+            <a:off x="853991" y="3273398"/>
+            <a:ext cx="2634561" cy="2973721"/>
+          </a:xfrm>
+          <a:prstGeom prst="rect">
+            <a:avLst/>
+          </a:prstGeom>
+          <a:solidFill>
+            <a:schemeClr val="dk1">
+              <a:alpha val="50000"/>
+            </a:schemeClr>
+          </a:solidFill>
+          <a:ln>
+            <a:noFill/>
+          </a:ln>
+        </p:spPr>
+        <p:style>
+          <a:lnRef idx="0">
+            <a:scrgbClr r="0" g="0" b="0"/>
+          </a:lnRef>
+          <a:fillRef idx="0">
+            <a:scrgbClr r="0" g="0" b="0"/>
+          </a:fillRef>
+          <a:effectRef idx="0">
+            <a:scrgbClr r="0" g="0" b="0"/>
+          </a:effectRef>
+          <a:fontRef idx="minor">
+            <a:schemeClr val="lt1"/>
+          </a:fontRef>
+        </p:style>
+        <p:txBody>
+          <a:bodyPr rtlCol="0" anchor="ctr"/>
+          <a:lstStyle/>
+          <a:p>
+            <a:pPr algn="ctr"/>
+            <a:endParaRPr lang="fr-FR"/>
+          </a:p>
+        </p:txBody>
+      </p:sp>
       <p:pic>
         <p:nvPicPr>
           <p:cNvPr id="4" name="Image 3">
@@ -6941,7 +6993,7 @@
         </p:blipFill>
         <p:spPr>
           <a:xfrm>
-            <a:off x="3049409" y="1420798"/>
+            <a:off x="1370964" y="3089338"/>
             <a:ext cx="2014056" cy="2014056"/>
           </a:xfrm>
           <a:prstGeom prst="rect">
@@ -6977,7 +7029,7 @@
         </p:blipFill>
         <p:spPr>
           <a:xfrm>
-            <a:off x="6722466" y="1691861"/>
+            <a:off x="4805268" y="447048"/>
             <a:ext cx="1905266" cy="1905266"/>
           </a:xfrm>
           <a:prstGeom prst="rect">
@@ -6999,7 +7051,7 @@
         </p:nvSpPr>
         <p:spPr>
           <a:xfrm>
-            <a:off x="2421535" y="3427949"/>
+            <a:off x="853992" y="5022939"/>
             <a:ext cx="3048000" cy="923330"/>
           </a:xfrm>
           <a:prstGeom prst="rect">

--- a/Etudiants/Thomas/Revue Projet/Revue 1/Thomas Cadeau Revue 1.pptx
+++ b/Etudiants/Thomas/Revue Projet/Revue 1/Thomas Cadeau Revue 1.pptx
@@ -11,6 +11,9 @@
     <p:sldId id="262" r:id="rId5"/>
     <p:sldId id="263" r:id="rId6"/>
     <p:sldId id="264" r:id="rId7"/>
+    <p:sldId id="265" r:id="rId8"/>
+    <p:sldId id="266" r:id="rId9"/>
+    <p:sldId id="267" r:id="rId10"/>
   </p:sldIdLst>
   <p:sldSz cx="12192000" cy="6858000"/>
   <p:notesSz cx="6858000" cy="9144000"/>
@@ -5552,10 +5555,10 @@
       </p:sp>
       <p:sp>
         <p:nvSpPr>
-          <p:cNvPr id="27" name="Flèche : double flèche horizontale 26">
-            <a:extLst>
-              <a:ext uri="{FF2B5EF4-FFF2-40B4-BE49-F238E27FC236}">
-                <a16:creationId xmlns:a16="http://schemas.microsoft.com/office/drawing/2014/main" id="{0A53EE60-E129-43EE-956A-9A08F639C4F1}"/>
+          <p:cNvPr id="29" name="Rectangle : coins arrondis 28">
+            <a:extLst>
+              <a:ext uri="{FF2B5EF4-FFF2-40B4-BE49-F238E27FC236}">
+                <a16:creationId xmlns:a16="http://schemas.microsoft.com/office/drawing/2014/main" id="{532A4A39-801B-4176-B571-5567366FB46D}"/>
               </a:ext>
             </a:extLst>
           </p:cNvPr>
@@ -5564,18 +5567,16 @@
         </p:nvSpPr>
         <p:spPr>
           <a:xfrm>
-            <a:off x="6865620" y="4779181"/>
-            <a:ext cx="612865" cy="317994"/>
-          </a:xfrm>
-          <a:prstGeom prst="leftRightArrow">
+            <a:off x="2802731" y="3330921"/>
+            <a:ext cx="1661954" cy="801039"/>
+          </a:xfrm>
+          <a:prstGeom prst="roundRect">
             <a:avLst/>
           </a:prstGeom>
-          <a:solidFill>
-            <a:srgbClr val="2FC9FF"/>
-          </a:solidFill>
-          <a:ln>
+          <a:noFill/>
+          <a:ln w="50800">
             <a:solidFill>
-              <a:srgbClr val="00B0F0"/>
+              <a:srgbClr val="92D050"/>
             </a:solidFill>
           </a:ln>
         </p:spPr>
@@ -5610,10 +5611,10 @@
       </p:sp>
       <p:sp>
         <p:nvSpPr>
-          <p:cNvPr id="28" name="Flèche : double flèche horizontale 27">
-            <a:extLst>
-              <a:ext uri="{FF2B5EF4-FFF2-40B4-BE49-F238E27FC236}">
-                <a16:creationId xmlns:a16="http://schemas.microsoft.com/office/drawing/2014/main" id="{4EE692DC-BCD0-424D-AE26-64A76FDB12F0}"/>
+          <p:cNvPr id="30" name="Rectangle : coins arrondis 29">
+            <a:extLst>
+              <a:ext uri="{FF2B5EF4-FFF2-40B4-BE49-F238E27FC236}">
+                <a16:creationId xmlns:a16="http://schemas.microsoft.com/office/drawing/2014/main" id="{4DCD131C-7A5D-43BD-81FF-4ADC4FB1B9DA}"/>
               </a:ext>
             </a:extLst>
           </p:cNvPr>
@@ -5622,16 +5623,14 @@
         </p:nvSpPr>
         <p:spPr>
           <a:xfrm>
-            <a:off x="4563290" y="5248733"/>
-            <a:ext cx="1666060" cy="311085"/>
-          </a:xfrm>
-          <a:prstGeom prst="leftRightArrow">
+            <a:off x="6280150" y="2401954"/>
+            <a:ext cx="1630363" cy="801039"/>
+          </a:xfrm>
+          <a:prstGeom prst="roundRect">
             <a:avLst/>
           </a:prstGeom>
-          <a:solidFill>
-            <a:srgbClr val="1EEA14"/>
-          </a:solidFill>
-          <a:ln>
+          <a:noFill/>
+          <a:ln w="50800">
             <a:solidFill>
               <a:srgbClr val="92D050"/>
             </a:solidFill>
@@ -5668,10 +5667,10 @@
       </p:sp>
       <p:sp>
         <p:nvSpPr>
-          <p:cNvPr id="29" name="Rectangle : coins arrondis 28">
-            <a:extLst>
-              <a:ext uri="{FF2B5EF4-FFF2-40B4-BE49-F238E27FC236}">
-                <a16:creationId xmlns:a16="http://schemas.microsoft.com/office/drawing/2014/main" id="{532A4A39-801B-4176-B571-5567366FB46D}"/>
+          <p:cNvPr id="31" name="Rectangle : coins arrondis 30">
+            <a:extLst>
+              <a:ext uri="{FF2B5EF4-FFF2-40B4-BE49-F238E27FC236}">
+                <a16:creationId xmlns:a16="http://schemas.microsoft.com/office/drawing/2014/main" id="{CA90C179-A74B-4161-8662-4CC2C866E039}"/>
               </a:ext>
             </a:extLst>
           </p:cNvPr>
@@ -5680,8 +5679,8 @@
         </p:nvSpPr>
         <p:spPr>
           <a:xfrm>
-            <a:off x="2802731" y="3330921"/>
-            <a:ext cx="1661954" cy="801039"/>
+            <a:off x="4541997" y="2399764"/>
+            <a:ext cx="1649888" cy="801039"/>
           </a:xfrm>
           <a:prstGeom prst="roundRect">
             <a:avLst/>
@@ -5689,7 +5688,7 @@
           <a:noFill/>
           <a:ln w="50800">
             <a:solidFill>
-              <a:srgbClr val="92D050"/>
+              <a:srgbClr val="00B0F0"/>
             </a:solidFill>
           </a:ln>
         </p:spPr>
@@ -5724,10 +5723,10 @@
       </p:sp>
       <p:sp>
         <p:nvSpPr>
-          <p:cNvPr id="30" name="Rectangle : coins arrondis 29">
-            <a:extLst>
-              <a:ext uri="{FF2B5EF4-FFF2-40B4-BE49-F238E27FC236}">
-                <a16:creationId xmlns:a16="http://schemas.microsoft.com/office/drawing/2014/main" id="{4DCD131C-7A5D-43BD-81FF-4ADC4FB1B9DA}"/>
+          <p:cNvPr id="32" name="Rectangle : coins arrondis 31">
+            <a:extLst>
+              <a:ext uri="{FF2B5EF4-FFF2-40B4-BE49-F238E27FC236}">
+                <a16:creationId xmlns:a16="http://schemas.microsoft.com/office/drawing/2014/main" id="{13955848-5BB1-45B4-8CA1-DE42E5F0636D}"/>
               </a:ext>
             </a:extLst>
           </p:cNvPr>
@@ -5736,8 +5735,8 @@
         </p:nvSpPr>
         <p:spPr>
           <a:xfrm>
-            <a:off x="6280150" y="2401954"/>
-            <a:ext cx="1630363" cy="801039"/>
+            <a:off x="6268083" y="3332719"/>
+            <a:ext cx="1661954" cy="801039"/>
           </a:xfrm>
           <a:prstGeom prst="roundRect">
             <a:avLst/>
@@ -5745,7 +5744,7 @@
           <a:noFill/>
           <a:ln w="50800">
             <a:solidFill>
-              <a:srgbClr val="92D050"/>
+              <a:srgbClr val="00B0F0"/>
             </a:solidFill>
           </a:ln>
         </p:spPr>
@@ -5778,12 +5777,235 @@
           </a:p>
         </p:txBody>
       </p:sp>
-      <p:sp>
-        <p:nvSpPr>
-          <p:cNvPr id="31" name="Rectangle : coins arrondis 30">
-            <a:extLst>
-              <a:ext uri="{FF2B5EF4-FFF2-40B4-BE49-F238E27FC236}">
-                <a16:creationId xmlns:a16="http://schemas.microsoft.com/office/drawing/2014/main" id="{CA90C179-A74B-4161-8662-4CC2C866E039}"/>
+      <p:cxnSp>
+        <p:nvCxnSpPr>
+          <p:cNvPr id="33" name="Connecteur droit 32">
+            <a:extLst>
+              <a:ext uri="{FF2B5EF4-FFF2-40B4-BE49-F238E27FC236}">
+                <a16:creationId xmlns:a16="http://schemas.microsoft.com/office/drawing/2014/main" id="{7DDE447D-A728-4BC4-9E99-EB2417F5CEB8}"/>
+              </a:ext>
+            </a:extLst>
+          </p:cNvPr>
+          <p:cNvCxnSpPr>
+            <a:cxnSpLocks/>
+          </p:cNvCxnSpPr>
+          <p:nvPr/>
+        </p:nvCxnSpPr>
+        <p:spPr>
+          <a:xfrm flipH="1" flipV="1">
+            <a:off x="2002064" y="4154372"/>
+            <a:ext cx="2878658" cy="678299"/>
+          </a:xfrm>
+          <a:prstGeom prst="line">
+            <a:avLst/>
+          </a:prstGeom>
+          <a:ln>
+            <a:solidFill>
+              <a:schemeClr val="accent1"/>
+            </a:solidFill>
+          </a:ln>
+        </p:spPr>
+        <p:style>
+          <a:lnRef idx="3">
+            <a:schemeClr val="accent1"/>
+          </a:lnRef>
+          <a:fillRef idx="0">
+            <a:schemeClr val="accent1"/>
+          </a:fillRef>
+          <a:effectRef idx="2">
+            <a:schemeClr val="accent1"/>
+          </a:effectRef>
+          <a:fontRef idx="minor">
+            <a:schemeClr val="tx1"/>
+          </a:fontRef>
+        </p:style>
+      </p:cxnSp>
+      <p:sp>
+        <p:nvSpPr>
+          <p:cNvPr id="34" name="Zone de texte 45">
+            <a:extLst>
+              <a:ext uri="{FF2B5EF4-FFF2-40B4-BE49-F238E27FC236}">
+                <a16:creationId xmlns:a16="http://schemas.microsoft.com/office/drawing/2014/main" id="{ECB89E92-B07E-4EA9-BC08-CB0FE9D73121}"/>
+              </a:ext>
+            </a:extLst>
+          </p:cNvPr>
+          <p:cNvSpPr txBox="1"/>
+          <p:nvPr/>
+        </p:nvSpPr>
+        <p:spPr>
+          <a:xfrm>
+            <a:off x="905817" y="3873384"/>
+            <a:ext cx="1095375" cy="561975"/>
+          </a:xfrm>
+          <a:prstGeom prst="rect">
+            <a:avLst/>
+          </a:prstGeom>
+          <a:solidFill>
+            <a:schemeClr val="lt1"/>
+          </a:solidFill>
+          <a:ln w="6350">
+            <a:solidFill>
+              <a:schemeClr val="accent1"/>
+            </a:solidFill>
+          </a:ln>
+        </p:spPr>
+        <p:txBody>
+          <a:bodyPr rot="0" spcFirstLastPara="0" vert="horz" wrap="square" lIns="91440" tIns="45720" rIns="91440" bIns="45720" numCol="1" spcCol="0" rtlCol="0" fromWordArt="0" anchor="t" anchorCtr="0" forceAA="0" compatLnSpc="1">
+            <a:prstTxWarp prst="textNoShape">
+              <a:avLst/>
+            </a:prstTxWarp>
+            <a:noAutofit/>
+          </a:bodyPr>
+          <a:lstStyle/>
+          <a:p>
+            <a:pPr>
+              <a:lnSpc>
+                <a:spcPct val="107000"/>
+              </a:lnSpc>
+              <a:spcAft>
+                <a:spcPts val="800"/>
+              </a:spcAft>
+            </a:pPr>
+            <a:r>
+              <a:rPr lang="fr-FR" sz="1000" dirty="0">
+                <a:solidFill>
+                  <a:schemeClr val="accent1"/>
+                </a:solidFill>
+                <a:effectLst/>
+                <a:latin typeface="Calibri" panose="020F0502020204030204" pitchFamily="34" charset="0"/>
+                <a:ea typeface="Calibri" panose="020F0502020204030204" pitchFamily="34" charset="0"/>
+                <a:cs typeface="Calibri" panose="020F0502020204030204" pitchFamily="34" charset="0"/>
+              </a:rPr>
+              <a:t>Application Web sur l’affichage de l’état de la salle</a:t>
+            </a:r>
+            <a:endParaRPr lang="fr-FR" sz="1100" dirty="0">
+              <a:solidFill>
+                <a:schemeClr val="accent1"/>
+              </a:solidFill>
+              <a:effectLst/>
+              <a:latin typeface="Calibri" panose="020F0502020204030204" pitchFamily="34" charset="0"/>
+              <a:ea typeface="Calibri" panose="020F0502020204030204" pitchFamily="34" charset="0"/>
+              <a:cs typeface="Times New Roman" panose="02020603050405020304" pitchFamily="18" charset="0"/>
+            </a:endParaRPr>
+          </a:p>
+        </p:txBody>
+      </p:sp>
+      <p:cxnSp>
+        <p:nvCxnSpPr>
+          <p:cNvPr id="37" name="Connecteur droit 36">
+            <a:extLst>
+              <a:ext uri="{FF2B5EF4-FFF2-40B4-BE49-F238E27FC236}">
+                <a16:creationId xmlns:a16="http://schemas.microsoft.com/office/drawing/2014/main" id="{4755879D-0405-47A4-8F86-F0578FE0CEFE}"/>
+              </a:ext>
+            </a:extLst>
+          </p:cNvPr>
+          <p:cNvCxnSpPr>
+            <a:cxnSpLocks/>
+          </p:cNvCxnSpPr>
+          <p:nvPr/>
+        </p:nvCxnSpPr>
+        <p:spPr>
+          <a:xfrm flipV="1">
+            <a:off x="7026093" y="4358810"/>
+            <a:ext cx="2781391" cy="380401"/>
+          </a:xfrm>
+          <a:prstGeom prst="line">
+            <a:avLst/>
+          </a:prstGeom>
+          <a:ln>
+            <a:solidFill>
+              <a:srgbClr val="2FC9FF"/>
+            </a:solidFill>
+          </a:ln>
+        </p:spPr>
+        <p:style>
+          <a:lnRef idx="3">
+            <a:schemeClr val="accent1"/>
+          </a:lnRef>
+          <a:fillRef idx="0">
+            <a:schemeClr val="accent1"/>
+          </a:fillRef>
+          <a:effectRef idx="2">
+            <a:schemeClr val="accent1"/>
+          </a:effectRef>
+          <a:fontRef idx="minor">
+            <a:schemeClr val="tx1"/>
+          </a:fontRef>
+        </p:style>
+      </p:cxnSp>
+      <p:sp>
+        <p:nvSpPr>
+          <p:cNvPr id="38" name="Zone de texte 44">
+            <a:extLst>
+              <a:ext uri="{FF2B5EF4-FFF2-40B4-BE49-F238E27FC236}">
+                <a16:creationId xmlns:a16="http://schemas.microsoft.com/office/drawing/2014/main" id="{8C25DEEC-EBF7-40F0-ABAB-F7CB57E0DD8F}"/>
+              </a:ext>
+            </a:extLst>
+          </p:cNvPr>
+          <p:cNvSpPr txBox="1"/>
+          <p:nvPr/>
+        </p:nvSpPr>
+        <p:spPr>
+          <a:xfrm>
+            <a:off x="9811861" y="4064806"/>
+            <a:ext cx="1095375" cy="561975"/>
+          </a:xfrm>
+          <a:prstGeom prst="rect">
+            <a:avLst/>
+          </a:prstGeom>
+          <a:solidFill>
+            <a:schemeClr val="lt1"/>
+          </a:solidFill>
+          <a:ln w="6350">
+            <a:solidFill>
+              <a:srgbClr val="2FC9FF"/>
+            </a:solidFill>
+          </a:ln>
+        </p:spPr>
+        <p:txBody>
+          <a:bodyPr rot="0" spcFirstLastPara="0" vert="horz" wrap="square" lIns="91440" tIns="45720" rIns="91440" bIns="45720" numCol="1" spcCol="0" rtlCol="0" fromWordArt="0" anchor="t" anchorCtr="0" forceAA="0" compatLnSpc="1">
+            <a:prstTxWarp prst="textNoShape">
+              <a:avLst/>
+            </a:prstTxWarp>
+            <a:noAutofit/>
+          </a:bodyPr>
+          <a:lstStyle/>
+          <a:p>
+            <a:pPr>
+              <a:lnSpc>
+                <a:spcPct val="107000"/>
+              </a:lnSpc>
+              <a:spcAft>
+                <a:spcPts val="800"/>
+              </a:spcAft>
+            </a:pPr>
+            <a:r>
+              <a:rPr lang="fr-FR" sz="1000">
+                <a:solidFill>
+                  <a:srgbClr val="2FC9FF"/>
+                </a:solidFill>
+                <a:effectLst/>
+                <a:latin typeface="Calibri" panose="020F0502020204030204" pitchFamily="34" charset="0"/>
+                <a:ea typeface="Calibri" panose="020F0502020204030204" pitchFamily="34" charset="0"/>
+                <a:cs typeface="Calibri" panose="020F0502020204030204" pitchFamily="34" charset="0"/>
+              </a:rPr>
+              <a:t>Application Web de pilotage des actionneurs</a:t>
+            </a:r>
+            <a:endParaRPr lang="fr-FR" sz="1100">
+              <a:effectLst/>
+              <a:latin typeface="Calibri" panose="020F0502020204030204" pitchFamily="34" charset="0"/>
+              <a:ea typeface="Calibri" panose="020F0502020204030204" pitchFamily="34" charset="0"/>
+              <a:cs typeface="Times New Roman" panose="02020603050405020304" pitchFamily="18" charset="0"/>
+            </a:endParaRPr>
+          </a:p>
+        </p:txBody>
+      </p:sp>
+      <p:sp>
+        <p:nvSpPr>
+          <p:cNvPr id="39" name="Rectangle : coins arrondis 38">
+            <a:extLst>
+              <a:ext uri="{FF2B5EF4-FFF2-40B4-BE49-F238E27FC236}">
+                <a16:creationId xmlns:a16="http://schemas.microsoft.com/office/drawing/2014/main" id="{570ECDBF-FDED-40A3-9A7A-1D09E7E8903F}"/>
               </a:ext>
             </a:extLst>
           </p:cNvPr>
@@ -5792,8 +6014,8 @@
         </p:nvSpPr>
         <p:spPr>
           <a:xfrm>
-            <a:off x="4541997" y="2399764"/>
-            <a:ext cx="1649888" cy="801039"/>
+            <a:off x="3683181" y="5484674"/>
+            <a:ext cx="438833" cy="466534"/>
           </a:xfrm>
           <a:prstGeom prst="roundRect">
             <a:avLst/>
@@ -5801,7 +6023,7 @@
           <a:noFill/>
           <a:ln w="50800">
             <a:solidFill>
-              <a:srgbClr val="00B0F0"/>
+              <a:srgbClr val="92D050"/>
             </a:solidFill>
           </a:ln>
         </p:spPr>
@@ -5836,10 +6058,10 @@
       </p:sp>
       <p:sp>
         <p:nvSpPr>
-          <p:cNvPr id="32" name="Rectangle : coins arrondis 31">
-            <a:extLst>
-              <a:ext uri="{FF2B5EF4-FFF2-40B4-BE49-F238E27FC236}">
-                <a16:creationId xmlns:a16="http://schemas.microsoft.com/office/drawing/2014/main" id="{13955848-5BB1-45B4-8CA1-DE42E5F0636D}"/>
+          <p:cNvPr id="2" name="Flèche : angle droit 1">
+            <a:extLst>
+              <a:ext uri="{FF2B5EF4-FFF2-40B4-BE49-F238E27FC236}">
+                <a16:creationId xmlns:a16="http://schemas.microsoft.com/office/drawing/2014/main" id="{6A908796-6B36-48DD-B7E6-79BF2CB00363}"/>
               </a:ext>
             </a:extLst>
           </p:cNvPr>
@@ -5847,17 +6069,19 @@
           <p:nvPr/>
         </p:nvSpPr>
         <p:spPr>
-          <a:xfrm>
-            <a:off x="6268083" y="3332719"/>
-            <a:ext cx="1661954" cy="801039"/>
-          </a:xfrm>
-          <a:prstGeom prst="roundRect">
+          <a:xfrm rot="10800000">
+            <a:off x="4259614" y="4600179"/>
+            <a:ext cx="3132425" cy="407592"/>
+          </a:xfrm>
+          <a:prstGeom prst="bentUpArrow">
             <a:avLst/>
           </a:prstGeom>
-          <a:noFill/>
-          <a:ln w="50800">
+          <a:solidFill>
+            <a:schemeClr val="accent6"/>
+          </a:solidFill>
+          <a:ln>
             <a:solidFill>
-              <a:srgbClr val="00B0F0"/>
+              <a:schemeClr val="accent6"/>
             </a:solidFill>
           </a:ln>
         </p:spPr>
@@ -5878,265 +6102,40 @@
           </a:fontRef>
         </p:style>
         <p:txBody>
-          <a:bodyPr rot="0" spcFirstLastPara="0" vert="horz" wrap="square" lIns="91440" tIns="45720" rIns="91440" bIns="45720" numCol="1" spcCol="0" rtlCol="0" fromWordArt="0" anchor="ctr" anchorCtr="0" forceAA="0" compatLnSpc="1">
-            <a:prstTxWarp prst="textNoShape">
-              <a:avLst/>
-            </a:prstTxWarp>
-            <a:noAutofit/>
-          </a:bodyPr>
+          <a:bodyPr rtlCol="0" anchor="ctr"/>
           <a:lstStyle/>
           <a:p>
+            <a:pPr algn="ctr"/>
             <a:endParaRPr lang="fr-FR"/>
           </a:p>
         </p:txBody>
       </p:sp>
-      <p:cxnSp>
-        <p:nvCxnSpPr>
-          <p:cNvPr id="33" name="Connecteur droit 32">
-            <a:extLst>
-              <a:ext uri="{FF2B5EF4-FFF2-40B4-BE49-F238E27FC236}">
-                <a16:creationId xmlns:a16="http://schemas.microsoft.com/office/drawing/2014/main" id="{7DDE447D-A728-4BC4-9E99-EB2417F5CEB8}"/>
-              </a:ext>
-            </a:extLst>
-          </p:cNvPr>
-          <p:cNvCxnSpPr>
-            <a:cxnSpLocks/>
-          </p:cNvCxnSpPr>
+      <p:sp>
+        <p:nvSpPr>
+          <p:cNvPr id="7" name="Flèche : angle droit 6">
+            <a:extLst>
+              <a:ext uri="{FF2B5EF4-FFF2-40B4-BE49-F238E27FC236}">
+                <a16:creationId xmlns:a16="http://schemas.microsoft.com/office/drawing/2014/main" id="{EF3A96AD-7129-41E5-AA33-075FFBC6E322}"/>
+              </a:ext>
+            </a:extLst>
+          </p:cNvPr>
+          <p:cNvSpPr/>
           <p:nvPr/>
-        </p:nvCxnSpPr>
-        <p:spPr>
-          <a:xfrm flipH="1" flipV="1">
-            <a:off x="2002064" y="4154372"/>
-            <a:ext cx="2878658" cy="678299"/>
-          </a:xfrm>
-          <a:prstGeom prst="line">
-            <a:avLst/>
-          </a:prstGeom>
-          <a:ln>
-            <a:solidFill>
-              <a:schemeClr val="accent1"/>
-            </a:solidFill>
-          </a:ln>
-        </p:spPr>
-        <p:style>
-          <a:lnRef idx="3">
-            <a:schemeClr val="accent1"/>
-          </a:lnRef>
-          <a:fillRef idx="0">
-            <a:schemeClr val="accent1"/>
-          </a:fillRef>
-          <a:effectRef idx="2">
-            <a:schemeClr val="accent1"/>
-          </a:effectRef>
-          <a:fontRef idx="minor">
-            <a:schemeClr val="tx1"/>
-          </a:fontRef>
-        </p:style>
-      </p:cxnSp>
-      <p:sp>
-        <p:nvSpPr>
-          <p:cNvPr id="34" name="Zone de texte 45">
-            <a:extLst>
-              <a:ext uri="{FF2B5EF4-FFF2-40B4-BE49-F238E27FC236}">
-                <a16:creationId xmlns:a16="http://schemas.microsoft.com/office/drawing/2014/main" id="{ECB89E92-B07E-4EA9-BC08-CB0FE9D73121}"/>
-              </a:ext>
-            </a:extLst>
-          </p:cNvPr>
-          <p:cNvSpPr txBox="1"/>
-          <p:nvPr/>
         </p:nvSpPr>
         <p:spPr>
           <a:xfrm>
-            <a:off x="905817" y="3873384"/>
-            <a:ext cx="1095375" cy="561975"/>
-          </a:xfrm>
-          <a:prstGeom prst="rect">
+            <a:off x="4353347" y="5042849"/>
+            <a:ext cx="3207741" cy="407593"/>
+          </a:xfrm>
+          <a:prstGeom prst="bentUpArrow">
             <a:avLst/>
           </a:prstGeom>
           <a:solidFill>
-            <a:schemeClr val="lt1"/>
+            <a:srgbClr val="00B0F0"/>
           </a:solidFill>
-          <a:ln w="6350">
-            <a:solidFill>
-              <a:schemeClr val="accent1"/>
-            </a:solidFill>
-          </a:ln>
-        </p:spPr>
-        <p:txBody>
-          <a:bodyPr rot="0" spcFirstLastPara="0" vert="horz" wrap="square" lIns="91440" tIns="45720" rIns="91440" bIns="45720" numCol="1" spcCol="0" rtlCol="0" fromWordArt="0" anchor="t" anchorCtr="0" forceAA="0" compatLnSpc="1">
-            <a:prstTxWarp prst="textNoShape">
-              <a:avLst/>
-            </a:prstTxWarp>
-            <a:noAutofit/>
-          </a:bodyPr>
-          <a:lstStyle/>
-          <a:p>
-            <a:pPr>
-              <a:lnSpc>
-                <a:spcPct val="107000"/>
-              </a:lnSpc>
-              <a:spcAft>
-                <a:spcPts val="800"/>
-              </a:spcAft>
-            </a:pPr>
-            <a:r>
-              <a:rPr lang="fr-FR" sz="1000" dirty="0">
-                <a:solidFill>
-                  <a:schemeClr val="accent1"/>
-                </a:solidFill>
-                <a:effectLst/>
-                <a:latin typeface="Calibri" panose="020F0502020204030204" pitchFamily="34" charset="0"/>
-                <a:ea typeface="Calibri" panose="020F0502020204030204" pitchFamily="34" charset="0"/>
-                <a:cs typeface="Calibri" panose="020F0502020204030204" pitchFamily="34" charset="0"/>
-              </a:rPr>
-              <a:t>Application Web sur l’affichage de l’état de la salle</a:t>
-            </a:r>
-            <a:endParaRPr lang="fr-FR" sz="1100" dirty="0">
-              <a:solidFill>
-                <a:schemeClr val="accent1"/>
-              </a:solidFill>
-              <a:effectLst/>
-              <a:latin typeface="Calibri" panose="020F0502020204030204" pitchFamily="34" charset="0"/>
-              <a:ea typeface="Calibri" panose="020F0502020204030204" pitchFamily="34" charset="0"/>
-              <a:cs typeface="Times New Roman" panose="02020603050405020304" pitchFamily="18" charset="0"/>
-            </a:endParaRPr>
-          </a:p>
-        </p:txBody>
-      </p:sp>
-      <p:cxnSp>
-        <p:nvCxnSpPr>
-          <p:cNvPr id="37" name="Connecteur droit 36">
-            <a:extLst>
-              <a:ext uri="{FF2B5EF4-FFF2-40B4-BE49-F238E27FC236}">
-                <a16:creationId xmlns:a16="http://schemas.microsoft.com/office/drawing/2014/main" id="{4755879D-0405-47A4-8F86-F0578FE0CEFE}"/>
-              </a:ext>
-            </a:extLst>
-          </p:cNvPr>
-          <p:cNvCxnSpPr>
-            <a:cxnSpLocks/>
-          </p:cNvCxnSpPr>
-          <p:nvPr/>
-        </p:nvCxnSpPr>
-        <p:spPr>
-          <a:xfrm flipV="1">
-            <a:off x="7026093" y="4358810"/>
-            <a:ext cx="2781391" cy="380401"/>
-          </a:xfrm>
-          <a:prstGeom prst="line">
-            <a:avLst/>
-          </a:prstGeom>
           <a:ln>
             <a:solidFill>
-              <a:srgbClr val="2FC9FF"/>
-            </a:solidFill>
-          </a:ln>
-        </p:spPr>
-        <p:style>
-          <a:lnRef idx="3">
-            <a:schemeClr val="accent1"/>
-          </a:lnRef>
-          <a:fillRef idx="0">
-            <a:schemeClr val="accent1"/>
-          </a:fillRef>
-          <a:effectRef idx="2">
-            <a:schemeClr val="accent1"/>
-          </a:effectRef>
-          <a:fontRef idx="minor">
-            <a:schemeClr val="tx1"/>
-          </a:fontRef>
-        </p:style>
-      </p:cxnSp>
-      <p:sp>
-        <p:nvSpPr>
-          <p:cNvPr id="38" name="Zone de texte 44">
-            <a:extLst>
-              <a:ext uri="{FF2B5EF4-FFF2-40B4-BE49-F238E27FC236}">
-                <a16:creationId xmlns:a16="http://schemas.microsoft.com/office/drawing/2014/main" id="{8C25DEEC-EBF7-40F0-ABAB-F7CB57E0DD8F}"/>
-              </a:ext>
-            </a:extLst>
-          </p:cNvPr>
-          <p:cNvSpPr txBox="1"/>
-          <p:nvPr/>
-        </p:nvSpPr>
-        <p:spPr>
-          <a:xfrm>
-            <a:off x="9811861" y="4064806"/>
-            <a:ext cx="1095375" cy="561975"/>
-          </a:xfrm>
-          <a:prstGeom prst="rect">
-            <a:avLst/>
-          </a:prstGeom>
-          <a:solidFill>
-            <a:schemeClr val="lt1"/>
-          </a:solidFill>
-          <a:ln w="6350">
-            <a:solidFill>
-              <a:srgbClr val="2FC9FF"/>
-            </a:solidFill>
-          </a:ln>
-        </p:spPr>
-        <p:txBody>
-          <a:bodyPr rot="0" spcFirstLastPara="0" vert="horz" wrap="square" lIns="91440" tIns="45720" rIns="91440" bIns="45720" numCol="1" spcCol="0" rtlCol="0" fromWordArt="0" anchor="t" anchorCtr="0" forceAA="0" compatLnSpc="1">
-            <a:prstTxWarp prst="textNoShape">
-              <a:avLst/>
-            </a:prstTxWarp>
-            <a:noAutofit/>
-          </a:bodyPr>
-          <a:lstStyle/>
-          <a:p>
-            <a:pPr>
-              <a:lnSpc>
-                <a:spcPct val="107000"/>
-              </a:lnSpc>
-              <a:spcAft>
-                <a:spcPts val="800"/>
-              </a:spcAft>
-            </a:pPr>
-            <a:r>
-              <a:rPr lang="fr-FR" sz="1000">
-                <a:solidFill>
-                  <a:srgbClr val="2FC9FF"/>
-                </a:solidFill>
-                <a:effectLst/>
-                <a:latin typeface="Calibri" panose="020F0502020204030204" pitchFamily="34" charset="0"/>
-                <a:ea typeface="Calibri" panose="020F0502020204030204" pitchFamily="34" charset="0"/>
-                <a:cs typeface="Calibri" panose="020F0502020204030204" pitchFamily="34" charset="0"/>
-              </a:rPr>
-              <a:t>Application Web de pilotage des actionneurs</a:t>
-            </a:r>
-            <a:endParaRPr lang="fr-FR" sz="1100">
-              <a:effectLst/>
-              <a:latin typeface="Calibri" panose="020F0502020204030204" pitchFamily="34" charset="0"/>
-              <a:ea typeface="Calibri" panose="020F0502020204030204" pitchFamily="34" charset="0"/>
-              <a:cs typeface="Times New Roman" panose="02020603050405020304" pitchFamily="18" charset="0"/>
-            </a:endParaRPr>
-          </a:p>
-        </p:txBody>
-      </p:sp>
-      <p:sp>
-        <p:nvSpPr>
-          <p:cNvPr id="39" name="Rectangle : coins arrondis 38">
-            <a:extLst>
-              <a:ext uri="{FF2B5EF4-FFF2-40B4-BE49-F238E27FC236}">
-                <a16:creationId xmlns:a16="http://schemas.microsoft.com/office/drawing/2014/main" id="{570ECDBF-FDED-40A3-9A7A-1D09E7E8903F}"/>
-              </a:ext>
-            </a:extLst>
-          </p:cNvPr>
-          <p:cNvSpPr/>
-          <p:nvPr/>
-        </p:nvSpPr>
-        <p:spPr>
-          <a:xfrm>
-            <a:off x="3683181" y="5484674"/>
-            <a:ext cx="438833" cy="466534"/>
-          </a:xfrm>
-          <a:prstGeom prst="roundRect">
-            <a:avLst/>
-          </a:prstGeom>
-          <a:noFill/>
-          <a:ln w="50800">
-            <a:solidFill>
-              <a:srgbClr val="92D050"/>
+              <a:srgbClr val="00B0F0"/>
             </a:solidFill>
           </a:ln>
         </p:spPr>
@@ -6157,15 +6156,11 @@
           </a:fontRef>
         </p:style>
         <p:txBody>
-          <a:bodyPr rot="0" spcFirstLastPara="0" vert="horz" wrap="square" lIns="91440" tIns="45720" rIns="91440" bIns="45720" numCol="1" spcCol="0" rtlCol="0" fromWordArt="0" anchor="ctr" anchorCtr="0" forceAA="0" compatLnSpc="1">
-            <a:prstTxWarp prst="textNoShape">
-              <a:avLst/>
-            </a:prstTxWarp>
-            <a:noAutofit/>
-          </a:bodyPr>
+          <a:bodyPr rtlCol="0" anchor="ctr"/>
           <a:lstStyle/>
           <a:p>
-            <a:endParaRPr lang="fr-FR"/>
+            <a:pPr algn="ctr"/>
+            <a:endParaRPr lang="fr-FR" dirty="0"/>
           </a:p>
         </p:txBody>
       </p:sp>
@@ -6933,8 +6928,8 @@
         </p:nvSpPr>
         <p:spPr>
           <a:xfrm>
-            <a:off x="853991" y="3273398"/>
-            <a:ext cx="2634561" cy="2973721"/>
+            <a:off x="700310" y="3561258"/>
+            <a:ext cx="2679602" cy="2701230"/>
           </a:xfrm>
           <a:prstGeom prst="rect">
             <a:avLst/>
@@ -6993,7 +6988,7 @@
         </p:blipFill>
         <p:spPr>
           <a:xfrm>
-            <a:off x="1370964" y="3089338"/>
+            <a:off x="1010562" y="3429000"/>
             <a:ext cx="2014056" cy="2014056"/>
           </a:xfrm>
           <a:prstGeom prst="rect">
@@ -7001,42 +6996,6 @@
           </a:prstGeom>
         </p:spPr>
       </p:pic>
-      <p:pic>
-        <p:nvPicPr>
-          <p:cNvPr id="5" name="Image 4">
-            <a:extLst>
-              <a:ext uri="{FF2B5EF4-FFF2-40B4-BE49-F238E27FC236}">
-                <a16:creationId xmlns:a16="http://schemas.microsoft.com/office/drawing/2014/main" id="{EEBAC794-CE09-4D77-8B21-1EA7F0DB7600}"/>
-              </a:ext>
-            </a:extLst>
-          </p:cNvPr>
-          <p:cNvPicPr>
-            <a:picLocks noChangeAspect="1"/>
-          </p:cNvPicPr>
-          <p:nvPr/>
-        </p:nvPicPr>
-        <p:blipFill>
-          <a:blip r:embed="rId4">
-            <a:extLst>
-              <a:ext uri="{28A0092B-C50C-407E-A947-70E740481C1C}">
-                <a14:useLocalDpi xmlns:a14="http://schemas.microsoft.com/office/drawing/2010/main" val="0"/>
-              </a:ext>
-            </a:extLst>
-          </a:blip>
-          <a:stretch>
-            <a:fillRect/>
-          </a:stretch>
-        </p:blipFill>
-        <p:spPr>
-          <a:xfrm>
-            <a:off x="4805268" y="447048"/>
-            <a:ext cx="1905266" cy="1905266"/>
-          </a:xfrm>
-          <a:prstGeom prst="rect">
-            <a:avLst/>
-          </a:prstGeom>
-        </p:spPr>
-      </p:pic>
       <p:sp>
         <p:nvSpPr>
           <p:cNvPr id="2" name="Rectangle 1">
@@ -7051,8 +7010,8 @@
         </p:nvSpPr>
         <p:spPr>
           <a:xfrm>
-            <a:off x="853992" y="5022939"/>
-            <a:ext cx="3048000" cy="923330"/>
+            <a:off x="700309" y="5395875"/>
+            <a:ext cx="3048000" cy="738664"/>
           </a:xfrm>
           <a:prstGeom prst="rect">
             <a:avLst/>
@@ -7072,17 +7031,17 @@
               <a:buChar char=""/>
             </a:pPr>
             <a:r>
-              <a:rPr lang="fr-FR" dirty="0">
+              <a:rPr lang="fr-FR" sz="1400" dirty="0">
                 <a:latin typeface="Calibri" panose="020F0502020204030204" pitchFamily="34" charset="0"/>
                 <a:ea typeface="Calibri" panose="020F0502020204030204" pitchFamily="34" charset="0"/>
                 <a:cs typeface="Times New Roman" panose="02020603050405020304" pitchFamily="18" charset="0"/>
               </a:rPr>
-              <a:t>Référence : </a:t>
-            </a:r>
-            <a:r>
-              <a:rPr lang="fr-FR" dirty="0">
+              <a:t>Capteur d’humidité : </a:t>
+            </a:r>
+            <a:r>
+              <a:rPr lang="fr-FR" sz="1400" dirty="0">
                 <a:solidFill>
-                  <a:srgbClr val="FF0000"/>
+                  <a:srgbClr val="0070C0"/>
                 </a:solidFill>
                 <a:latin typeface="Calibri" panose="020F0502020204030204" pitchFamily="34" charset="0"/>
                 <a:ea typeface="Calibri" panose="020F0502020204030204" pitchFamily="34" charset="0"/>
@@ -7090,11 +7049,6 @@
               </a:rPr>
               <a:t>BDT 250</a:t>
             </a:r>
-            <a:endParaRPr lang="fr-FR" dirty="0">
-              <a:latin typeface="Calibri" panose="020F0502020204030204" pitchFamily="34" charset="0"/>
-              <a:ea typeface="Calibri" panose="020F0502020204030204" pitchFamily="34" charset="0"/>
-              <a:cs typeface="Times New Roman" panose="02020603050405020304" pitchFamily="18" charset="0"/>
-            </a:endParaRPr>
           </a:p>
           <a:p>
             <a:pPr marL="342900" lvl="0" indent="-342900">
@@ -7105,7 +7059,7 @@
               <a:buChar char=""/>
             </a:pPr>
             <a:r>
-              <a:rPr lang="fr-FR" dirty="0">
+              <a:rPr lang="fr-FR" sz="1400" dirty="0">
                 <a:latin typeface="Calibri" panose="020F0502020204030204" pitchFamily="34" charset="0"/>
                 <a:ea typeface="Calibri" panose="020F0502020204030204" pitchFamily="34" charset="0"/>
                 <a:cs typeface="Times New Roman" panose="02020603050405020304" pitchFamily="18" charset="0"/>
@@ -7113,7 +7067,7 @@
               <a:t>Signal : </a:t>
             </a:r>
             <a:r>
-              <a:rPr lang="fr-FR" dirty="0">
+              <a:rPr lang="fr-FR" sz="1400" dirty="0">
                 <a:solidFill>
                   <a:srgbClr val="0070C0"/>
                 </a:solidFill>
@@ -7124,7 +7078,7 @@
               <a:t>Numérique</a:t>
             </a:r>
             <a:r>
-              <a:rPr lang="fr-FR" dirty="0">
+              <a:rPr lang="fr-FR" sz="1400" dirty="0">
                 <a:latin typeface="Calibri" panose="020F0502020204030204" pitchFamily="34" charset="0"/>
                 <a:ea typeface="Calibri" panose="020F0502020204030204" pitchFamily="34" charset="0"/>
                 <a:cs typeface="Times New Roman" panose="02020603050405020304" pitchFamily="18" charset="0"/>
@@ -7141,7 +7095,7 @@
               <a:buChar char=""/>
             </a:pPr>
             <a:r>
-              <a:rPr lang="fr-FR" dirty="0">
+              <a:rPr lang="fr-FR" sz="1400" dirty="0">
                 <a:latin typeface="Calibri" panose="020F0502020204030204" pitchFamily="34" charset="0"/>
                 <a:ea typeface="Calibri" panose="020F0502020204030204" pitchFamily="34" charset="0"/>
                 <a:cs typeface="Times New Roman" panose="02020603050405020304" pitchFamily="18" charset="0"/>
@@ -7149,7 +7103,7 @@
               <a:t>Voltage : </a:t>
             </a:r>
             <a:r>
-              <a:rPr lang="fr-FR" dirty="0">
+              <a:rPr lang="fr-FR" sz="1400" dirty="0">
                 <a:solidFill>
                   <a:srgbClr val="0070C0"/>
                 </a:solidFill>
@@ -7159,7 +7113,7 @@
               </a:rPr>
               <a:t>0-5V</a:t>
             </a:r>
-            <a:endParaRPr lang="fr-FR" dirty="0">
+            <a:endParaRPr lang="fr-FR" sz="1400" dirty="0">
               <a:latin typeface="Calibri" panose="020F0502020204030204" pitchFamily="34" charset="0"/>
               <a:ea typeface="Calibri" panose="020F0502020204030204" pitchFamily="34" charset="0"/>
               <a:cs typeface="Times New Roman" panose="02020603050405020304" pitchFamily="18" charset="0"/>
@@ -7167,10 +7121,3726 @@
           </a:p>
         </p:txBody>
       </p:sp>
+      <p:pic>
+        <p:nvPicPr>
+          <p:cNvPr id="6" name="Image 5">
+            <a:extLst>
+              <a:ext uri="{FF2B5EF4-FFF2-40B4-BE49-F238E27FC236}">
+                <a16:creationId xmlns:a16="http://schemas.microsoft.com/office/drawing/2014/main" id="{DE8C1393-2B67-422A-A888-CC01ED5FC35F}"/>
+              </a:ext>
+            </a:extLst>
+          </p:cNvPr>
+          <p:cNvPicPr>
+            <a:picLocks noChangeAspect="1"/>
+          </p:cNvPicPr>
+          <p:nvPr/>
+        </p:nvPicPr>
+        <p:blipFill>
+          <a:blip r:embed="rId4"/>
+          <a:stretch>
+            <a:fillRect/>
+          </a:stretch>
+        </p:blipFill>
+        <p:spPr>
+          <a:xfrm>
+            <a:off x="4195270" y="497209"/>
+            <a:ext cx="3048425" cy="1314633"/>
+          </a:xfrm>
+          <a:prstGeom prst="rect">
+            <a:avLst/>
+          </a:prstGeom>
+        </p:spPr>
+      </p:pic>
+      <p:sp>
+        <p:nvSpPr>
+          <p:cNvPr id="7" name="Rectangle 6">
+            <a:extLst>
+              <a:ext uri="{FF2B5EF4-FFF2-40B4-BE49-F238E27FC236}">
+                <a16:creationId xmlns:a16="http://schemas.microsoft.com/office/drawing/2014/main" id="{521B6562-3AE8-4E05-959C-697BE5B4383F}"/>
+              </a:ext>
+            </a:extLst>
+          </p:cNvPr>
+          <p:cNvSpPr/>
+          <p:nvPr/>
+        </p:nvSpPr>
+        <p:spPr>
+          <a:xfrm>
+            <a:off x="6095999" y="3721312"/>
+            <a:ext cx="5783517" cy="2308196"/>
+          </a:xfrm>
+          <a:prstGeom prst="rect">
+            <a:avLst/>
+          </a:prstGeom>
+          <a:solidFill>
+            <a:schemeClr val="dk1">
+              <a:alpha val="50000"/>
+            </a:schemeClr>
+          </a:solidFill>
+          <a:ln>
+            <a:noFill/>
+          </a:ln>
+        </p:spPr>
+        <p:style>
+          <a:lnRef idx="0">
+            <a:scrgbClr r="0" g="0" b="0"/>
+          </a:lnRef>
+          <a:fillRef idx="0">
+            <a:scrgbClr r="0" g="0" b="0"/>
+          </a:fillRef>
+          <a:effectRef idx="0">
+            <a:scrgbClr r="0" g="0" b="0"/>
+          </a:effectRef>
+          <a:fontRef idx="minor">
+            <a:schemeClr val="lt1"/>
+          </a:fontRef>
+        </p:style>
+        <p:txBody>
+          <a:bodyPr wrap="square">
+            <a:spAutoFit/>
+          </a:bodyPr>
+          <a:lstStyle/>
+          <a:p>
+            <a:pPr marL="342900" lvl="0" indent="-342900">
+              <a:spcAft>
+                <a:spcPts val="0"/>
+              </a:spcAft>
+              <a:buFont typeface="Wingdings" panose="05000000000000000000" pitchFamily="2" charset="2"/>
+              <a:buChar char=""/>
+            </a:pPr>
+            <a:r>
+              <a:rPr lang="fr-FR" sz="1200" dirty="0">
+                <a:latin typeface="Calibri" panose="020F0502020204030204" pitchFamily="34" charset="0"/>
+                <a:ea typeface="Calibri" panose="020F0502020204030204" pitchFamily="34" charset="0"/>
+                <a:cs typeface="Times New Roman" panose="02020603050405020304" pitchFamily="18" charset="0"/>
+              </a:rPr>
+              <a:t>S1 </a:t>
+            </a:r>
+          </a:p>
+          <a:p>
+            <a:pPr marL="742950" lvl="1" indent="-285750" algn="just">
+              <a:lnSpc>
+                <a:spcPct val="107000"/>
+              </a:lnSpc>
+              <a:spcAft>
+                <a:spcPts val="0"/>
+              </a:spcAft>
+              <a:buFont typeface="Symbol" panose="05050102010706020507" pitchFamily="18" charset="2"/>
+              <a:buChar char=""/>
+            </a:pPr>
+            <a:r>
+              <a:rPr lang="fr-FR" sz="1200" dirty="0">
+                <a:latin typeface="Calibri" panose="020F0502020204030204" pitchFamily="34" charset="0"/>
+                <a:ea typeface="Calibri" panose="020F0502020204030204" pitchFamily="34" charset="0"/>
+                <a:cs typeface="Times New Roman" panose="02020603050405020304" pitchFamily="18" charset="0"/>
+              </a:rPr>
+              <a:t>Rôle : </a:t>
+            </a:r>
+            <a:r>
+              <a:rPr lang="fr-FR" sz="1200" dirty="0">
+                <a:solidFill>
+                  <a:srgbClr val="FF0000"/>
+                </a:solidFill>
+                <a:latin typeface="Calibri" panose="020F0502020204030204" pitchFamily="34" charset="0"/>
+                <a:ea typeface="Calibri" panose="020F0502020204030204" pitchFamily="34" charset="0"/>
+                <a:cs typeface="Times New Roman" panose="02020603050405020304" pitchFamily="18" charset="0"/>
+              </a:rPr>
+              <a:t>Activer/désactiver une gâche électrique via un relais.</a:t>
+            </a:r>
+            <a:endParaRPr lang="fr-FR" sz="1100" dirty="0">
+              <a:latin typeface="Calibri" panose="020F0502020204030204" pitchFamily="34" charset="0"/>
+              <a:ea typeface="Calibri" panose="020F0502020204030204" pitchFamily="34" charset="0"/>
+              <a:cs typeface="Times New Roman" panose="02020603050405020304" pitchFamily="18" charset="0"/>
+            </a:endParaRPr>
+          </a:p>
+          <a:p>
+            <a:pPr marL="742950" lvl="1" indent="-285750" algn="just">
+              <a:lnSpc>
+                <a:spcPct val="107000"/>
+              </a:lnSpc>
+              <a:spcAft>
+                <a:spcPts val="0"/>
+              </a:spcAft>
+              <a:buFont typeface="Symbol" panose="05050102010706020507" pitchFamily="18" charset="2"/>
+              <a:buChar char=""/>
+            </a:pPr>
+            <a:r>
+              <a:rPr lang="fr-FR" sz="1200" dirty="0">
+                <a:latin typeface="Calibri" panose="020F0502020204030204" pitchFamily="34" charset="0"/>
+                <a:ea typeface="Calibri" panose="020F0502020204030204" pitchFamily="34" charset="0"/>
+                <a:cs typeface="Times New Roman" panose="02020603050405020304" pitchFamily="18" charset="0"/>
+              </a:rPr>
+              <a:t>Condition : </a:t>
+            </a:r>
+            <a:r>
+              <a:rPr lang="fr-FR" sz="1200" dirty="0">
+                <a:solidFill>
+                  <a:srgbClr val="FF0000"/>
+                </a:solidFill>
+                <a:latin typeface="Calibri" panose="020F0502020204030204" pitchFamily="34" charset="0"/>
+                <a:ea typeface="Calibri" panose="020F0502020204030204" pitchFamily="34" charset="0"/>
+                <a:cs typeface="Times New Roman" panose="02020603050405020304" pitchFamily="18" charset="0"/>
+              </a:rPr>
+              <a:t>Si E1 est à 1 alors activer la sortie sinon, désactiver la sortie.</a:t>
+            </a:r>
+            <a:endParaRPr lang="fr-FR" sz="1100" dirty="0">
+              <a:latin typeface="Calibri" panose="020F0502020204030204" pitchFamily="34" charset="0"/>
+              <a:ea typeface="Calibri" panose="020F0502020204030204" pitchFamily="34" charset="0"/>
+              <a:cs typeface="Times New Roman" panose="02020603050405020304" pitchFamily="18" charset="0"/>
+            </a:endParaRPr>
+          </a:p>
+          <a:p>
+            <a:pPr marL="342900" lvl="0" indent="-342900">
+              <a:spcAft>
+                <a:spcPts val="0"/>
+              </a:spcAft>
+              <a:buFont typeface="Wingdings" panose="05000000000000000000" pitchFamily="2" charset="2"/>
+              <a:buChar char=""/>
+            </a:pPr>
+            <a:r>
+              <a:rPr lang="fr-FR" sz="1200" dirty="0">
+                <a:latin typeface="Calibri" panose="020F0502020204030204" pitchFamily="34" charset="0"/>
+                <a:ea typeface="Calibri" panose="020F0502020204030204" pitchFamily="34" charset="0"/>
+                <a:cs typeface="Times New Roman" panose="02020603050405020304" pitchFamily="18" charset="0"/>
+              </a:rPr>
+              <a:t>S2  </a:t>
+            </a:r>
+          </a:p>
+          <a:p>
+            <a:pPr marL="742950" lvl="1" indent="-285750" algn="just">
+              <a:lnSpc>
+                <a:spcPct val="107000"/>
+              </a:lnSpc>
+              <a:spcAft>
+                <a:spcPts val="0"/>
+              </a:spcAft>
+              <a:buFont typeface="Symbol" panose="05050102010706020507" pitchFamily="18" charset="2"/>
+              <a:buChar char=""/>
+            </a:pPr>
+            <a:r>
+              <a:rPr lang="fr-FR" sz="1200" dirty="0">
+                <a:latin typeface="Calibri" panose="020F0502020204030204" pitchFamily="34" charset="0"/>
+                <a:ea typeface="Calibri" panose="020F0502020204030204" pitchFamily="34" charset="0"/>
+                <a:cs typeface="Times New Roman" panose="02020603050405020304" pitchFamily="18" charset="0"/>
+              </a:rPr>
+              <a:t>Rôle : </a:t>
+            </a:r>
+            <a:r>
+              <a:rPr lang="fr-FR" sz="1200" dirty="0">
+                <a:solidFill>
+                  <a:srgbClr val="FF0000"/>
+                </a:solidFill>
+                <a:latin typeface="Calibri" panose="020F0502020204030204" pitchFamily="34" charset="0"/>
+                <a:ea typeface="Calibri" panose="020F0502020204030204" pitchFamily="34" charset="0"/>
+                <a:cs typeface="Times New Roman" panose="02020603050405020304" pitchFamily="18" charset="0"/>
+              </a:rPr>
+              <a:t>Activer/désactiver le moteur d’une fontaine (220 Volt) via un relais.</a:t>
+            </a:r>
+            <a:endParaRPr lang="fr-FR" sz="1100" dirty="0">
+              <a:latin typeface="Calibri" panose="020F0502020204030204" pitchFamily="34" charset="0"/>
+              <a:ea typeface="Calibri" panose="020F0502020204030204" pitchFamily="34" charset="0"/>
+              <a:cs typeface="Times New Roman" panose="02020603050405020304" pitchFamily="18" charset="0"/>
+            </a:endParaRPr>
+          </a:p>
+          <a:p>
+            <a:pPr marL="742950" lvl="1" indent="-285750" algn="just">
+              <a:lnSpc>
+                <a:spcPct val="107000"/>
+              </a:lnSpc>
+              <a:spcAft>
+                <a:spcPts val="0"/>
+              </a:spcAft>
+              <a:buFont typeface="Symbol" panose="05050102010706020507" pitchFamily="18" charset="2"/>
+              <a:buChar char=""/>
+            </a:pPr>
+            <a:r>
+              <a:rPr lang="fr-FR" sz="1200" dirty="0">
+                <a:latin typeface="Calibri" panose="020F0502020204030204" pitchFamily="34" charset="0"/>
+                <a:ea typeface="Calibri" panose="020F0502020204030204" pitchFamily="34" charset="0"/>
+                <a:cs typeface="Times New Roman" panose="02020603050405020304" pitchFamily="18" charset="0"/>
+              </a:rPr>
+              <a:t>Condition : </a:t>
+            </a:r>
+            <a:r>
+              <a:rPr lang="fr-FR" sz="1200" dirty="0">
+                <a:solidFill>
+                  <a:srgbClr val="FF0000"/>
+                </a:solidFill>
+                <a:latin typeface="Calibri" panose="020F0502020204030204" pitchFamily="34" charset="0"/>
+                <a:ea typeface="Calibri" panose="020F0502020204030204" pitchFamily="34" charset="0"/>
+                <a:cs typeface="Times New Roman" panose="02020603050405020304" pitchFamily="18" charset="0"/>
+              </a:rPr>
+              <a:t>Si E1 est à 1 alors activer la sortie, sinon désactiver la sortie.</a:t>
+            </a:r>
+            <a:endParaRPr lang="fr-FR" sz="1100" dirty="0">
+              <a:latin typeface="Calibri" panose="020F0502020204030204" pitchFamily="34" charset="0"/>
+              <a:ea typeface="Calibri" panose="020F0502020204030204" pitchFamily="34" charset="0"/>
+              <a:cs typeface="Times New Roman" panose="02020603050405020304" pitchFamily="18" charset="0"/>
+            </a:endParaRPr>
+          </a:p>
+          <a:p>
+            <a:pPr marL="342900" lvl="0" indent="-342900">
+              <a:spcAft>
+                <a:spcPts val="0"/>
+              </a:spcAft>
+              <a:buFont typeface="Wingdings" panose="05000000000000000000" pitchFamily="2" charset="2"/>
+              <a:buChar char=""/>
+            </a:pPr>
+            <a:r>
+              <a:rPr lang="fr-FR" sz="1200" dirty="0">
+                <a:latin typeface="Calibri" panose="020F0502020204030204" pitchFamily="34" charset="0"/>
+                <a:ea typeface="Calibri" panose="020F0502020204030204" pitchFamily="34" charset="0"/>
+                <a:cs typeface="Times New Roman" panose="02020603050405020304" pitchFamily="18" charset="0"/>
+              </a:rPr>
+              <a:t>S_EAU</a:t>
+            </a:r>
+          </a:p>
+          <a:p>
+            <a:pPr marL="742950" lvl="1" indent="-285750" algn="just">
+              <a:lnSpc>
+                <a:spcPct val="107000"/>
+              </a:lnSpc>
+              <a:spcAft>
+                <a:spcPts val="800"/>
+              </a:spcAft>
+              <a:buFont typeface="Symbol" panose="05050102010706020507" pitchFamily="18" charset="2"/>
+              <a:buChar char=""/>
+            </a:pPr>
+            <a:r>
+              <a:rPr lang="fr-FR" sz="1200" dirty="0">
+                <a:latin typeface="Calibri" panose="020F0502020204030204" pitchFamily="34" charset="0"/>
+                <a:ea typeface="Calibri" panose="020F0502020204030204" pitchFamily="34" charset="0"/>
+                <a:cs typeface="Times New Roman" panose="02020603050405020304" pitchFamily="18" charset="0"/>
+              </a:rPr>
+              <a:t>Rôle : </a:t>
+            </a:r>
+            <a:r>
+              <a:rPr lang="fr-FR" sz="1200" dirty="0">
+                <a:solidFill>
+                  <a:srgbClr val="FF0000"/>
+                </a:solidFill>
+                <a:latin typeface="Calibri" panose="020F0502020204030204" pitchFamily="34" charset="0"/>
+                <a:ea typeface="Calibri" panose="020F0502020204030204" pitchFamily="34" charset="0"/>
+                <a:cs typeface="Times New Roman" panose="02020603050405020304" pitchFamily="18" charset="0"/>
+              </a:rPr>
+              <a:t>Entrée de la gestion des quatre éléments.</a:t>
+            </a:r>
+            <a:r>
+              <a:rPr lang="fr-FR" sz="1200" dirty="0">
+                <a:solidFill>
+                  <a:srgbClr val="70AD47"/>
+                </a:solidFill>
+                <a:latin typeface="Calibri" panose="020F0502020204030204" pitchFamily="34" charset="0"/>
+                <a:ea typeface="Calibri" panose="020F0502020204030204" pitchFamily="34" charset="0"/>
+                <a:cs typeface="Times New Roman" panose="02020603050405020304" pitchFamily="18" charset="0"/>
+              </a:rPr>
+              <a:t> </a:t>
+            </a:r>
+            <a:endParaRPr lang="fr-FR" sz="1100" dirty="0">
+              <a:latin typeface="Calibri" panose="020F0502020204030204" pitchFamily="34" charset="0"/>
+              <a:ea typeface="Calibri" panose="020F0502020204030204" pitchFamily="34" charset="0"/>
+              <a:cs typeface="Times New Roman" panose="02020603050405020304" pitchFamily="18" charset="0"/>
+            </a:endParaRPr>
+          </a:p>
+          <a:p>
+            <a:pPr marL="342900" lvl="0" indent="-342900">
+              <a:spcAft>
+                <a:spcPts val="0"/>
+              </a:spcAft>
+              <a:buFont typeface="Wingdings" panose="05000000000000000000" pitchFamily="2" charset="2"/>
+              <a:buChar char=""/>
+            </a:pPr>
+            <a:r>
+              <a:rPr lang="fr-FR" sz="1200" dirty="0">
+                <a:latin typeface="Calibri" panose="020F0502020204030204" pitchFamily="34" charset="0"/>
+                <a:ea typeface="Calibri" panose="020F0502020204030204" pitchFamily="34" charset="0"/>
+                <a:cs typeface="Times New Roman" panose="02020603050405020304" pitchFamily="18" charset="0"/>
+              </a:rPr>
+              <a:t>S_Purge</a:t>
+            </a:r>
+          </a:p>
+          <a:p>
+            <a:pPr marL="742950" lvl="1" indent="-285750" algn="just">
+              <a:lnSpc>
+                <a:spcPct val="107000"/>
+              </a:lnSpc>
+              <a:spcAft>
+                <a:spcPts val="0"/>
+              </a:spcAft>
+              <a:buFont typeface="Symbol" panose="05050102010706020507" pitchFamily="18" charset="2"/>
+              <a:buChar char=""/>
+            </a:pPr>
+            <a:r>
+              <a:rPr lang="fr-FR" sz="1200" dirty="0">
+                <a:latin typeface="Calibri" panose="020F0502020204030204" pitchFamily="34" charset="0"/>
+                <a:ea typeface="Calibri" panose="020F0502020204030204" pitchFamily="34" charset="0"/>
+                <a:cs typeface="Times New Roman" panose="02020603050405020304" pitchFamily="18" charset="0"/>
+              </a:rPr>
+              <a:t>Rôle </a:t>
+            </a:r>
+            <a:r>
+              <a:rPr lang="fr-FR" sz="1200" dirty="0">
+                <a:solidFill>
+                  <a:srgbClr val="FF0000"/>
+                </a:solidFill>
+                <a:latin typeface="Calibri" panose="020F0502020204030204" pitchFamily="34" charset="0"/>
+                <a:ea typeface="Calibri" panose="020F0502020204030204" pitchFamily="34" charset="0"/>
+                <a:cs typeface="Times New Roman" panose="02020603050405020304" pitchFamily="18" charset="0"/>
+              </a:rPr>
+              <a:t>: Activer/désactiver une gâche électrique via un relais pour purger l’eau.</a:t>
+            </a:r>
+            <a:endParaRPr lang="fr-FR" sz="1100" dirty="0">
+              <a:latin typeface="Calibri" panose="020F0502020204030204" pitchFamily="34" charset="0"/>
+              <a:ea typeface="Calibri" panose="020F0502020204030204" pitchFamily="34" charset="0"/>
+              <a:cs typeface="Times New Roman" panose="02020603050405020304" pitchFamily="18" charset="0"/>
+            </a:endParaRPr>
+          </a:p>
+          <a:p>
+            <a:pPr marL="742950" lvl="1" indent="-285750" algn="just">
+              <a:lnSpc>
+                <a:spcPct val="107000"/>
+              </a:lnSpc>
+              <a:spcAft>
+                <a:spcPts val="0"/>
+              </a:spcAft>
+              <a:buFont typeface="Symbol" panose="05050102010706020507" pitchFamily="18" charset="2"/>
+              <a:buChar char=""/>
+            </a:pPr>
+            <a:r>
+              <a:rPr lang="fr-FR" sz="1200" dirty="0">
+                <a:latin typeface="Calibri" panose="020F0502020204030204" pitchFamily="34" charset="0"/>
+                <a:ea typeface="Calibri" panose="020F0502020204030204" pitchFamily="34" charset="0"/>
+                <a:cs typeface="Times New Roman" panose="02020603050405020304" pitchFamily="18" charset="0"/>
+              </a:rPr>
+              <a:t>Condition : </a:t>
+            </a:r>
+            <a:r>
+              <a:rPr lang="fr-FR" sz="1200" dirty="0">
+                <a:solidFill>
+                  <a:srgbClr val="FF0000"/>
+                </a:solidFill>
+                <a:latin typeface="Calibri" panose="020F0502020204030204" pitchFamily="34" charset="0"/>
+                <a:ea typeface="Calibri" panose="020F0502020204030204" pitchFamily="34" charset="0"/>
+                <a:cs typeface="Times New Roman" panose="02020603050405020304" pitchFamily="18" charset="0"/>
+              </a:rPr>
+              <a:t>Si E2 est à 1 alors activer la sortie sinon, désactiver la sortie.</a:t>
+            </a:r>
+            <a:endParaRPr lang="fr-FR" sz="1100" dirty="0">
+              <a:latin typeface="Calibri" panose="020F0502020204030204" pitchFamily="34" charset="0"/>
+              <a:ea typeface="Calibri" panose="020F0502020204030204" pitchFamily="34" charset="0"/>
+              <a:cs typeface="Times New Roman" panose="02020603050405020304" pitchFamily="18" charset="0"/>
+            </a:endParaRPr>
+          </a:p>
+        </p:txBody>
+      </p:sp>
+      <p:sp>
+        <p:nvSpPr>
+          <p:cNvPr id="8" name="Flèche : gauche 7">
+            <a:extLst>
+              <a:ext uri="{FF2B5EF4-FFF2-40B4-BE49-F238E27FC236}">
+                <a16:creationId xmlns:a16="http://schemas.microsoft.com/office/drawing/2014/main" id="{BC838A9E-B473-48DF-A706-6184C40BAF61}"/>
+              </a:ext>
+            </a:extLst>
+          </p:cNvPr>
+          <p:cNvSpPr/>
+          <p:nvPr/>
+        </p:nvSpPr>
+        <p:spPr>
+          <a:xfrm rot="19352463">
+            <a:off x="1791132" y="2375963"/>
+            <a:ext cx="2712464" cy="399569"/>
+          </a:xfrm>
+          <a:prstGeom prst="leftArrow">
+            <a:avLst/>
+          </a:prstGeom>
+          <a:solidFill>
+            <a:srgbClr val="00B0F0"/>
+          </a:solidFill>
+          <a:ln>
+            <a:solidFill>
+              <a:srgbClr val="00B0F0"/>
+            </a:solidFill>
+          </a:ln>
+        </p:spPr>
+        <p:style>
+          <a:lnRef idx="2">
+            <a:schemeClr val="accent1">
+              <a:shade val="50000"/>
+            </a:schemeClr>
+          </a:lnRef>
+          <a:fillRef idx="1">
+            <a:schemeClr val="accent1"/>
+          </a:fillRef>
+          <a:effectRef idx="0">
+            <a:schemeClr val="accent1"/>
+          </a:effectRef>
+          <a:fontRef idx="minor">
+            <a:schemeClr val="lt1"/>
+          </a:fontRef>
+        </p:style>
+        <p:txBody>
+          <a:bodyPr rtlCol="0" anchor="ctr"/>
+          <a:lstStyle/>
+          <a:p>
+            <a:pPr algn="ctr"/>
+            <a:endParaRPr lang="fr-FR"/>
+          </a:p>
+        </p:txBody>
+      </p:sp>
+      <p:sp>
+        <p:nvSpPr>
+          <p:cNvPr id="11" name="Flèche : gauche 10">
+            <a:extLst>
+              <a:ext uri="{FF2B5EF4-FFF2-40B4-BE49-F238E27FC236}">
+                <a16:creationId xmlns:a16="http://schemas.microsoft.com/office/drawing/2014/main" id="{FAD1233F-2591-4F8C-BA01-F37309A5647B}"/>
+              </a:ext>
+            </a:extLst>
+          </p:cNvPr>
+          <p:cNvSpPr/>
+          <p:nvPr/>
+        </p:nvSpPr>
+        <p:spPr>
+          <a:xfrm rot="13241766">
+            <a:off x="6912483" y="2428324"/>
+            <a:ext cx="2712464" cy="399569"/>
+          </a:xfrm>
+          <a:prstGeom prst="leftArrow">
+            <a:avLst/>
+          </a:prstGeom>
+          <a:solidFill>
+            <a:srgbClr val="FF0000"/>
+          </a:solidFill>
+          <a:ln>
+            <a:solidFill>
+              <a:srgbClr val="FF0000"/>
+            </a:solidFill>
+          </a:ln>
+        </p:spPr>
+        <p:style>
+          <a:lnRef idx="2">
+            <a:schemeClr val="accent1">
+              <a:shade val="50000"/>
+            </a:schemeClr>
+          </a:lnRef>
+          <a:fillRef idx="1">
+            <a:schemeClr val="accent1"/>
+          </a:fillRef>
+          <a:effectRef idx="0">
+            <a:schemeClr val="accent1"/>
+          </a:effectRef>
+          <a:fontRef idx="minor">
+            <a:schemeClr val="lt1"/>
+          </a:fontRef>
+        </p:style>
+        <p:txBody>
+          <a:bodyPr rtlCol="0" anchor="ctr"/>
+          <a:lstStyle/>
+          <a:p>
+            <a:pPr algn="ctr"/>
+            <a:endParaRPr lang="fr-FR"/>
+          </a:p>
+        </p:txBody>
+      </p:sp>
+      <p:sp>
+        <p:nvSpPr>
+          <p:cNvPr id="10" name="ZoneTexte 9">
+            <a:extLst>
+              <a:ext uri="{FF2B5EF4-FFF2-40B4-BE49-F238E27FC236}">
+                <a16:creationId xmlns:a16="http://schemas.microsoft.com/office/drawing/2014/main" id="{D9EFB033-5F1F-44D2-A1A2-347699650AD7}"/>
+              </a:ext>
+            </a:extLst>
+          </p:cNvPr>
+          <p:cNvSpPr txBox="1"/>
+          <p:nvPr/>
+        </p:nvSpPr>
+        <p:spPr>
+          <a:xfrm rot="2425146">
+            <a:off x="7688617" y="2201531"/>
+            <a:ext cx="1874904" cy="523220"/>
+          </a:xfrm>
+          <a:prstGeom prst="rect">
+            <a:avLst/>
+          </a:prstGeom>
+          <a:noFill/>
+        </p:spPr>
+        <p:txBody>
+          <a:bodyPr wrap="square" rtlCol="0">
+            <a:spAutoFit/>
+          </a:bodyPr>
+          <a:lstStyle/>
+          <a:p>
+            <a:r>
+              <a:rPr lang="fr-FR" sz="2800" b="1" dirty="0"/>
+              <a:t>Sorties</a:t>
+            </a:r>
+          </a:p>
+        </p:txBody>
+      </p:sp>
+      <p:sp>
+        <p:nvSpPr>
+          <p:cNvPr id="12" name="ZoneTexte 11">
+            <a:extLst>
+              <a:ext uri="{FF2B5EF4-FFF2-40B4-BE49-F238E27FC236}">
+                <a16:creationId xmlns:a16="http://schemas.microsoft.com/office/drawing/2014/main" id="{9097C1A2-7A89-472E-A909-1827731A2327}"/>
+              </a:ext>
+            </a:extLst>
+          </p:cNvPr>
+          <p:cNvSpPr txBox="1"/>
+          <p:nvPr/>
+        </p:nvSpPr>
+        <p:spPr>
+          <a:xfrm rot="19344063">
+            <a:off x="2265199" y="2030265"/>
+            <a:ext cx="1409489" cy="523220"/>
+          </a:xfrm>
+          <a:prstGeom prst="rect">
+            <a:avLst/>
+          </a:prstGeom>
+          <a:noFill/>
+        </p:spPr>
+        <p:txBody>
+          <a:bodyPr wrap="square" rtlCol="0">
+            <a:spAutoFit/>
+          </a:bodyPr>
+          <a:lstStyle/>
+          <a:p>
+            <a:r>
+              <a:rPr lang="fr-FR" sz="2800" b="1" dirty="0"/>
+              <a:t>Entrées</a:t>
+            </a:r>
+          </a:p>
+        </p:txBody>
+      </p:sp>
+      <p:sp>
+        <p:nvSpPr>
+          <p:cNvPr id="13" name="ZoneTexte 12">
+            <a:extLst>
+              <a:ext uri="{FF2B5EF4-FFF2-40B4-BE49-F238E27FC236}">
+                <a16:creationId xmlns:a16="http://schemas.microsoft.com/office/drawing/2014/main" id="{BF459B64-D182-492C-A5B7-74BFC55788E5}"/>
+              </a:ext>
+            </a:extLst>
+          </p:cNvPr>
+          <p:cNvSpPr txBox="1"/>
+          <p:nvPr/>
+        </p:nvSpPr>
+        <p:spPr>
+          <a:xfrm>
+            <a:off x="29674" y="100652"/>
+            <a:ext cx="3350238" cy="461665"/>
+          </a:xfrm>
+          <a:prstGeom prst="rect">
+            <a:avLst/>
+          </a:prstGeom>
+          <a:noFill/>
+        </p:spPr>
+        <p:txBody>
+          <a:bodyPr wrap="square" rtlCol="0">
+            <a:spAutoFit/>
+          </a:bodyPr>
+          <a:lstStyle/>
+          <a:p>
+            <a:r>
+              <a:rPr lang="fr-FR" sz="2400" b="1" dirty="0"/>
+              <a:t>Mécanisme 5 : L’EAU</a:t>
+            </a:r>
+          </a:p>
+        </p:txBody>
+      </p:sp>
     </p:spTree>
     <p:extLst>
       <p:ext uri="{BB962C8B-B14F-4D97-AF65-F5344CB8AC3E}">
         <p14:creationId xmlns:p14="http://schemas.microsoft.com/office/powerpoint/2010/main" val="4190354660"/>
+      </p:ext>
+    </p:extLst>
+  </p:cSld>
+  <p:clrMapOvr>
+    <a:overrideClrMapping bg1="dk1" tx1="lt1" bg2="dk2" tx2="lt2" accent1="accent1" accent2="accent2" accent3="accent3" accent4="accent4" accent5="accent5" accent6="accent6" hlink="hlink" folHlink="folHlink"/>
+  </p:clrMapOvr>
+  <p:timing>
+    <p:tnLst>
+      <p:par>
+        <p:cTn id="1" dur="indefinite" restart="never" nodeType="tmRoot">
+          <p:childTnLst>
+            <p:seq concurrent="1" nextAc="seek">
+              <p:cTn id="2" dur="indefinite" nodeType="mainSeq">
+                <p:childTnLst>
+                  <p:par>
+                    <p:cTn id="3" fill="hold">
+                      <p:stCondLst>
+                        <p:cond delay="indefinite"/>
+                      </p:stCondLst>
+                      <p:childTnLst>
+                        <p:par>
+                          <p:cTn id="4" fill="hold">
+                            <p:stCondLst>
+                              <p:cond delay="0"/>
+                            </p:stCondLst>
+                            <p:childTnLst>
+                              <p:par>
+                                <p:cTn id="5" presetID="1" presetClass="entr" presetSubtype="0" fill="hold" nodeType="clickEffect">
+                                  <p:stCondLst>
+                                    <p:cond delay="0"/>
+                                  </p:stCondLst>
+                                  <p:childTnLst>
+                                    <p:set>
+                                      <p:cBhvr>
+                                        <p:cTn id="6" dur="1" fill="hold">
+                                          <p:stCondLst>
+                                            <p:cond delay="0"/>
+                                          </p:stCondLst>
+                                        </p:cTn>
+                                        <p:tgtEl>
+                                          <p:spTgt spid="6"/>
+                                        </p:tgtEl>
+                                        <p:attrNameLst>
+                                          <p:attrName>style.visibility</p:attrName>
+                                        </p:attrNameLst>
+                                      </p:cBhvr>
+                                      <p:to>
+                                        <p:strVal val="visible"/>
+                                      </p:to>
+                                    </p:set>
+                                  </p:childTnLst>
+                                </p:cTn>
+                              </p:par>
+                            </p:childTnLst>
+                          </p:cTn>
+                        </p:par>
+                      </p:childTnLst>
+                    </p:cTn>
+                  </p:par>
+                  <p:par>
+                    <p:cTn id="7" fill="hold">
+                      <p:stCondLst>
+                        <p:cond delay="indefinite"/>
+                      </p:stCondLst>
+                      <p:childTnLst>
+                        <p:par>
+                          <p:cTn id="8" fill="hold">
+                            <p:stCondLst>
+                              <p:cond delay="0"/>
+                            </p:stCondLst>
+                            <p:childTnLst>
+                              <p:par>
+                                <p:cTn id="9" presetID="10" presetClass="entr" presetSubtype="0" fill="hold" grpId="0" nodeType="clickEffect">
+                                  <p:stCondLst>
+                                    <p:cond delay="0"/>
+                                  </p:stCondLst>
+                                  <p:childTnLst>
+                                    <p:set>
+                                      <p:cBhvr>
+                                        <p:cTn id="10" dur="1" fill="hold">
+                                          <p:stCondLst>
+                                            <p:cond delay="0"/>
+                                          </p:stCondLst>
+                                        </p:cTn>
+                                        <p:tgtEl>
+                                          <p:spTgt spid="12"/>
+                                        </p:tgtEl>
+                                        <p:attrNameLst>
+                                          <p:attrName>style.visibility</p:attrName>
+                                        </p:attrNameLst>
+                                      </p:cBhvr>
+                                      <p:to>
+                                        <p:strVal val="visible"/>
+                                      </p:to>
+                                    </p:set>
+                                    <p:animEffect transition="in" filter="fade">
+                                      <p:cBhvr>
+                                        <p:cTn id="11" dur="500"/>
+                                        <p:tgtEl>
+                                          <p:spTgt spid="12"/>
+                                        </p:tgtEl>
+                                      </p:cBhvr>
+                                    </p:animEffect>
+                                  </p:childTnLst>
+                                </p:cTn>
+                              </p:par>
+                              <p:par>
+                                <p:cTn id="12" presetID="10" presetClass="entr" presetSubtype="0" fill="hold" grpId="0" nodeType="withEffect">
+                                  <p:stCondLst>
+                                    <p:cond delay="0"/>
+                                  </p:stCondLst>
+                                  <p:childTnLst>
+                                    <p:set>
+                                      <p:cBhvr>
+                                        <p:cTn id="13" dur="1" fill="hold">
+                                          <p:stCondLst>
+                                            <p:cond delay="0"/>
+                                          </p:stCondLst>
+                                        </p:cTn>
+                                        <p:tgtEl>
+                                          <p:spTgt spid="8"/>
+                                        </p:tgtEl>
+                                        <p:attrNameLst>
+                                          <p:attrName>style.visibility</p:attrName>
+                                        </p:attrNameLst>
+                                      </p:cBhvr>
+                                      <p:to>
+                                        <p:strVal val="visible"/>
+                                      </p:to>
+                                    </p:set>
+                                    <p:animEffect transition="in" filter="fade">
+                                      <p:cBhvr>
+                                        <p:cTn id="14" dur="500"/>
+                                        <p:tgtEl>
+                                          <p:spTgt spid="8"/>
+                                        </p:tgtEl>
+                                      </p:cBhvr>
+                                    </p:animEffect>
+                                  </p:childTnLst>
+                                </p:cTn>
+                              </p:par>
+                              <p:par>
+                                <p:cTn id="15" presetID="10" presetClass="entr" presetSubtype="0" fill="hold" nodeType="withEffect">
+                                  <p:stCondLst>
+                                    <p:cond delay="0"/>
+                                  </p:stCondLst>
+                                  <p:childTnLst>
+                                    <p:set>
+                                      <p:cBhvr>
+                                        <p:cTn id="16" dur="1" fill="hold">
+                                          <p:stCondLst>
+                                            <p:cond delay="0"/>
+                                          </p:stCondLst>
+                                        </p:cTn>
+                                        <p:tgtEl>
+                                          <p:spTgt spid="4"/>
+                                        </p:tgtEl>
+                                        <p:attrNameLst>
+                                          <p:attrName>style.visibility</p:attrName>
+                                        </p:attrNameLst>
+                                      </p:cBhvr>
+                                      <p:to>
+                                        <p:strVal val="visible"/>
+                                      </p:to>
+                                    </p:set>
+                                    <p:animEffect transition="in" filter="fade">
+                                      <p:cBhvr>
+                                        <p:cTn id="17" dur="500"/>
+                                        <p:tgtEl>
+                                          <p:spTgt spid="4"/>
+                                        </p:tgtEl>
+                                      </p:cBhvr>
+                                    </p:animEffect>
+                                  </p:childTnLst>
+                                </p:cTn>
+                              </p:par>
+                              <p:par>
+                                <p:cTn id="18" presetID="10" presetClass="entr" presetSubtype="0" fill="hold" grpId="0" nodeType="withEffect">
+                                  <p:stCondLst>
+                                    <p:cond delay="0"/>
+                                  </p:stCondLst>
+                                  <p:childTnLst>
+                                    <p:set>
+                                      <p:cBhvr>
+                                        <p:cTn id="19" dur="1" fill="hold">
+                                          <p:stCondLst>
+                                            <p:cond delay="0"/>
+                                          </p:stCondLst>
+                                        </p:cTn>
+                                        <p:tgtEl>
+                                          <p:spTgt spid="3"/>
+                                        </p:tgtEl>
+                                        <p:attrNameLst>
+                                          <p:attrName>style.visibility</p:attrName>
+                                        </p:attrNameLst>
+                                      </p:cBhvr>
+                                      <p:to>
+                                        <p:strVal val="visible"/>
+                                      </p:to>
+                                    </p:set>
+                                    <p:animEffect transition="in" filter="fade">
+                                      <p:cBhvr>
+                                        <p:cTn id="20" dur="500"/>
+                                        <p:tgtEl>
+                                          <p:spTgt spid="3"/>
+                                        </p:tgtEl>
+                                      </p:cBhvr>
+                                    </p:animEffect>
+                                  </p:childTnLst>
+                                </p:cTn>
+                              </p:par>
+                              <p:par>
+                                <p:cTn id="21" presetID="10" presetClass="entr" presetSubtype="0" fill="hold" grpId="0" nodeType="withEffect">
+                                  <p:stCondLst>
+                                    <p:cond delay="0"/>
+                                  </p:stCondLst>
+                                  <p:childTnLst>
+                                    <p:set>
+                                      <p:cBhvr>
+                                        <p:cTn id="22" dur="1" fill="hold">
+                                          <p:stCondLst>
+                                            <p:cond delay="0"/>
+                                          </p:stCondLst>
+                                        </p:cTn>
+                                        <p:tgtEl>
+                                          <p:spTgt spid="2"/>
+                                        </p:tgtEl>
+                                        <p:attrNameLst>
+                                          <p:attrName>style.visibility</p:attrName>
+                                        </p:attrNameLst>
+                                      </p:cBhvr>
+                                      <p:to>
+                                        <p:strVal val="visible"/>
+                                      </p:to>
+                                    </p:set>
+                                    <p:animEffect transition="in" filter="fade">
+                                      <p:cBhvr>
+                                        <p:cTn id="23" dur="500"/>
+                                        <p:tgtEl>
+                                          <p:spTgt spid="2"/>
+                                        </p:tgtEl>
+                                      </p:cBhvr>
+                                    </p:animEffect>
+                                  </p:childTnLst>
+                                </p:cTn>
+                              </p:par>
+                            </p:childTnLst>
+                          </p:cTn>
+                        </p:par>
+                      </p:childTnLst>
+                    </p:cTn>
+                  </p:par>
+                  <p:par>
+                    <p:cTn id="24" fill="hold">
+                      <p:stCondLst>
+                        <p:cond delay="indefinite"/>
+                      </p:stCondLst>
+                      <p:childTnLst>
+                        <p:par>
+                          <p:cTn id="25" fill="hold">
+                            <p:stCondLst>
+                              <p:cond delay="0"/>
+                            </p:stCondLst>
+                            <p:childTnLst>
+                              <p:par>
+                                <p:cTn id="26" presetID="10" presetClass="entr" presetSubtype="0" fill="hold" grpId="0" nodeType="clickEffect">
+                                  <p:stCondLst>
+                                    <p:cond delay="0"/>
+                                  </p:stCondLst>
+                                  <p:childTnLst>
+                                    <p:set>
+                                      <p:cBhvr>
+                                        <p:cTn id="27" dur="1" fill="hold">
+                                          <p:stCondLst>
+                                            <p:cond delay="0"/>
+                                          </p:stCondLst>
+                                        </p:cTn>
+                                        <p:tgtEl>
+                                          <p:spTgt spid="10"/>
+                                        </p:tgtEl>
+                                        <p:attrNameLst>
+                                          <p:attrName>style.visibility</p:attrName>
+                                        </p:attrNameLst>
+                                      </p:cBhvr>
+                                      <p:to>
+                                        <p:strVal val="visible"/>
+                                      </p:to>
+                                    </p:set>
+                                    <p:animEffect transition="in" filter="fade">
+                                      <p:cBhvr>
+                                        <p:cTn id="28" dur="500"/>
+                                        <p:tgtEl>
+                                          <p:spTgt spid="10"/>
+                                        </p:tgtEl>
+                                      </p:cBhvr>
+                                    </p:animEffect>
+                                  </p:childTnLst>
+                                </p:cTn>
+                              </p:par>
+                              <p:par>
+                                <p:cTn id="29" presetID="10" presetClass="entr" presetSubtype="0" fill="hold" grpId="0" nodeType="withEffect">
+                                  <p:stCondLst>
+                                    <p:cond delay="0"/>
+                                  </p:stCondLst>
+                                  <p:childTnLst>
+                                    <p:set>
+                                      <p:cBhvr>
+                                        <p:cTn id="30" dur="1" fill="hold">
+                                          <p:stCondLst>
+                                            <p:cond delay="0"/>
+                                          </p:stCondLst>
+                                        </p:cTn>
+                                        <p:tgtEl>
+                                          <p:spTgt spid="11"/>
+                                        </p:tgtEl>
+                                        <p:attrNameLst>
+                                          <p:attrName>style.visibility</p:attrName>
+                                        </p:attrNameLst>
+                                      </p:cBhvr>
+                                      <p:to>
+                                        <p:strVal val="visible"/>
+                                      </p:to>
+                                    </p:set>
+                                    <p:animEffect transition="in" filter="fade">
+                                      <p:cBhvr>
+                                        <p:cTn id="31" dur="500"/>
+                                        <p:tgtEl>
+                                          <p:spTgt spid="11"/>
+                                        </p:tgtEl>
+                                      </p:cBhvr>
+                                    </p:animEffect>
+                                  </p:childTnLst>
+                                </p:cTn>
+                              </p:par>
+                              <p:par>
+                                <p:cTn id="32" presetID="10" presetClass="entr" presetSubtype="0" fill="hold" grpId="0" nodeType="withEffect">
+                                  <p:stCondLst>
+                                    <p:cond delay="0"/>
+                                  </p:stCondLst>
+                                  <p:childTnLst>
+                                    <p:set>
+                                      <p:cBhvr>
+                                        <p:cTn id="33" dur="1" fill="hold">
+                                          <p:stCondLst>
+                                            <p:cond delay="0"/>
+                                          </p:stCondLst>
+                                        </p:cTn>
+                                        <p:tgtEl>
+                                          <p:spTgt spid="7"/>
+                                        </p:tgtEl>
+                                        <p:attrNameLst>
+                                          <p:attrName>style.visibility</p:attrName>
+                                        </p:attrNameLst>
+                                      </p:cBhvr>
+                                      <p:to>
+                                        <p:strVal val="visible"/>
+                                      </p:to>
+                                    </p:set>
+                                    <p:animEffect transition="in" filter="fade">
+                                      <p:cBhvr>
+                                        <p:cTn id="34" dur="500"/>
+                                        <p:tgtEl>
+                                          <p:spTgt spid="7"/>
+                                        </p:tgtEl>
+                                      </p:cBhvr>
+                                    </p:animEffect>
+                                  </p:childTnLst>
+                                </p:cTn>
+                              </p:par>
+                            </p:childTnLst>
+                          </p:cTn>
+                        </p:par>
+                      </p:childTnLst>
+                    </p:cTn>
+                  </p:par>
+                </p:childTnLst>
+              </p:cTn>
+              <p:prevCondLst>
+                <p:cond evt="onPrev" delay="0">
+                  <p:tgtEl>
+                    <p:sldTgt/>
+                  </p:tgtEl>
+                </p:cond>
+              </p:prevCondLst>
+              <p:nextCondLst>
+                <p:cond evt="onNext" delay="0">
+                  <p:tgtEl>
+                    <p:sldTgt/>
+                  </p:tgtEl>
+                </p:cond>
+              </p:nextCondLst>
+            </p:seq>
+          </p:childTnLst>
+        </p:cTn>
+      </p:par>
+    </p:tnLst>
+    <p:bldLst>
+      <p:bldP spid="3" grpId="0" animBg="1"/>
+      <p:bldP spid="2" grpId="0"/>
+      <p:bldP spid="7" grpId="0" animBg="1"/>
+      <p:bldP spid="8" grpId="0" animBg="1"/>
+      <p:bldP spid="11" grpId="0" animBg="1"/>
+      <p:bldP spid="10" grpId="0"/>
+      <p:bldP spid="12" grpId="0"/>
+    </p:bldLst>
+  </p:timing>
+</p:sld>
+</file>
+
+<file path=ppt/slides/slide7.xml><?xml version="1.0" encoding="utf-8"?>
+<p:sld xmlns:a="http://schemas.openxmlformats.org/drawingml/2006/main" xmlns:r="http://schemas.openxmlformats.org/officeDocument/2006/relationships" xmlns:p="http://schemas.openxmlformats.org/presentationml/2006/main">
+  <p:cSld>
+    <p:bg>
+      <p:bgPr>
+        <a:solidFill>
+          <a:schemeClr val="bg1"/>
+        </a:solidFill>
+        <a:effectLst/>
+      </p:bgPr>
+    </p:bg>
+    <p:spTree>
+      <p:nvGrpSpPr>
+        <p:cNvPr id="1" name=""/>
+        <p:cNvGrpSpPr/>
+        <p:nvPr/>
+      </p:nvGrpSpPr>
+      <p:grpSpPr>
+        <a:xfrm>
+          <a:off x="0" y="0"/>
+          <a:ext cx="0" cy="0"/>
+          <a:chOff x="0" y="0"/>
+          <a:chExt cx="0" cy="0"/>
+        </a:xfrm>
+      </p:grpSpPr>
+      <p:sp>
+        <p:nvSpPr>
+          <p:cNvPr id="14" name="Rectangle 13">
+            <a:extLst>
+              <a:ext uri="{FF2B5EF4-FFF2-40B4-BE49-F238E27FC236}">
+                <a16:creationId xmlns:a16="http://schemas.microsoft.com/office/drawing/2014/main" id="{9228552E-C8B1-4A80-8448-0787CE0FC704}"/>
+              </a:ext>
+              <a:ext uri="{C183D7F6-B498-43B3-948B-1728B52AA6E4}">
+                <adec:decorative xmlns:adec="http://schemas.microsoft.com/office/drawing/2017/decorative" val="1"/>
+              </a:ext>
+            </a:extLst>
+          </p:cNvPr>
+          <p:cNvSpPr>
+            <a:spLocks noGrp="1" noRot="1" noChangeAspect="1" noMove="1" noResize="1" noEditPoints="1" noAdjustHandles="1" noChangeArrowheads="1" noChangeShapeType="1" noTextEdit="1"/>
+          </p:cNvSpPr>
+          <p:nvPr>
+            <p:extLst>
+              <p:ext uri="{386F3935-93C4-4BCD-93E2-E3B085C9AB24}">
+                <p16:designElem xmlns:p16="http://schemas.microsoft.com/office/powerpoint/2015/main" val="1"/>
+              </p:ext>
+            </p:extLst>
+          </p:nvPr>
+        </p:nvSpPr>
+        <p:spPr>
+          <a:xfrm>
+            <a:off x="0" y="0"/>
+            <a:ext cx="12192000" cy="6858000"/>
+          </a:xfrm>
+          <a:prstGeom prst="rect">
+            <a:avLst/>
+          </a:prstGeom>
+          <a:solidFill>
+            <a:srgbClr val="000000"/>
+          </a:solidFill>
+          <a:ln>
+            <a:noFill/>
+          </a:ln>
+        </p:spPr>
+        <p:style>
+          <a:lnRef idx="2">
+            <a:schemeClr val="accent1">
+              <a:shade val="50000"/>
+            </a:schemeClr>
+          </a:lnRef>
+          <a:fillRef idx="1">
+            <a:schemeClr val="accent1"/>
+          </a:fillRef>
+          <a:effectRef idx="0">
+            <a:schemeClr val="accent1"/>
+          </a:effectRef>
+          <a:fontRef idx="minor">
+            <a:schemeClr val="lt1"/>
+          </a:fontRef>
+        </p:style>
+        <p:txBody>
+          <a:bodyPr rtlCol="0" anchor="ctr"/>
+          <a:lstStyle/>
+          <a:p>
+            <a:pPr algn="ctr"/>
+            <a:endParaRPr lang="en-US"/>
+          </a:p>
+        </p:txBody>
+      </p:sp>
+      <p:pic>
+        <p:nvPicPr>
+          <p:cNvPr id="9" name="Image 8" descr="Une image contenant table, paire&#10;&#10;Description générée automatiquement">
+            <a:extLst>
+              <a:ext uri="{FF2B5EF4-FFF2-40B4-BE49-F238E27FC236}">
+                <a16:creationId xmlns:a16="http://schemas.microsoft.com/office/drawing/2014/main" id="{E3697A3D-84DA-440D-85B9-5185F9EF2884}"/>
+              </a:ext>
+            </a:extLst>
+          </p:cNvPr>
+          <p:cNvPicPr>
+            <a:picLocks noChangeAspect="1"/>
+          </p:cNvPicPr>
+          <p:nvPr/>
+        </p:nvPicPr>
+        <p:blipFill rotWithShape="1">
+          <a:blip r:embed="rId2">
+            <a:alphaModFix amt="35000"/>
+            <a:extLst>
+              <a:ext uri="{28A0092B-C50C-407E-A947-70E740481C1C}">
+                <a14:useLocalDpi xmlns:a14="http://schemas.microsoft.com/office/drawing/2010/main" val="0"/>
+              </a:ext>
+            </a:extLst>
+          </a:blip>
+          <a:srcRect t="6250"/>
+          <a:stretch/>
+        </p:blipFill>
+        <p:spPr>
+          <a:xfrm>
+            <a:off x="-1" y="-30"/>
+            <a:ext cx="12192000" cy="6855958"/>
+          </a:xfrm>
+          <a:prstGeom prst="rect">
+            <a:avLst/>
+          </a:prstGeom>
+        </p:spPr>
+      </p:pic>
+      <p:pic>
+        <p:nvPicPr>
+          <p:cNvPr id="6" name="Image 5">
+            <a:extLst>
+              <a:ext uri="{FF2B5EF4-FFF2-40B4-BE49-F238E27FC236}">
+                <a16:creationId xmlns:a16="http://schemas.microsoft.com/office/drawing/2014/main" id="{DE8C1393-2B67-422A-A888-CC01ED5FC35F}"/>
+              </a:ext>
+            </a:extLst>
+          </p:cNvPr>
+          <p:cNvPicPr>
+            <a:picLocks noChangeAspect="1"/>
+          </p:cNvPicPr>
+          <p:nvPr/>
+        </p:nvPicPr>
+        <p:blipFill>
+          <a:blip r:embed="rId3"/>
+          <a:stretch>
+            <a:fillRect/>
+          </a:stretch>
+        </p:blipFill>
+        <p:spPr>
+          <a:xfrm>
+            <a:off x="4195270" y="497209"/>
+            <a:ext cx="3048425" cy="1314633"/>
+          </a:xfrm>
+          <a:prstGeom prst="rect">
+            <a:avLst/>
+          </a:prstGeom>
+        </p:spPr>
+      </p:pic>
+      <p:sp>
+        <p:nvSpPr>
+          <p:cNvPr id="11" name="Flèche : gauche 10">
+            <a:extLst>
+              <a:ext uri="{FF2B5EF4-FFF2-40B4-BE49-F238E27FC236}">
+                <a16:creationId xmlns:a16="http://schemas.microsoft.com/office/drawing/2014/main" id="{FAD1233F-2591-4F8C-BA01-F37309A5647B}"/>
+              </a:ext>
+            </a:extLst>
+          </p:cNvPr>
+          <p:cNvSpPr/>
+          <p:nvPr/>
+        </p:nvSpPr>
+        <p:spPr>
+          <a:xfrm rot="13241766">
+            <a:off x="6912483" y="2428324"/>
+            <a:ext cx="2712464" cy="399569"/>
+          </a:xfrm>
+          <a:prstGeom prst="leftArrow">
+            <a:avLst/>
+          </a:prstGeom>
+          <a:solidFill>
+            <a:srgbClr val="FF0000"/>
+          </a:solidFill>
+          <a:ln>
+            <a:solidFill>
+              <a:srgbClr val="FF0000"/>
+            </a:solidFill>
+          </a:ln>
+        </p:spPr>
+        <p:style>
+          <a:lnRef idx="2">
+            <a:schemeClr val="accent1">
+              <a:shade val="50000"/>
+            </a:schemeClr>
+          </a:lnRef>
+          <a:fillRef idx="1">
+            <a:schemeClr val="accent1"/>
+          </a:fillRef>
+          <a:effectRef idx="0">
+            <a:schemeClr val="accent1"/>
+          </a:effectRef>
+          <a:fontRef idx="minor">
+            <a:schemeClr val="lt1"/>
+          </a:fontRef>
+        </p:style>
+        <p:txBody>
+          <a:bodyPr rtlCol="0" anchor="ctr"/>
+          <a:lstStyle/>
+          <a:p>
+            <a:pPr algn="ctr"/>
+            <a:endParaRPr lang="fr-FR"/>
+          </a:p>
+        </p:txBody>
+      </p:sp>
+      <p:sp>
+        <p:nvSpPr>
+          <p:cNvPr id="10" name="ZoneTexte 9">
+            <a:extLst>
+              <a:ext uri="{FF2B5EF4-FFF2-40B4-BE49-F238E27FC236}">
+                <a16:creationId xmlns:a16="http://schemas.microsoft.com/office/drawing/2014/main" id="{D9EFB033-5F1F-44D2-A1A2-347699650AD7}"/>
+              </a:ext>
+            </a:extLst>
+          </p:cNvPr>
+          <p:cNvSpPr txBox="1"/>
+          <p:nvPr/>
+        </p:nvSpPr>
+        <p:spPr>
+          <a:xfrm rot="2425146">
+            <a:off x="7688617" y="2201531"/>
+            <a:ext cx="1874904" cy="523220"/>
+          </a:xfrm>
+          <a:prstGeom prst="rect">
+            <a:avLst/>
+          </a:prstGeom>
+          <a:noFill/>
+        </p:spPr>
+        <p:txBody>
+          <a:bodyPr wrap="square" rtlCol="0">
+            <a:spAutoFit/>
+          </a:bodyPr>
+          <a:lstStyle/>
+          <a:p>
+            <a:r>
+              <a:rPr lang="fr-FR" sz="2800" b="1" dirty="0"/>
+              <a:t>Sorties</a:t>
+            </a:r>
+          </a:p>
+        </p:txBody>
+      </p:sp>
+      <p:sp>
+        <p:nvSpPr>
+          <p:cNvPr id="12" name="ZoneTexte 11">
+            <a:extLst>
+              <a:ext uri="{FF2B5EF4-FFF2-40B4-BE49-F238E27FC236}">
+                <a16:creationId xmlns:a16="http://schemas.microsoft.com/office/drawing/2014/main" id="{9097C1A2-7A89-472E-A909-1827731A2327}"/>
+              </a:ext>
+            </a:extLst>
+          </p:cNvPr>
+          <p:cNvSpPr txBox="1"/>
+          <p:nvPr/>
+        </p:nvSpPr>
+        <p:spPr>
+          <a:xfrm rot="19344063">
+            <a:off x="2367538" y="1977872"/>
+            <a:ext cx="1409489" cy="523220"/>
+          </a:xfrm>
+          <a:prstGeom prst="rect">
+            <a:avLst/>
+          </a:prstGeom>
+          <a:noFill/>
+        </p:spPr>
+        <p:txBody>
+          <a:bodyPr wrap="square" rtlCol="0">
+            <a:spAutoFit/>
+          </a:bodyPr>
+          <a:lstStyle/>
+          <a:p>
+            <a:r>
+              <a:rPr lang="fr-FR" sz="2800" b="1" dirty="0"/>
+              <a:t>Entrées</a:t>
+            </a:r>
+          </a:p>
+        </p:txBody>
+      </p:sp>
+      <p:sp>
+        <p:nvSpPr>
+          <p:cNvPr id="13" name="ZoneTexte 12">
+            <a:extLst>
+              <a:ext uri="{FF2B5EF4-FFF2-40B4-BE49-F238E27FC236}">
+                <a16:creationId xmlns:a16="http://schemas.microsoft.com/office/drawing/2014/main" id="{BF459B64-D182-492C-A5B7-74BFC55788E5}"/>
+              </a:ext>
+            </a:extLst>
+          </p:cNvPr>
+          <p:cNvSpPr txBox="1"/>
+          <p:nvPr/>
+        </p:nvSpPr>
+        <p:spPr>
+          <a:xfrm>
+            <a:off x="29673" y="100652"/>
+            <a:ext cx="5794823" cy="461665"/>
+          </a:xfrm>
+          <a:prstGeom prst="rect">
+            <a:avLst/>
+          </a:prstGeom>
+          <a:noFill/>
+        </p:spPr>
+        <p:txBody>
+          <a:bodyPr wrap="square" rtlCol="0">
+            <a:spAutoFit/>
+          </a:bodyPr>
+          <a:lstStyle/>
+          <a:p>
+            <a:r>
+              <a:rPr lang="fr-FR" sz="2400" b="1" dirty="0"/>
+              <a:t>Mécanisme 9 : Les Quatre Éléments </a:t>
+            </a:r>
+          </a:p>
+        </p:txBody>
+      </p:sp>
+      <p:sp>
+        <p:nvSpPr>
+          <p:cNvPr id="5" name="Rectangle 4">
+            <a:extLst>
+              <a:ext uri="{FF2B5EF4-FFF2-40B4-BE49-F238E27FC236}">
+                <a16:creationId xmlns:a16="http://schemas.microsoft.com/office/drawing/2014/main" id="{4683415C-7329-47D0-866C-D09E3E161E06}"/>
+              </a:ext>
+            </a:extLst>
+          </p:cNvPr>
+          <p:cNvSpPr/>
+          <p:nvPr/>
+        </p:nvSpPr>
+        <p:spPr>
+          <a:xfrm>
+            <a:off x="514685" y="3559185"/>
+            <a:ext cx="3980475" cy="2390270"/>
+          </a:xfrm>
+          <a:prstGeom prst="rect">
+            <a:avLst/>
+          </a:prstGeom>
+          <a:solidFill>
+            <a:schemeClr val="dk1">
+              <a:alpha val="50000"/>
+            </a:schemeClr>
+          </a:solidFill>
+          <a:ln>
+            <a:noFill/>
+          </a:ln>
+        </p:spPr>
+        <p:style>
+          <a:lnRef idx="0">
+            <a:scrgbClr r="0" g="0" b="0"/>
+          </a:lnRef>
+          <a:fillRef idx="0">
+            <a:scrgbClr r="0" g="0" b="0"/>
+          </a:fillRef>
+          <a:effectRef idx="0">
+            <a:scrgbClr r="0" g="0" b="0"/>
+          </a:effectRef>
+          <a:fontRef idx="minor">
+            <a:schemeClr val="lt1"/>
+          </a:fontRef>
+        </p:style>
+        <p:txBody>
+          <a:bodyPr wrap="square">
+            <a:spAutoFit/>
+          </a:bodyPr>
+          <a:lstStyle/>
+          <a:p>
+            <a:pPr marL="342900" lvl="0" indent="-342900">
+              <a:spcAft>
+                <a:spcPts val="0"/>
+              </a:spcAft>
+              <a:buFont typeface="Wingdings" panose="05000000000000000000" pitchFamily="2" charset="2"/>
+              <a:buChar char=""/>
+            </a:pPr>
+            <a:r>
+              <a:rPr lang="fr-FR" sz="1200" dirty="0">
+                <a:latin typeface="Calibri" panose="020F0502020204030204" pitchFamily="34" charset="0"/>
+                <a:ea typeface="Calibri" panose="020F0502020204030204" pitchFamily="34" charset="0"/>
+                <a:cs typeface="Times New Roman" panose="02020603050405020304" pitchFamily="18" charset="0"/>
+              </a:rPr>
+              <a:t>Bouton poussoir</a:t>
+            </a:r>
+          </a:p>
+          <a:p>
+            <a:pPr marL="742950" lvl="1" indent="-285750" algn="just">
+              <a:lnSpc>
+                <a:spcPct val="107000"/>
+              </a:lnSpc>
+              <a:spcAft>
+                <a:spcPts val="0"/>
+              </a:spcAft>
+              <a:buFont typeface="Symbol" panose="05050102010706020507" pitchFamily="18" charset="2"/>
+              <a:buChar char=""/>
+            </a:pPr>
+            <a:r>
+              <a:rPr lang="fr-FR" sz="1200" dirty="0">
+                <a:latin typeface="Calibri" panose="020F0502020204030204" pitchFamily="34" charset="0"/>
+                <a:ea typeface="Calibri" panose="020F0502020204030204" pitchFamily="34" charset="0"/>
+                <a:cs typeface="Times New Roman" panose="02020603050405020304" pitchFamily="18" charset="0"/>
+              </a:rPr>
+              <a:t>Type de capteur : </a:t>
+            </a:r>
+            <a:r>
+              <a:rPr lang="fr-FR" sz="1200" dirty="0">
+                <a:solidFill>
+                  <a:srgbClr val="0070C0"/>
+                </a:solidFill>
+                <a:latin typeface="Calibri" panose="020F0502020204030204" pitchFamily="34" charset="0"/>
+                <a:ea typeface="Calibri" panose="020F0502020204030204" pitchFamily="34" charset="0"/>
+                <a:cs typeface="Times New Roman" panose="02020603050405020304" pitchFamily="18" charset="0"/>
+              </a:rPr>
+              <a:t>Bouton poussoir</a:t>
+            </a:r>
+            <a:endParaRPr lang="fr-FR" sz="1100" dirty="0">
+              <a:solidFill>
+                <a:srgbClr val="0070C0"/>
+              </a:solidFill>
+              <a:latin typeface="Calibri" panose="020F0502020204030204" pitchFamily="34" charset="0"/>
+              <a:ea typeface="Calibri" panose="020F0502020204030204" pitchFamily="34" charset="0"/>
+              <a:cs typeface="Times New Roman" panose="02020603050405020304" pitchFamily="18" charset="0"/>
+            </a:endParaRPr>
+          </a:p>
+          <a:p>
+            <a:pPr marL="742950" lvl="1" indent="-285750" algn="just">
+              <a:lnSpc>
+                <a:spcPct val="107000"/>
+              </a:lnSpc>
+              <a:spcAft>
+                <a:spcPts val="0"/>
+              </a:spcAft>
+              <a:buFont typeface="Symbol" panose="05050102010706020507" pitchFamily="18" charset="2"/>
+              <a:buChar char=""/>
+            </a:pPr>
+            <a:r>
+              <a:rPr lang="fr-FR" sz="1200" dirty="0">
+                <a:latin typeface="Calibri" panose="020F0502020204030204" pitchFamily="34" charset="0"/>
+                <a:ea typeface="Calibri" panose="020F0502020204030204" pitchFamily="34" charset="0"/>
+                <a:cs typeface="Times New Roman" panose="02020603050405020304" pitchFamily="18" charset="0"/>
+              </a:rPr>
+              <a:t>Référence : </a:t>
+            </a:r>
+            <a:r>
+              <a:rPr lang="fr-FR" sz="1200" dirty="0">
+                <a:solidFill>
+                  <a:srgbClr val="0070C0"/>
+                </a:solidFill>
+                <a:latin typeface="Calibri" panose="020F0502020204030204" pitchFamily="34" charset="0"/>
+                <a:ea typeface="Calibri" panose="020F0502020204030204" pitchFamily="34" charset="0"/>
+                <a:cs typeface="Times New Roman" panose="02020603050405020304" pitchFamily="18" charset="0"/>
+              </a:rPr>
+              <a:t>A-000000-01319</a:t>
+            </a:r>
+            <a:endParaRPr lang="fr-FR" sz="1100" dirty="0">
+              <a:solidFill>
+                <a:srgbClr val="0070C0"/>
+              </a:solidFill>
+              <a:latin typeface="Calibri" panose="020F0502020204030204" pitchFamily="34" charset="0"/>
+              <a:ea typeface="Calibri" panose="020F0502020204030204" pitchFamily="34" charset="0"/>
+              <a:cs typeface="Times New Roman" panose="02020603050405020304" pitchFamily="18" charset="0"/>
+            </a:endParaRPr>
+          </a:p>
+          <a:p>
+            <a:pPr marL="742950" lvl="1" indent="-285750" algn="just">
+              <a:lnSpc>
+                <a:spcPct val="107000"/>
+              </a:lnSpc>
+              <a:spcAft>
+                <a:spcPts val="0"/>
+              </a:spcAft>
+              <a:buFont typeface="Symbol" panose="05050102010706020507" pitchFamily="18" charset="2"/>
+              <a:buChar char=""/>
+            </a:pPr>
+            <a:r>
+              <a:rPr lang="fr-FR" sz="1200" dirty="0">
+                <a:latin typeface="Calibri" panose="020F0502020204030204" pitchFamily="34" charset="0"/>
+                <a:ea typeface="Calibri" panose="020F0502020204030204" pitchFamily="34" charset="0"/>
+                <a:cs typeface="Times New Roman" panose="02020603050405020304" pitchFamily="18" charset="0"/>
+              </a:rPr>
+              <a:t>Signal : </a:t>
+            </a:r>
+            <a:r>
+              <a:rPr lang="fr-FR" sz="1200" dirty="0">
+                <a:solidFill>
+                  <a:srgbClr val="0070C0"/>
+                </a:solidFill>
+                <a:latin typeface="Calibri" panose="020F0502020204030204" pitchFamily="34" charset="0"/>
+                <a:ea typeface="Calibri" panose="020F0502020204030204" pitchFamily="34" charset="0"/>
+                <a:cs typeface="Times New Roman" panose="02020603050405020304" pitchFamily="18" charset="0"/>
+              </a:rPr>
+              <a:t>Numérique </a:t>
+            </a:r>
+            <a:endParaRPr lang="fr-FR" sz="1100" dirty="0">
+              <a:latin typeface="Calibri" panose="020F0502020204030204" pitchFamily="34" charset="0"/>
+              <a:ea typeface="Calibri" panose="020F0502020204030204" pitchFamily="34" charset="0"/>
+              <a:cs typeface="Times New Roman" panose="02020603050405020304" pitchFamily="18" charset="0"/>
+            </a:endParaRPr>
+          </a:p>
+          <a:p>
+            <a:pPr marL="342900" lvl="0" indent="-342900">
+              <a:spcAft>
+                <a:spcPts val="0"/>
+              </a:spcAft>
+              <a:buFont typeface="Wingdings" panose="05000000000000000000" pitchFamily="2" charset="2"/>
+              <a:buChar char=""/>
+            </a:pPr>
+            <a:r>
+              <a:rPr lang="fr-FR" sz="1200" dirty="0">
+                <a:latin typeface="Calibri" panose="020F0502020204030204" pitchFamily="34" charset="0"/>
+                <a:ea typeface="Calibri" panose="020F0502020204030204" pitchFamily="34" charset="0"/>
+                <a:cs typeface="Times New Roman" panose="02020603050405020304" pitchFamily="18" charset="0"/>
+              </a:rPr>
+              <a:t>E_TERRE </a:t>
+            </a:r>
+          </a:p>
+          <a:p>
+            <a:pPr marL="742950" lvl="1" indent="-285750" algn="just">
+              <a:lnSpc>
+                <a:spcPct val="107000"/>
+              </a:lnSpc>
+              <a:spcAft>
+                <a:spcPts val="0"/>
+              </a:spcAft>
+              <a:buFont typeface="Symbol" panose="05050102010706020507" pitchFamily="18" charset="2"/>
+              <a:buChar char=""/>
+            </a:pPr>
+            <a:r>
+              <a:rPr lang="fr-FR" sz="1200" dirty="0">
+                <a:latin typeface="Calibri" panose="020F0502020204030204" pitchFamily="34" charset="0"/>
+                <a:ea typeface="Calibri" panose="020F0502020204030204" pitchFamily="34" charset="0"/>
+                <a:cs typeface="Times New Roman" panose="02020603050405020304" pitchFamily="18" charset="0"/>
+              </a:rPr>
+              <a:t>Signal : </a:t>
+            </a:r>
+            <a:r>
+              <a:rPr lang="fr-FR" sz="1200" dirty="0">
+                <a:solidFill>
+                  <a:srgbClr val="0070C0"/>
+                </a:solidFill>
+                <a:latin typeface="Calibri" panose="020F0502020204030204" pitchFamily="34" charset="0"/>
+                <a:ea typeface="Calibri" panose="020F0502020204030204" pitchFamily="34" charset="0"/>
+                <a:cs typeface="Times New Roman" panose="02020603050405020304" pitchFamily="18" charset="0"/>
+              </a:rPr>
+              <a:t>Numérique </a:t>
+            </a:r>
+            <a:endParaRPr lang="fr-FR" sz="1100" dirty="0">
+              <a:latin typeface="Calibri" panose="020F0502020204030204" pitchFamily="34" charset="0"/>
+              <a:ea typeface="Calibri" panose="020F0502020204030204" pitchFamily="34" charset="0"/>
+              <a:cs typeface="Times New Roman" panose="02020603050405020304" pitchFamily="18" charset="0"/>
+            </a:endParaRPr>
+          </a:p>
+          <a:p>
+            <a:pPr marL="342900" lvl="0" indent="-342900">
+              <a:spcAft>
+                <a:spcPts val="0"/>
+              </a:spcAft>
+              <a:buFont typeface="Wingdings" panose="05000000000000000000" pitchFamily="2" charset="2"/>
+              <a:buChar char=""/>
+            </a:pPr>
+            <a:r>
+              <a:rPr lang="fr-FR" sz="1200" dirty="0">
+                <a:latin typeface="Calibri" panose="020F0502020204030204" pitchFamily="34" charset="0"/>
+                <a:ea typeface="Calibri" panose="020F0502020204030204" pitchFamily="34" charset="0"/>
+                <a:cs typeface="Times New Roman" panose="02020603050405020304" pitchFamily="18" charset="0"/>
+              </a:rPr>
+              <a:t>E_FEU </a:t>
+            </a:r>
+          </a:p>
+          <a:p>
+            <a:pPr marL="742950" lvl="1" indent="-285750" algn="just">
+              <a:lnSpc>
+                <a:spcPct val="107000"/>
+              </a:lnSpc>
+              <a:spcAft>
+                <a:spcPts val="0"/>
+              </a:spcAft>
+              <a:buFont typeface="Symbol" panose="05050102010706020507" pitchFamily="18" charset="2"/>
+              <a:buChar char=""/>
+            </a:pPr>
+            <a:r>
+              <a:rPr lang="fr-FR" sz="1200" dirty="0">
+                <a:latin typeface="Calibri" panose="020F0502020204030204" pitchFamily="34" charset="0"/>
+                <a:ea typeface="Calibri" panose="020F0502020204030204" pitchFamily="34" charset="0"/>
+                <a:cs typeface="Times New Roman" panose="02020603050405020304" pitchFamily="18" charset="0"/>
+              </a:rPr>
+              <a:t>Signal : </a:t>
+            </a:r>
+            <a:r>
+              <a:rPr lang="fr-FR" sz="1200" dirty="0">
+                <a:solidFill>
+                  <a:srgbClr val="0070C0"/>
+                </a:solidFill>
+                <a:latin typeface="Calibri" panose="020F0502020204030204" pitchFamily="34" charset="0"/>
+                <a:ea typeface="Calibri" panose="020F0502020204030204" pitchFamily="34" charset="0"/>
+                <a:cs typeface="Times New Roman" panose="02020603050405020304" pitchFamily="18" charset="0"/>
+              </a:rPr>
+              <a:t>Numérique</a:t>
+            </a:r>
+            <a:r>
+              <a:rPr lang="fr-FR" sz="1200" dirty="0">
+                <a:solidFill>
+                  <a:srgbClr val="70AD47"/>
+                </a:solidFill>
+                <a:latin typeface="Calibri" panose="020F0502020204030204" pitchFamily="34" charset="0"/>
+                <a:ea typeface="Calibri" panose="020F0502020204030204" pitchFamily="34" charset="0"/>
+                <a:cs typeface="Times New Roman" panose="02020603050405020304" pitchFamily="18" charset="0"/>
+              </a:rPr>
+              <a:t> </a:t>
+            </a:r>
+            <a:endParaRPr lang="fr-FR" sz="1100" dirty="0">
+              <a:latin typeface="Calibri" panose="020F0502020204030204" pitchFamily="34" charset="0"/>
+              <a:ea typeface="Calibri" panose="020F0502020204030204" pitchFamily="34" charset="0"/>
+              <a:cs typeface="Times New Roman" panose="02020603050405020304" pitchFamily="18" charset="0"/>
+            </a:endParaRPr>
+          </a:p>
+          <a:p>
+            <a:pPr marL="342900" lvl="0" indent="-342900">
+              <a:spcAft>
+                <a:spcPts val="0"/>
+              </a:spcAft>
+              <a:buFont typeface="Wingdings" panose="05000000000000000000" pitchFamily="2" charset="2"/>
+              <a:buChar char=""/>
+            </a:pPr>
+            <a:r>
+              <a:rPr lang="fr-FR" sz="1200" dirty="0">
+                <a:latin typeface="Calibri" panose="020F0502020204030204" pitchFamily="34" charset="0"/>
+                <a:ea typeface="Calibri" panose="020F0502020204030204" pitchFamily="34" charset="0"/>
+                <a:cs typeface="Times New Roman" panose="02020603050405020304" pitchFamily="18" charset="0"/>
+              </a:rPr>
+              <a:t>E_EAU</a:t>
+            </a:r>
+          </a:p>
+          <a:p>
+            <a:pPr marL="742950" lvl="1" indent="-285750" algn="just">
+              <a:lnSpc>
+                <a:spcPct val="107000"/>
+              </a:lnSpc>
+              <a:spcAft>
+                <a:spcPts val="0"/>
+              </a:spcAft>
+              <a:buFont typeface="Symbol" panose="05050102010706020507" pitchFamily="18" charset="2"/>
+              <a:buChar char=""/>
+            </a:pPr>
+            <a:r>
+              <a:rPr lang="fr-FR" sz="1200" dirty="0">
+                <a:latin typeface="Calibri" panose="020F0502020204030204" pitchFamily="34" charset="0"/>
+                <a:ea typeface="Calibri" panose="020F0502020204030204" pitchFamily="34" charset="0"/>
+                <a:cs typeface="Times New Roman" panose="02020603050405020304" pitchFamily="18" charset="0"/>
+              </a:rPr>
+              <a:t>Signal : </a:t>
+            </a:r>
+            <a:r>
+              <a:rPr lang="fr-FR" sz="1200" dirty="0">
+                <a:solidFill>
+                  <a:srgbClr val="0070C0"/>
+                </a:solidFill>
+                <a:latin typeface="Calibri" panose="020F0502020204030204" pitchFamily="34" charset="0"/>
+                <a:ea typeface="Calibri" panose="020F0502020204030204" pitchFamily="34" charset="0"/>
+                <a:cs typeface="Times New Roman" panose="02020603050405020304" pitchFamily="18" charset="0"/>
+              </a:rPr>
+              <a:t>Numérique</a:t>
+            </a:r>
+            <a:r>
+              <a:rPr lang="fr-FR" sz="1200" dirty="0">
+                <a:solidFill>
+                  <a:srgbClr val="70AD47"/>
+                </a:solidFill>
+                <a:latin typeface="Calibri" panose="020F0502020204030204" pitchFamily="34" charset="0"/>
+                <a:ea typeface="Calibri" panose="020F0502020204030204" pitchFamily="34" charset="0"/>
+                <a:cs typeface="Times New Roman" panose="02020603050405020304" pitchFamily="18" charset="0"/>
+              </a:rPr>
+              <a:t> </a:t>
+            </a:r>
+            <a:endParaRPr lang="fr-FR" sz="1100" dirty="0">
+              <a:latin typeface="Calibri" panose="020F0502020204030204" pitchFamily="34" charset="0"/>
+              <a:ea typeface="Calibri" panose="020F0502020204030204" pitchFamily="34" charset="0"/>
+              <a:cs typeface="Times New Roman" panose="02020603050405020304" pitchFamily="18" charset="0"/>
+            </a:endParaRPr>
+          </a:p>
+          <a:p>
+            <a:pPr marL="342900" lvl="0" indent="-342900">
+              <a:spcAft>
+                <a:spcPts val="0"/>
+              </a:spcAft>
+              <a:buFont typeface="Wingdings" panose="05000000000000000000" pitchFamily="2" charset="2"/>
+              <a:buChar char=""/>
+            </a:pPr>
+            <a:r>
+              <a:rPr lang="fr-FR" sz="1200" dirty="0">
+                <a:latin typeface="Calibri" panose="020F0502020204030204" pitchFamily="34" charset="0"/>
+                <a:ea typeface="Calibri" panose="020F0502020204030204" pitchFamily="34" charset="0"/>
+                <a:cs typeface="Times New Roman" panose="02020603050405020304" pitchFamily="18" charset="0"/>
+              </a:rPr>
+              <a:t>E_AIR </a:t>
+            </a:r>
+          </a:p>
+          <a:p>
+            <a:pPr marL="742950" lvl="1" indent="-285750" algn="just">
+              <a:lnSpc>
+                <a:spcPct val="107000"/>
+              </a:lnSpc>
+              <a:spcAft>
+                <a:spcPts val="0"/>
+              </a:spcAft>
+              <a:buFont typeface="Symbol" panose="05050102010706020507" pitchFamily="18" charset="2"/>
+              <a:buChar char=""/>
+            </a:pPr>
+            <a:r>
+              <a:rPr lang="fr-FR" sz="1200" dirty="0">
+                <a:latin typeface="Calibri" panose="020F0502020204030204" pitchFamily="34" charset="0"/>
+                <a:ea typeface="Calibri" panose="020F0502020204030204" pitchFamily="34" charset="0"/>
+                <a:cs typeface="Times New Roman" panose="02020603050405020304" pitchFamily="18" charset="0"/>
+              </a:rPr>
+              <a:t>Signal : </a:t>
+            </a:r>
+            <a:r>
+              <a:rPr lang="fr-FR" sz="1200" dirty="0">
+                <a:solidFill>
+                  <a:srgbClr val="0070C0"/>
+                </a:solidFill>
+                <a:latin typeface="Calibri" panose="020F0502020204030204" pitchFamily="34" charset="0"/>
+                <a:ea typeface="Calibri" panose="020F0502020204030204" pitchFamily="34" charset="0"/>
+                <a:cs typeface="Times New Roman" panose="02020603050405020304" pitchFamily="18" charset="0"/>
+              </a:rPr>
+              <a:t>Numérique</a:t>
+            </a:r>
+            <a:r>
+              <a:rPr lang="fr-FR" sz="1200" dirty="0">
+                <a:solidFill>
+                  <a:srgbClr val="70AD47"/>
+                </a:solidFill>
+                <a:latin typeface="Calibri" panose="020F0502020204030204" pitchFamily="34" charset="0"/>
+                <a:ea typeface="Calibri" panose="020F0502020204030204" pitchFamily="34" charset="0"/>
+                <a:cs typeface="Times New Roman" panose="02020603050405020304" pitchFamily="18" charset="0"/>
+              </a:rPr>
+              <a:t> </a:t>
+            </a:r>
+            <a:endParaRPr lang="fr-FR" sz="1100" dirty="0">
+              <a:latin typeface="Calibri" panose="020F0502020204030204" pitchFamily="34" charset="0"/>
+              <a:ea typeface="Calibri" panose="020F0502020204030204" pitchFamily="34" charset="0"/>
+              <a:cs typeface="Times New Roman" panose="02020603050405020304" pitchFamily="18" charset="0"/>
+            </a:endParaRPr>
+          </a:p>
+        </p:txBody>
+      </p:sp>
+      <p:sp>
+        <p:nvSpPr>
+          <p:cNvPr id="15" name="Flèche : gauche 14">
+            <a:extLst>
+              <a:ext uri="{FF2B5EF4-FFF2-40B4-BE49-F238E27FC236}">
+                <a16:creationId xmlns:a16="http://schemas.microsoft.com/office/drawing/2014/main" id="{EF955A75-6966-4A5F-99DE-10D45F7B96AD}"/>
+              </a:ext>
+            </a:extLst>
+          </p:cNvPr>
+          <p:cNvSpPr/>
+          <p:nvPr/>
+        </p:nvSpPr>
+        <p:spPr>
+          <a:xfrm rot="19352463">
+            <a:off x="1791132" y="2375963"/>
+            <a:ext cx="2712464" cy="399569"/>
+          </a:xfrm>
+          <a:prstGeom prst="leftArrow">
+            <a:avLst/>
+          </a:prstGeom>
+          <a:solidFill>
+            <a:srgbClr val="00B0F0"/>
+          </a:solidFill>
+          <a:ln>
+            <a:solidFill>
+              <a:srgbClr val="00B0F0"/>
+            </a:solidFill>
+          </a:ln>
+        </p:spPr>
+        <p:style>
+          <a:lnRef idx="2">
+            <a:schemeClr val="accent1">
+              <a:shade val="50000"/>
+            </a:schemeClr>
+          </a:lnRef>
+          <a:fillRef idx="1">
+            <a:schemeClr val="accent1"/>
+          </a:fillRef>
+          <a:effectRef idx="0">
+            <a:schemeClr val="accent1"/>
+          </a:effectRef>
+          <a:fontRef idx="minor">
+            <a:schemeClr val="lt1"/>
+          </a:fontRef>
+        </p:style>
+        <p:txBody>
+          <a:bodyPr rtlCol="0" anchor="ctr"/>
+          <a:lstStyle/>
+          <a:p>
+            <a:pPr algn="ctr"/>
+            <a:endParaRPr lang="fr-FR"/>
+          </a:p>
+        </p:txBody>
+      </p:sp>
+      <p:sp>
+        <p:nvSpPr>
+          <p:cNvPr id="16" name="Rectangle 15">
+            <a:extLst>
+              <a:ext uri="{FF2B5EF4-FFF2-40B4-BE49-F238E27FC236}">
+                <a16:creationId xmlns:a16="http://schemas.microsoft.com/office/drawing/2014/main" id="{FB74222B-2064-42E8-B9F5-7BABD72401F1}"/>
+              </a:ext>
+            </a:extLst>
+          </p:cNvPr>
+          <p:cNvSpPr/>
+          <p:nvPr/>
+        </p:nvSpPr>
+        <p:spPr>
+          <a:xfrm>
+            <a:off x="5939756" y="3727751"/>
+            <a:ext cx="5524822" cy="2536079"/>
+          </a:xfrm>
+          <a:prstGeom prst="rect">
+            <a:avLst/>
+          </a:prstGeom>
+          <a:solidFill>
+            <a:schemeClr val="dk1">
+              <a:alpha val="50000"/>
+            </a:schemeClr>
+          </a:solidFill>
+          <a:ln>
+            <a:noFill/>
+          </a:ln>
+        </p:spPr>
+        <p:style>
+          <a:lnRef idx="0">
+            <a:scrgbClr r="0" g="0" b="0"/>
+          </a:lnRef>
+          <a:fillRef idx="0">
+            <a:scrgbClr r="0" g="0" b="0"/>
+          </a:fillRef>
+          <a:effectRef idx="0">
+            <a:scrgbClr r="0" g="0" b="0"/>
+          </a:effectRef>
+          <a:fontRef idx="minor">
+            <a:schemeClr val="lt1"/>
+          </a:fontRef>
+        </p:style>
+        <p:txBody>
+          <a:bodyPr wrap="square">
+            <a:spAutoFit/>
+          </a:bodyPr>
+          <a:lstStyle/>
+          <a:p>
+            <a:pPr marL="342900" lvl="0" indent="-342900">
+              <a:spcAft>
+                <a:spcPts val="0"/>
+              </a:spcAft>
+              <a:buFont typeface="Wingdings" panose="05000000000000000000" pitchFamily="2" charset="2"/>
+              <a:buChar char=""/>
+            </a:pPr>
+            <a:endParaRPr lang="fr-FR" sz="1200" dirty="0">
+              <a:latin typeface="Calibri" panose="020F0502020204030204" pitchFamily="34" charset="0"/>
+              <a:ea typeface="Calibri" panose="020F0502020204030204" pitchFamily="34" charset="0"/>
+              <a:cs typeface="Times New Roman" panose="02020603050405020304" pitchFamily="18" charset="0"/>
+            </a:endParaRPr>
+          </a:p>
+          <a:p>
+            <a:pPr marL="342900" lvl="0" indent="-342900">
+              <a:spcAft>
+                <a:spcPts val="0"/>
+              </a:spcAft>
+              <a:buFont typeface="Wingdings" panose="05000000000000000000" pitchFamily="2" charset="2"/>
+              <a:buChar char=""/>
+            </a:pPr>
+            <a:endParaRPr lang="fr-FR" sz="1200" dirty="0">
+              <a:latin typeface="Calibri" panose="020F0502020204030204" pitchFamily="34" charset="0"/>
+              <a:ea typeface="Calibri" panose="020F0502020204030204" pitchFamily="34" charset="0"/>
+              <a:cs typeface="Times New Roman" panose="02020603050405020304" pitchFamily="18" charset="0"/>
+            </a:endParaRPr>
+          </a:p>
+          <a:p>
+            <a:pPr marL="342900" lvl="0" indent="-342900">
+              <a:spcAft>
+                <a:spcPts val="0"/>
+              </a:spcAft>
+              <a:buFont typeface="Wingdings" panose="05000000000000000000" pitchFamily="2" charset="2"/>
+              <a:buChar char=""/>
+            </a:pPr>
+            <a:endParaRPr lang="fr-FR" sz="1200" dirty="0">
+              <a:latin typeface="Calibri" panose="020F0502020204030204" pitchFamily="34" charset="0"/>
+              <a:ea typeface="Calibri" panose="020F0502020204030204" pitchFamily="34" charset="0"/>
+              <a:cs typeface="Times New Roman" panose="02020603050405020304" pitchFamily="18" charset="0"/>
+            </a:endParaRPr>
+          </a:p>
+          <a:p>
+            <a:pPr marL="342900" lvl="0" indent="-342900">
+              <a:spcAft>
+                <a:spcPts val="0"/>
+              </a:spcAft>
+              <a:buFont typeface="Wingdings" panose="05000000000000000000" pitchFamily="2" charset="2"/>
+              <a:buChar char=""/>
+            </a:pPr>
+            <a:endParaRPr lang="fr-FR" sz="1200" dirty="0">
+              <a:latin typeface="Calibri" panose="020F0502020204030204" pitchFamily="34" charset="0"/>
+              <a:ea typeface="Calibri" panose="020F0502020204030204" pitchFamily="34" charset="0"/>
+              <a:cs typeface="Times New Roman" panose="02020603050405020304" pitchFamily="18" charset="0"/>
+            </a:endParaRPr>
+          </a:p>
+          <a:p>
+            <a:pPr marL="342900" lvl="0" indent="-342900">
+              <a:spcAft>
+                <a:spcPts val="0"/>
+              </a:spcAft>
+              <a:buFont typeface="Wingdings" panose="05000000000000000000" pitchFamily="2" charset="2"/>
+              <a:buChar char=""/>
+            </a:pPr>
+            <a:endParaRPr lang="fr-FR" sz="1200" dirty="0">
+              <a:latin typeface="Calibri" panose="020F0502020204030204" pitchFamily="34" charset="0"/>
+              <a:ea typeface="Calibri" panose="020F0502020204030204" pitchFamily="34" charset="0"/>
+              <a:cs typeface="Times New Roman" panose="02020603050405020304" pitchFamily="18" charset="0"/>
+            </a:endParaRPr>
+          </a:p>
+          <a:p>
+            <a:pPr marL="342900" lvl="0" indent="-342900">
+              <a:spcAft>
+                <a:spcPts val="0"/>
+              </a:spcAft>
+              <a:buFont typeface="Wingdings" panose="05000000000000000000" pitchFamily="2" charset="2"/>
+              <a:buChar char=""/>
+            </a:pPr>
+            <a:endParaRPr lang="fr-FR" sz="1200" dirty="0">
+              <a:latin typeface="Calibri" panose="020F0502020204030204" pitchFamily="34" charset="0"/>
+              <a:ea typeface="Calibri" panose="020F0502020204030204" pitchFamily="34" charset="0"/>
+              <a:cs typeface="Times New Roman" panose="02020603050405020304" pitchFamily="18" charset="0"/>
+            </a:endParaRPr>
+          </a:p>
+          <a:p>
+            <a:pPr marL="342900" lvl="0" indent="-342900">
+              <a:spcAft>
+                <a:spcPts val="0"/>
+              </a:spcAft>
+              <a:buFont typeface="Wingdings" panose="05000000000000000000" pitchFamily="2" charset="2"/>
+              <a:buChar char=""/>
+            </a:pPr>
+            <a:endParaRPr lang="fr-FR" sz="1200" dirty="0">
+              <a:latin typeface="Calibri" panose="020F0502020204030204" pitchFamily="34" charset="0"/>
+              <a:ea typeface="Calibri" panose="020F0502020204030204" pitchFamily="34" charset="0"/>
+              <a:cs typeface="Times New Roman" panose="02020603050405020304" pitchFamily="18" charset="0"/>
+            </a:endParaRPr>
+          </a:p>
+          <a:p>
+            <a:pPr lvl="0">
+              <a:spcAft>
+                <a:spcPts val="0"/>
+              </a:spcAft>
+            </a:pPr>
+            <a:endParaRPr lang="fr-FR" sz="1200" dirty="0">
+              <a:latin typeface="Calibri" panose="020F0502020204030204" pitchFamily="34" charset="0"/>
+              <a:ea typeface="Calibri" panose="020F0502020204030204" pitchFamily="34" charset="0"/>
+              <a:cs typeface="Times New Roman" panose="02020603050405020304" pitchFamily="18" charset="0"/>
+            </a:endParaRPr>
+          </a:p>
+          <a:p>
+            <a:pPr marL="342900" lvl="0" indent="-342900">
+              <a:spcAft>
+                <a:spcPts val="0"/>
+              </a:spcAft>
+              <a:buFont typeface="Wingdings" panose="05000000000000000000" pitchFamily="2" charset="2"/>
+              <a:buChar char=""/>
+            </a:pPr>
+            <a:r>
+              <a:rPr lang="fr-FR" sz="1200" dirty="0">
+                <a:latin typeface="Calibri" panose="020F0502020204030204" pitchFamily="34" charset="0"/>
+                <a:ea typeface="Calibri" panose="020F0502020204030204" pitchFamily="34" charset="0"/>
+                <a:cs typeface="Times New Roman" panose="02020603050405020304" pitchFamily="18" charset="0"/>
+              </a:rPr>
+              <a:t>S1 </a:t>
+            </a:r>
+          </a:p>
+          <a:p>
+            <a:pPr marL="742950" lvl="1" indent="-285750" algn="just">
+              <a:lnSpc>
+                <a:spcPct val="107000"/>
+              </a:lnSpc>
+              <a:spcAft>
+                <a:spcPts val="0"/>
+              </a:spcAft>
+              <a:buSzPts val="1200"/>
+              <a:buFont typeface="Symbol" panose="05050102010706020507" pitchFamily="18" charset="2"/>
+              <a:buChar char=""/>
+            </a:pPr>
+            <a:r>
+              <a:rPr lang="fr-FR" sz="1200" dirty="0">
+                <a:latin typeface="Calibri" panose="020F0502020204030204" pitchFamily="34" charset="0"/>
+                <a:ea typeface="Calibri" panose="020F0502020204030204" pitchFamily="34" charset="0"/>
+                <a:cs typeface="Times New Roman" panose="02020603050405020304" pitchFamily="18" charset="0"/>
+              </a:rPr>
+              <a:t>Rôle : </a:t>
+            </a:r>
+            <a:r>
+              <a:rPr lang="fr-FR" sz="1200" dirty="0">
+                <a:solidFill>
+                  <a:srgbClr val="FF0000"/>
+                </a:solidFill>
+                <a:latin typeface="Calibri" panose="020F0502020204030204" pitchFamily="34" charset="0"/>
+                <a:ea typeface="Calibri" panose="020F0502020204030204" pitchFamily="34" charset="0"/>
+                <a:cs typeface="Times New Roman" panose="02020603050405020304" pitchFamily="18" charset="0"/>
+              </a:rPr>
+              <a:t>Activer/désactiver une électro aimant via un relais (sortie finale).</a:t>
+            </a:r>
+            <a:endParaRPr lang="fr-FR" sz="1100" dirty="0">
+              <a:latin typeface="Calibri" panose="020F0502020204030204" pitchFamily="34" charset="0"/>
+              <a:ea typeface="Calibri" panose="020F0502020204030204" pitchFamily="34" charset="0"/>
+              <a:cs typeface="Times New Roman" panose="02020603050405020304" pitchFamily="18" charset="0"/>
+            </a:endParaRPr>
+          </a:p>
+          <a:p>
+            <a:pPr marL="742950" lvl="1" indent="-285750" algn="just">
+              <a:lnSpc>
+                <a:spcPct val="107000"/>
+              </a:lnSpc>
+              <a:spcAft>
+                <a:spcPts val="0"/>
+              </a:spcAft>
+              <a:buSzPts val="1200"/>
+              <a:buFont typeface="Symbol" panose="05050102010706020507" pitchFamily="18" charset="2"/>
+              <a:buChar char=""/>
+            </a:pPr>
+            <a:r>
+              <a:rPr lang="fr-FR" sz="1200" dirty="0">
+                <a:latin typeface="Calibri" panose="020F0502020204030204" pitchFamily="34" charset="0"/>
+                <a:ea typeface="Calibri" panose="020F0502020204030204" pitchFamily="34" charset="0"/>
+                <a:cs typeface="Times New Roman" panose="02020603050405020304" pitchFamily="18" charset="0"/>
+              </a:rPr>
+              <a:t>Condition : </a:t>
+            </a:r>
+            <a:r>
+              <a:rPr lang="fr-FR" sz="1200" dirty="0">
+                <a:solidFill>
+                  <a:srgbClr val="FF0000"/>
+                </a:solidFill>
+                <a:latin typeface="Calibri" panose="020F0502020204030204" pitchFamily="34" charset="0"/>
+                <a:ea typeface="Calibri" panose="020F0502020204030204" pitchFamily="34" charset="0"/>
+                <a:cs typeface="Times New Roman" panose="02020603050405020304" pitchFamily="18" charset="0"/>
+              </a:rPr>
+              <a:t>Si les 4 entrées sont à 1 lorsque le joueur appuis sur le bouton poussoir, alors activer la sortie sinon, désactiver la sortie + Activer LED Rouge.</a:t>
+            </a:r>
+            <a:endParaRPr lang="fr-FR" sz="1100" dirty="0">
+              <a:latin typeface="Calibri" panose="020F0502020204030204" pitchFamily="34" charset="0"/>
+              <a:ea typeface="Calibri" panose="020F0502020204030204" pitchFamily="34" charset="0"/>
+              <a:cs typeface="Times New Roman" panose="02020603050405020304" pitchFamily="18" charset="0"/>
+            </a:endParaRPr>
+          </a:p>
+        </p:txBody>
+      </p:sp>
+      <p:pic>
+        <p:nvPicPr>
+          <p:cNvPr id="17" name="Image 16">
+            <a:extLst>
+              <a:ext uri="{FF2B5EF4-FFF2-40B4-BE49-F238E27FC236}">
+                <a16:creationId xmlns:a16="http://schemas.microsoft.com/office/drawing/2014/main" id="{E48ED714-7CD1-4FD0-9B55-F83F1DB50B06}"/>
+              </a:ext>
+            </a:extLst>
+          </p:cNvPr>
+          <p:cNvPicPr>
+            <a:picLocks noChangeAspect="1"/>
+          </p:cNvPicPr>
+          <p:nvPr/>
+        </p:nvPicPr>
+        <p:blipFill>
+          <a:blip r:embed="rId4"/>
+          <a:stretch>
+            <a:fillRect/>
+          </a:stretch>
+        </p:blipFill>
+        <p:spPr>
+          <a:xfrm>
+            <a:off x="7243695" y="3834079"/>
+            <a:ext cx="1254044" cy="1254044"/>
+          </a:xfrm>
+          <a:prstGeom prst="rect">
+            <a:avLst/>
+          </a:prstGeom>
+        </p:spPr>
+      </p:pic>
+      <p:pic>
+        <p:nvPicPr>
+          <p:cNvPr id="18" name="Image 17">
+            <a:extLst>
+              <a:ext uri="{FF2B5EF4-FFF2-40B4-BE49-F238E27FC236}">
+                <a16:creationId xmlns:a16="http://schemas.microsoft.com/office/drawing/2014/main" id="{0740DD27-553D-4D6F-B962-0D4BB47EF93D}"/>
+              </a:ext>
+            </a:extLst>
+          </p:cNvPr>
+          <p:cNvPicPr>
+            <a:picLocks noChangeAspect="1"/>
+          </p:cNvPicPr>
+          <p:nvPr/>
+        </p:nvPicPr>
+        <p:blipFill>
+          <a:blip r:embed="rId5"/>
+          <a:stretch>
+            <a:fillRect/>
+          </a:stretch>
+        </p:blipFill>
+        <p:spPr>
+          <a:xfrm>
+            <a:off x="8499523" y="3663908"/>
+            <a:ext cx="2489032" cy="1870329"/>
+          </a:xfrm>
+          <a:prstGeom prst="rect">
+            <a:avLst/>
+          </a:prstGeom>
+        </p:spPr>
+      </p:pic>
+      <p:pic>
+        <p:nvPicPr>
+          <p:cNvPr id="19" name="Image 18">
+            <a:extLst>
+              <a:ext uri="{FF2B5EF4-FFF2-40B4-BE49-F238E27FC236}">
+                <a16:creationId xmlns:a16="http://schemas.microsoft.com/office/drawing/2014/main" id="{F71A6005-2127-46FC-AB56-370A808795BE}"/>
+              </a:ext>
+            </a:extLst>
+          </p:cNvPr>
+          <p:cNvPicPr>
+            <a:picLocks noChangeAspect="1"/>
+          </p:cNvPicPr>
+          <p:nvPr/>
+        </p:nvPicPr>
+        <p:blipFill>
+          <a:blip r:embed="rId6"/>
+          <a:stretch>
+            <a:fillRect/>
+          </a:stretch>
+        </p:blipFill>
+        <p:spPr>
+          <a:xfrm>
+            <a:off x="2683482" y="4037628"/>
+            <a:ext cx="1736203" cy="1736203"/>
+          </a:xfrm>
+          <a:prstGeom prst="rect">
+            <a:avLst/>
+          </a:prstGeom>
+        </p:spPr>
+      </p:pic>
+    </p:spTree>
+    <p:extLst>
+      <p:ext uri="{BB962C8B-B14F-4D97-AF65-F5344CB8AC3E}">
+        <p14:creationId xmlns:p14="http://schemas.microsoft.com/office/powerpoint/2010/main" val="3464637652"/>
+      </p:ext>
+    </p:extLst>
+  </p:cSld>
+  <p:clrMapOvr>
+    <a:overrideClrMapping bg1="dk1" tx1="lt1" bg2="dk2" tx2="lt2" accent1="accent1" accent2="accent2" accent3="accent3" accent4="accent4" accent5="accent5" accent6="accent6" hlink="hlink" folHlink="folHlink"/>
+  </p:clrMapOvr>
+  <p:timing>
+    <p:tnLst>
+      <p:par>
+        <p:cTn id="1" dur="indefinite" restart="never" nodeType="tmRoot">
+          <p:childTnLst>
+            <p:seq concurrent="1" nextAc="seek">
+              <p:cTn id="2" dur="indefinite" nodeType="mainSeq">
+                <p:childTnLst>
+                  <p:par>
+                    <p:cTn id="3" fill="hold">
+                      <p:stCondLst>
+                        <p:cond delay="indefinite"/>
+                      </p:stCondLst>
+                      <p:childTnLst>
+                        <p:par>
+                          <p:cTn id="4" fill="hold">
+                            <p:stCondLst>
+                              <p:cond delay="0"/>
+                            </p:stCondLst>
+                            <p:childTnLst>
+                              <p:par>
+                                <p:cTn id="5" presetID="1" presetClass="entr" presetSubtype="0" fill="hold" nodeType="clickEffect">
+                                  <p:stCondLst>
+                                    <p:cond delay="0"/>
+                                  </p:stCondLst>
+                                  <p:childTnLst>
+                                    <p:set>
+                                      <p:cBhvr>
+                                        <p:cTn id="6" dur="1" fill="hold">
+                                          <p:stCondLst>
+                                            <p:cond delay="0"/>
+                                          </p:stCondLst>
+                                        </p:cTn>
+                                        <p:tgtEl>
+                                          <p:spTgt spid="6"/>
+                                        </p:tgtEl>
+                                        <p:attrNameLst>
+                                          <p:attrName>style.visibility</p:attrName>
+                                        </p:attrNameLst>
+                                      </p:cBhvr>
+                                      <p:to>
+                                        <p:strVal val="visible"/>
+                                      </p:to>
+                                    </p:set>
+                                  </p:childTnLst>
+                                </p:cTn>
+                              </p:par>
+                            </p:childTnLst>
+                          </p:cTn>
+                        </p:par>
+                      </p:childTnLst>
+                    </p:cTn>
+                  </p:par>
+                  <p:par>
+                    <p:cTn id="7" fill="hold">
+                      <p:stCondLst>
+                        <p:cond delay="indefinite"/>
+                      </p:stCondLst>
+                      <p:childTnLst>
+                        <p:par>
+                          <p:cTn id="8" fill="hold">
+                            <p:stCondLst>
+                              <p:cond delay="0"/>
+                            </p:stCondLst>
+                            <p:childTnLst>
+                              <p:par>
+                                <p:cTn id="9" presetID="10" presetClass="entr" presetSubtype="0" fill="hold" grpId="0" nodeType="clickEffect">
+                                  <p:stCondLst>
+                                    <p:cond delay="0"/>
+                                  </p:stCondLst>
+                                  <p:childTnLst>
+                                    <p:set>
+                                      <p:cBhvr>
+                                        <p:cTn id="10" dur="1" fill="hold">
+                                          <p:stCondLst>
+                                            <p:cond delay="0"/>
+                                          </p:stCondLst>
+                                        </p:cTn>
+                                        <p:tgtEl>
+                                          <p:spTgt spid="12"/>
+                                        </p:tgtEl>
+                                        <p:attrNameLst>
+                                          <p:attrName>style.visibility</p:attrName>
+                                        </p:attrNameLst>
+                                      </p:cBhvr>
+                                      <p:to>
+                                        <p:strVal val="visible"/>
+                                      </p:to>
+                                    </p:set>
+                                    <p:animEffect transition="in" filter="fade">
+                                      <p:cBhvr>
+                                        <p:cTn id="11" dur="500"/>
+                                        <p:tgtEl>
+                                          <p:spTgt spid="12"/>
+                                        </p:tgtEl>
+                                      </p:cBhvr>
+                                    </p:animEffect>
+                                  </p:childTnLst>
+                                </p:cTn>
+                              </p:par>
+                              <p:par>
+                                <p:cTn id="12" presetID="10" presetClass="entr" presetSubtype="0" fill="hold" grpId="0" nodeType="withEffect">
+                                  <p:stCondLst>
+                                    <p:cond delay="0"/>
+                                  </p:stCondLst>
+                                  <p:childTnLst>
+                                    <p:set>
+                                      <p:cBhvr>
+                                        <p:cTn id="13" dur="1" fill="hold">
+                                          <p:stCondLst>
+                                            <p:cond delay="0"/>
+                                          </p:stCondLst>
+                                        </p:cTn>
+                                        <p:tgtEl>
+                                          <p:spTgt spid="15"/>
+                                        </p:tgtEl>
+                                        <p:attrNameLst>
+                                          <p:attrName>style.visibility</p:attrName>
+                                        </p:attrNameLst>
+                                      </p:cBhvr>
+                                      <p:to>
+                                        <p:strVal val="visible"/>
+                                      </p:to>
+                                    </p:set>
+                                    <p:animEffect transition="in" filter="fade">
+                                      <p:cBhvr>
+                                        <p:cTn id="14" dur="500"/>
+                                        <p:tgtEl>
+                                          <p:spTgt spid="15"/>
+                                        </p:tgtEl>
+                                      </p:cBhvr>
+                                    </p:animEffect>
+                                  </p:childTnLst>
+                                </p:cTn>
+                              </p:par>
+                              <p:par>
+                                <p:cTn id="15" presetID="10" presetClass="entr" presetSubtype="0" fill="hold" grpId="0" nodeType="withEffect">
+                                  <p:stCondLst>
+                                    <p:cond delay="0"/>
+                                  </p:stCondLst>
+                                  <p:childTnLst>
+                                    <p:set>
+                                      <p:cBhvr>
+                                        <p:cTn id="16" dur="1" fill="hold">
+                                          <p:stCondLst>
+                                            <p:cond delay="0"/>
+                                          </p:stCondLst>
+                                        </p:cTn>
+                                        <p:tgtEl>
+                                          <p:spTgt spid="5"/>
+                                        </p:tgtEl>
+                                        <p:attrNameLst>
+                                          <p:attrName>style.visibility</p:attrName>
+                                        </p:attrNameLst>
+                                      </p:cBhvr>
+                                      <p:to>
+                                        <p:strVal val="visible"/>
+                                      </p:to>
+                                    </p:set>
+                                    <p:animEffect transition="in" filter="fade">
+                                      <p:cBhvr>
+                                        <p:cTn id="17" dur="500"/>
+                                        <p:tgtEl>
+                                          <p:spTgt spid="5"/>
+                                        </p:tgtEl>
+                                      </p:cBhvr>
+                                    </p:animEffect>
+                                  </p:childTnLst>
+                                </p:cTn>
+                              </p:par>
+                              <p:par>
+                                <p:cTn id="18" presetID="10" presetClass="entr" presetSubtype="0" fill="hold" nodeType="withEffect">
+                                  <p:stCondLst>
+                                    <p:cond delay="0"/>
+                                  </p:stCondLst>
+                                  <p:childTnLst>
+                                    <p:set>
+                                      <p:cBhvr>
+                                        <p:cTn id="19" dur="1" fill="hold">
+                                          <p:stCondLst>
+                                            <p:cond delay="0"/>
+                                          </p:stCondLst>
+                                        </p:cTn>
+                                        <p:tgtEl>
+                                          <p:spTgt spid="19"/>
+                                        </p:tgtEl>
+                                        <p:attrNameLst>
+                                          <p:attrName>style.visibility</p:attrName>
+                                        </p:attrNameLst>
+                                      </p:cBhvr>
+                                      <p:to>
+                                        <p:strVal val="visible"/>
+                                      </p:to>
+                                    </p:set>
+                                    <p:animEffect transition="in" filter="fade">
+                                      <p:cBhvr>
+                                        <p:cTn id="20" dur="500"/>
+                                        <p:tgtEl>
+                                          <p:spTgt spid="19"/>
+                                        </p:tgtEl>
+                                      </p:cBhvr>
+                                    </p:animEffect>
+                                  </p:childTnLst>
+                                </p:cTn>
+                              </p:par>
+                            </p:childTnLst>
+                          </p:cTn>
+                        </p:par>
+                      </p:childTnLst>
+                    </p:cTn>
+                  </p:par>
+                  <p:par>
+                    <p:cTn id="21" fill="hold">
+                      <p:stCondLst>
+                        <p:cond delay="indefinite"/>
+                      </p:stCondLst>
+                      <p:childTnLst>
+                        <p:par>
+                          <p:cTn id="22" fill="hold">
+                            <p:stCondLst>
+                              <p:cond delay="0"/>
+                            </p:stCondLst>
+                            <p:childTnLst>
+                              <p:par>
+                                <p:cTn id="23" presetID="10" presetClass="entr" presetSubtype="0" fill="hold" grpId="0" nodeType="clickEffect">
+                                  <p:stCondLst>
+                                    <p:cond delay="0"/>
+                                  </p:stCondLst>
+                                  <p:childTnLst>
+                                    <p:set>
+                                      <p:cBhvr>
+                                        <p:cTn id="24" dur="1" fill="hold">
+                                          <p:stCondLst>
+                                            <p:cond delay="0"/>
+                                          </p:stCondLst>
+                                        </p:cTn>
+                                        <p:tgtEl>
+                                          <p:spTgt spid="10"/>
+                                        </p:tgtEl>
+                                        <p:attrNameLst>
+                                          <p:attrName>style.visibility</p:attrName>
+                                        </p:attrNameLst>
+                                      </p:cBhvr>
+                                      <p:to>
+                                        <p:strVal val="visible"/>
+                                      </p:to>
+                                    </p:set>
+                                    <p:animEffect transition="in" filter="fade">
+                                      <p:cBhvr>
+                                        <p:cTn id="25" dur="500"/>
+                                        <p:tgtEl>
+                                          <p:spTgt spid="10"/>
+                                        </p:tgtEl>
+                                      </p:cBhvr>
+                                    </p:animEffect>
+                                  </p:childTnLst>
+                                </p:cTn>
+                              </p:par>
+                              <p:par>
+                                <p:cTn id="26" presetID="10" presetClass="entr" presetSubtype="0" fill="hold" grpId="0" nodeType="withEffect">
+                                  <p:stCondLst>
+                                    <p:cond delay="0"/>
+                                  </p:stCondLst>
+                                  <p:childTnLst>
+                                    <p:set>
+                                      <p:cBhvr>
+                                        <p:cTn id="27" dur="1" fill="hold">
+                                          <p:stCondLst>
+                                            <p:cond delay="0"/>
+                                          </p:stCondLst>
+                                        </p:cTn>
+                                        <p:tgtEl>
+                                          <p:spTgt spid="11"/>
+                                        </p:tgtEl>
+                                        <p:attrNameLst>
+                                          <p:attrName>style.visibility</p:attrName>
+                                        </p:attrNameLst>
+                                      </p:cBhvr>
+                                      <p:to>
+                                        <p:strVal val="visible"/>
+                                      </p:to>
+                                    </p:set>
+                                    <p:animEffect transition="in" filter="fade">
+                                      <p:cBhvr>
+                                        <p:cTn id="28" dur="500"/>
+                                        <p:tgtEl>
+                                          <p:spTgt spid="11"/>
+                                        </p:tgtEl>
+                                      </p:cBhvr>
+                                    </p:animEffect>
+                                  </p:childTnLst>
+                                </p:cTn>
+                              </p:par>
+                              <p:par>
+                                <p:cTn id="29" presetID="10" presetClass="entr" presetSubtype="0" fill="hold" nodeType="withEffect">
+                                  <p:stCondLst>
+                                    <p:cond delay="0"/>
+                                  </p:stCondLst>
+                                  <p:childTnLst>
+                                    <p:set>
+                                      <p:cBhvr>
+                                        <p:cTn id="30" dur="1" fill="hold">
+                                          <p:stCondLst>
+                                            <p:cond delay="0"/>
+                                          </p:stCondLst>
+                                        </p:cTn>
+                                        <p:tgtEl>
+                                          <p:spTgt spid="17"/>
+                                        </p:tgtEl>
+                                        <p:attrNameLst>
+                                          <p:attrName>style.visibility</p:attrName>
+                                        </p:attrNameLst>
+                                      </p:cBhvr>
+                                      <p:to>
+                                        <p:strVal val="visible"/>
+                                      </p:to>
+                                    </p:set>
+                                    <p:animEffect transition="in" filter="fade">
+                                      <p:cBhvr>
+                                        <p:cTn id="31" dur="500"/>
+                                        <p:tgtEl>
+                                          <p:spTgt spid="17"/>
+                                        </p:tgtEl>
+                                      </p:cBhvr>
+                                    </p:animEffect>
+                                  </p:childTnLst>
+                                </p:cTn>
+                              </p:par>
+                              <p:par>
+                                <p:cTn id="32" presetID="10" presetClass="entr" presetSubtype="0" fill="hold" nodeType="withEffect">
+                                  <p:stCondLst>
+                                    <p:cond delay="0"/>
+                                  </p:stCondLst>
+                                  <p:childTnLst>
+                                    <p:set>
+                                      <p:cBhvr>
+                                        <p:cTn id="33" dur="1" fill="hold">
+                                          <p:stCondLst>
+                                            <p:cond delay="0"/>
+                                          </p:stCondLst>
+                                        </p:cTn>
+                                        <p:tgtEl>
+                                          <p:spTgt spid="18"/>
+                                        </p:tgtEl>
+                                        <p:attrNameLst>
+                                          <p:attrName>style.visibility</p:attrName>
+                                        </p:attrNameLst>
+                                      </p:cBhvr>
+                                      <p:to>
+                                        <p:strVal val="visible"/>
+                                      </p:to>
+                                    </p:set>
+                                    <p:animEffect transition="in" filter="fade">
+                                      <p:cBhvr>
+                                        <p:cTn id="34" dur="500"/>
+                                        <p:tgtEl>
+                                          <p:spTgt spid="18"/>
+                                        </p:tgtEl>
+                                      </p:cBhvr>
+                                    </p:animEffect>
+                                  </p:childTnLst>
+                                </p:cTn>
+                              </p:par>
+                              <p:par>
+                                <p:cTn id="35" presetID="10" presetClass="entr" presetSubtype="0" fill="hold" grpId="0" nodeType="withEffect">
+                                  <p:stCondLst>
+                                    <p:cond delay="0"/>
+                                  </p:stCondLst>
+                                  <p:childTnLst>
+                                    <p:set>
+                                      <p:cBhvr>
+                                        <p:cTn id="36" dur="1" fill="hold">
+                                          <p:stCondLst>
+                                            <p:cond delay="0"/>
+                                          </p:stCondLst>
+                                        </p:cTn>
+                                        <p:tgtEl>
+                                          <p:spTgt spid="16"/>
+                                        </p:tgtEl>
+                                        <p:attrNameLst>
+                                          <p:attrName>style.visibility</p:attrName>
+                                        </p:attrNameLst>
+                                      </p:cBhvr>
+                                      <p:to>
+                                        <p:strVal val="visible"/>
+                                      </p:to>
+                                    </p:set>
+                                    <p:animEffect transition="in" filter="fade">
+                                      <p:cBhvr>
+                                        <p:cTn id="37" dur="500"/>
+                                        <p:tgtEl>
+                                          <p:spTgt spid="16"/>
+                                        </p:tgtEl>
+                                      </p:cBhvr>
+                                    </p:animEffect>
+                                  </p:childTnLst>
+                                </p:cTn>
+                              </p:par>
+                            </p:childTnLst>
+                          </p:cTn>
+                        </p:par>
+                      </p:childTnLst>
+                    </p:cTn>
+                  </p:par>
+                </p:childTnLst>
+              </p:cTn>
+              <p:prevCondLst>
+                <p:cond evt="onPrev" delay="0">
+                  <p:tgtEl>
+                    <p:sldTgt/>
+                  </p:tgtEl>
+                </p:cond>
+              </p:prevCondLst>
+              <p:nextCondLst>
+                <p:cond evt="onNext" delay="0">
+                  <p:tgtEl>
+                    <p:sldTgt/>
+                  </p:tgtEl>
+                </p:cond>
+              </p:nextCondLst>
+            </p:seq>
+          </p:childTnLst>
+        </p:cTn>
+      </p:par>
+    </p:tnLst>
+    <p:bldLst>
+      <p:bldP spid="11" grpId="0" animBg="1"/>
+      <p:bldP spid="10" grpId="0"/>
+      <p:bldP spid="12" grpId="0"/>
+      <p:bldP spid="5" grpId="0" animBg="1"/>
+      <p:bldP spid="15" grpId="0" animBg="1"/>
+      <p:bldP spid="16" grpId="0" animBg="1"/>
+    </p:bldLst>
+  </p:timing>
+</p:sld>
+</file>
+
+<file path=ppt/slides/slide8.xml><?xml version="1.0" encoding="utf-8"?>
+<p:sld xmlns:a="http://schemas.openxmlformats.org/drawingml/2006/main" xmlns:r="http://schemas.openxmlformats.org/officeDocument/2006/relationships" xmlns:p="http://schemas.openxmlformats.org/presentationml/2006/main">
+  <p:cSld>
+    <p:bg>
+      <p:bgPr>
+        <a:solidFill>
+          <a:schemeClr val="bg1"/>
+        </a:solidFill>
+        <a:effectLst/>
+      </p:bgPr>
+    </p:bg>
+    <p:spTree>
+      <p:nvGrpSpPr>
+        <p:cNvPr id="1" name=""/>
+        <p:cNvGrpSpPr/>
+        <p:nvPr/>
+      </p:nvGrpSpPr>
+      <p:grpSpPr>
+        <a:xfrm>
+          <a:off x="0" y="0"/>
+          <a:ext cx="0" cy="0"/>
+          <a:chOff x="0" y="0"/>
+          <a:chExt cx="0" cy="0"/>
+        </a:xfrm>
+      </p:grpSpPr>
+      <p:sp>
+        <p:nvSpPr>
+          <p:cNvPr id="14" name="Rectangle 13">
+            <a:extLst>
+              <a:ext uri="{FF2B5EF4-FFF2-40B4-BE49-F238E27FC236}">
+                <a16:creationId xmlns:a16="http://schemas.microsoft.com/office/drawing/2014/main" id="{9228552E-C8B1-4A80-8448-0787CE0FC704}"/>
+              </a:ext>
+              <a:ext uri="{C183D7F6-B498-43B3-948B-1728B52AA6E4}">
+                <adec:decorative xmlns:adec="http://schemas.microsoft.com/office/drawing/2017/decorative" val="1"/>
+              </a:ext>
+            </a:extLst>
+          </p:cNvPr>
+          <p:cNvSpPr>
+            <a:spLocks noGrp="1" noRot="1" noChangeAspect="1" noMove="1" noResize="1" noEditPoints="1" noAdjustHandles="1" noChangeArrowheads="1" noChangeShapeType="1" noTextEdit="1"/>
+          </p:cNvSpPr>
+          <p:nvPr>
+            <p:extLst>
+              <p:ext uri="{386F3935-93C4-4BCD-93E2-E3B085C9AB24}">
+                <p16:designElem xmlns:p16="http://schemas.microsoft.com/office/powerpoint/2015/main" val="1"/>
+              </p:ext>
+            </p:extLst>
+          </p:nvPr>
+        </p:nvSpPr>
+        <p:spPr>
+          <a:xfrm>
+            <a:off x="0" y="0"/>
+            <a:ext cx="12192000" cy="6858000"/>
+          </a:xfrm>
+          <a:prstGeom prst="rect">
+            <a:avLst/>
+          </a:prstGeom>
+          <a:solidFill>
+            <a:srgbClr val="000000"/>
+          </a:solidFill>
+          <a:ln>
+            <a:noFill/>
+          </a:ln>
+        </p:spPr>
+        <p:style>
+          <a:lnRef idx="2">
+            <a:schemeClr val="accent1">
+              <a:shade val="50000"/>
+            </a:schemeClr>
+          </a:lnRef>
+          <a:fillRef idx="1">
+            <a:schemeClr val="accent1"/>
+          </a:fillRef>
+          <a:effectRef idx="0">
+            <a:schemeClr val="accent1"/>
+          </a:effectRef>
+          <a:fontRef idx="minor">
+            <a:schemeClr val="lt1"/>
+          </a:fontRef>
+        </p:style>
+        <p:txBody>
+          <a:bodyPr rtlCol="0" anchor="ctr"/>
+          <a:lstStyle/>
+          <a:p>
+            <a:pPr algn="ctr"/>
+            <a:endParaRPr lang="en-US"/>
+          </a:p>
+        </p:txBody>
+      </p:sp>
+      <p:pic>
+        <p:nvPicPr>
+          <p:cNvPr id="9" name="Image 8" descr="Une image contenant table, paire&#10;&#10;Description générée automatiquement">
+            <a:extLst>
+              <a:ext uri="{FF2B5EF4-FFF2-40B4-BE49-F238E27FC236}">
+                <a16:creationId xmlns:a16="http://schemas.microsoft.com/office/drawing/2014/main" id="{E3697A3D-84DA-440D-85B9-5185F9EF2884}"/>
+              </a:ext>
+            </a:extLst>
+          </p:cNvPr>
+          <p:cNvPicPr>
+            <a:picLocks noChangeAspect="1"/>
+          </p:cNvPicPr>
+          <p:nvPr/>
+        </p:nvPicPr>
+        <p:blipFill rotWithShape="1">
+          <a:blip r:embed="rId2">
+            <a:alphaModFix amt="35000"/>
+            <a:extLst>
+              <a:ext uri="{28A0092B-C50C-407E-A947-70E740481C1C}">
+                <a14:useLocalDpi xmlns:a14="http://schemas.microsoft.com/office/drawing/2010/main" val="0"/>
+              </a:ext>
+            </a:extLst>
+          </a:blip>
+          <a:srcRect t="6250"/>
+          <a:stretch/>
+        </p:blipFill>
+        <p:spPr>
+          <a:xfrm>
+            <a:off x="-1" y="-30"/>
+            <a:ext cx="12192000" cy="6855958"/>
+          </a:xfrm>
+          <a:prstGeom prst="rect">
+            <a:avLst/>
+          </a:prstGeom>
+        </p:spPr>
+      </p:pic>
+      <p:sp>
+        <p:nvSpPr>
+          <p:cNvPr id="13" name="ZoneTexte 12">
+            <a:extLst>
+              <a:ext uri="{FF2B5EF4-FFF2-40B4-BE49-F238E27FC236}">
+                <a16:creationId xmlns:a16="http://schemas.microsoft.com/office/drawing/2014/main" id="{BF459B64-D182-492C-A5B7-74BFC55788E5}"/>
+              </a:ext>
+            </a:extLst>
+          </p:cNvPr>
+          <p:cNvSpPr txBox="1"/>
+          <p:nvPr/>
+        </p:nvSpPr>
+        <p:spPr>
+          <a:xfrm>
+            <a:off x="29673" y="100652"/>
+            <a:ext cx="6066327" cy="461665"/>
+          </a:xfrm>
+          <a:prstGeom prst="rect">
+            <a:avLst/>
+          </a:prstGeom>
+          <a:noFill/>
+        </p:spPr>
+        <p:txBody>
+          <a:bodyPr wrap="square" rtlCol="0">
+            <a:spAutoFit/>
+          </a:bodyPr>
+          <a:lstStyle/>
+          <a:p>
+            <a:r>
+              <a:rPr lang="fr-FR" sz="2400" b="1" dirty="0"/>
+              <a:t>Développement de l’application sur Raspberry</a:t>
+            </a:r>
+          </a:p>
+        </p:txBody>
+      </p:sp>
+      <p:pic>
+        <p:nvPicPr>
+          <p:cNvPr id="3" name="Image 2" descr="Une image contenant équipement électronique, moniteur, intérieur, assis&#10;&#10;Description générée automatiquement">
+            <a:extLst>
+              <a:ext uri="{FF2B5EF4-FFF2-40B4-BE49-F238E27FC236}">
+                <a16:creationId xmlns:a16="http://schemas.microsoft.com/office/drawing/2014/main" id="{571E4291-6815-426F-BD4C-C9E77C4E2A06}"/>
+              </a:ext>
+            </a:extLst>
+          </p:cNvPr>
+          <p:cNvPicPr>
+            <a:picLocks noChangeAspect="1"/>
+          </p:cNvPicPr>
+          <p:nvPr/>
+        </p:nvPicPr>
+        <p:blipFill>
+          <a:blip r:embed="rId3">
+            <a:extLst>
+              <a:ext uri="{28A0092B-C50C-407E-A947-70E740481C1C}">
+                <a14:useLocalDpi xmlns:a14="http://schemas.microsoft.com/office/drawing/2010/main" val="0"/>
+              </a:ext>
+            </a:extLst>
+          </a:blip>
+          <a:stretch>
+            <a:fillRect/>
+          </a:stretch>
+        </p:blipFill>
+        <p:spPr>
+          <a:xfrm>
+            <a:off x="382438" y="2985433"/>
+            <a:ext cx="4514850" cy="3390900"/>
+          </a:xfrm>
+          <a:prstGeom prst="rect">
+            <a:avLst/>
+          </a:prstGeom>
+        </p:spPr>
+      </p:pic>
+      <p:sp>
+        <p:nvSpPr>
+          <p:cNvPr id="4" name="Flèche : droite 3">
+            <a:extLst>
+              <a:ext uri="{FF2B5EF4-FFF2-40B4-BE49-F238E27FC236}">
+                <a16:creationId xmlns:a16="http://schemas.microsoft.com/office/drawing/2014/main" id="{662946BA-5055-49C0-A8CE-EA41E300ECC0}"/>
+              </a:ext>
+            </a:extLst>
+          </p:cNvPr>
+          <p:cNvSpPr/>
+          <p:nvPr/>
+        </p:nvSpPr>
+        <p:spPr>
+          <a:xfrm>
+            <a:off x="5075486" y="4395267"/>
+            <a:ext cx="2889197" cy="653143"/>
+          </a:xfrm>
+          <a:prstGeom prst="rightArrow">
+            <a:avLst/>
+          </a:prstGeom>
+          <a:solidFill>
+            <a:schemeClr val="tx1"/>
+          </a:solidFill>
+          <a:ln>
+            <a:solidFill>
+              <a:schemeClr val="tx1"/>
+            </a:solidFill>
+          </a:ln>
+        </p:spPr>
+        <p:style>
+          <a:lnRef idx="2">
+            <a:schemeClr val="accent1">
+              <a:shade val="50000"/>
+            </a:schemeClr>
+          </a:lnRef>
+          <a:fillRef idx="1">
+            <a:schemeClr val="accent1"/>
+          </a:fillRef>
+          <a:effectRef idx="0">
+            <a:schemeClr val="accent1"/>
+          </a:effectRef>
+          <a:fontRef idx="minor">
+            <a:schemeClr val="lt1"/>
+          </a:fontRef>
+        </p:style>
+        <p:txBody>
+          <a:bodyPr rtlCol="0" anchor="ctr"/>
+          <a:lstStyle/>
+          <a:p>
+            <a:pPr algn="ctr"/>
+            <a:endParaRPr lang="fr-FR"/>
+          </a:p>
+        </p:txBody>
+      </p:sp>
+      <p:sp>
+        <p:nvSpPr>
+          <p:cNvPr id="20" name="Flèche : droite 19">
+            <a:extLst>
+              <a:ext uri="{FF2B5EF4-FFF2-40B4-BE49-F238E27FC236}">
+                <a16:creationId xmlns:a16="http://schemas.microsoft.com/office/drawing/2014/main" id="{F65CFEBE-578A-4AC1-9BEA-843D26CCC564}"/>
+              </a:ext>
+            </a:extLst>
+          </p:cNvPr>
+          <p:cNvSpPr/>
+          <p:nvPr/>
+        </p:nvSpPr>
+        <p:spPr>
+          <a:xfrm rot="16200000">
+            <a:off x="8803856" y="2159395"/>
+            <a:ext cx="2359363" cy="653143"/>
+          </a:xfrm>
+          <a:prstGeom prst="rightArrow">
+            <a:avLst/>
+          </a:prstGeom>
+          <a:solidFill>
+            <a:schemeClr val="tx1"/>
+          </a:solidFill>
+          <a:ln>
+            <a:solidFill>
+              <a:schemeClr val="tx1"/>
+            </a:solidFill>
+          </a:ln>
+        </p:spPr>
+        <p:style>
+          <a:lnRef idx="2">
+            <a:schemeClr val="accent1">
+              <a:shade val="50000"/>
+            </a:schemeClr>
+          </a:lnRef>
+          <a:fillRef idx="1">
+            <a:schemeClr val="accent1"/>
+          </a:fillRef>
+          <a:effectRef idx="0">
+            <a:schemeClr val="accent1"/>
+          </a:effectRef>
+          <a:fontRef idx="minor">
+            <a:schemeClr val="lt1"/>
+          </a:fontRef>
+        </p:style>
+        <p:txBody>
+          <a:bodyPr rtlCol="0" anchor="ctr"/>
+          <a:lstStyle/>
+          <a:p>
+            <a:pPr algn="ctr"/>
+            <a:endParaRPr lang="fr-FR"/>
+          </a:p>
+        </p:txBody>
+      </p:sp>
+      <p:sp>
+        <p:nvSpPr>
+          <p:cNvPr id="21" name="ZoneTexte 20">
+            <a:extLst>
+              <a:ext uri="{FF2B5EF4-FFF2-40B4-BE49-F238E27FC236}">
+                <a16:creationId xmlns:a16="http://schemas.microsoft.com/office/drawing/2014/main" id="{884F6D17-E041-499D-BEDF-B14888F6D492}"/>
+              </a:ext>
+            </a:extLst>
+          </p:cNvPr>
+          <p:cNvSpPr txBox="1"/>
+          <p:nvPr/>
+        </p:nvSpPr>
+        <p:spPr>
+          <a:xfrm>
+            <a:off x="672668" y="5923633"/>
+            <a:ext cx="4514850" cy="461665"/>
+          </a:xfrm>
+          <a:prstGeom prst="rect">
+            <a:avLst/>
+          </a:prstGeom>
+          <a:noFill/>
+        </p:spPr>
+        <p:txBody>
+          <a:bodyPr wrap="square" rtlCol="0">
+            <a:spAutoFit/>
+          </a:bodyPr>
+          <a:lstStyle/>
+          <a:p>
+            <a:r>
+              <a:rPr lang="fr-FR" sz="2400" b="1" dirty="0"/>
+              <a:t>PC de Supervision (Serveur WEB)</a:t>
+            </a:r>
+          </a:p>
+        </p:txBody>
+      </p:sp>
+      <p:sp>
+        <p:nvSpPr>
+          <p:cNvPr id="22" name="ZoneTexte 21">
+            <a:extLst>
+              <a:ext uri="{FF2B5EF4-FFF2-40B4-BE49-F238E27FC236}">
+                <a16:creationId xmlns:a16="http://schemas.microsoft.com/office/drawing/2014/main" id="{B5DDBA76-DDB0-41A6-8446-94BFF0BC33D3}"/>
+              </a:ext>
+            </a:extLst>
+          </p:cNvPr>
+          <p:cNvSpPr txBox="1"/>
+          <p:nvPr/>
+        </p:nvSpPr>
+        <p:spPr>
+          <a:xfrm>
+            <a:off x="5807038" y="4065218"/>
+            <a:ext cx="1593161" cy="461665"/>
+          </a:xfrm>
+          <a:prstGeom prst="rect">
+            <a:avLst/>
+          </a:prstGeom>
+          <a:noFill/>
+        </p:spPr>
+        <p:txBody>
+          <a:bodyPr wrap="square" rtlCol="0">
+            <a:spAutoFit/>
+          </a:bodyPr>
+          <a:lstStyle/>
+          <a:p>
+            <a:r>
+              <a:rPr lang="fr-FR" sz="2400" b="1" dirty="0"/>
+              <a:t>SOCKET</a:t>
+            </a:r>
+          </a:p>
+        </p:txBody>
+      </p:sp>
+      <p:sp>
+        <p:nvSpPr>
+          <p:cNvPr id="23" name="ZoneTexte 22">
+            <a:extLst>
+              <a:ext uri="{FF2B5EF4-FFF2-40B4-BE49-F238E27FC236}">
+                <a16:creationId xmlns:a16="http://schemas.microsoft.com/office/drawing/2014/main" id="{AD27EA57-0E83-4A34-848D-0E4D3ED1481C}"/>
+              </a:ext>
+            </a:extLst>
+          </p:cNvPr>
+          <p:cNvSpPr txBox="1"/>
+          <p:nvPr/>
+        </p:nvSpPr>
+        <p:spPr>
+          <a:xfrm rot="5400000">
+            <a:off x="9583983" y="2530658"/>
+            <a:ext cx="1593161" cy="461665"/>
+          </a:xfrm>
+          <a:prstGeom prst="rect">
+            <a:avLst/>
+          </a:prstGeom>
+          <a:noFill/>
+        </p:spPr>
+        <p:txBody>
+          <a:bodyPr wrap="square" rtlCol="0">
+            <a:spAutoFit/>
+          </a:bodyPr>
+          <a:lstStyle/>
+          <a:p>
+            <a:r>
+              <a:rPr lang="fr-FR" sz="2400" b="1" dirty="0"/>
+              <a:t>BUS I2C</a:t>
+            </a:r>
+          </a:p>
+        </p:txBody>
+      </p:sp>
+      <p:pic>
+        <p:nvPicPr>
+          <p:cNvPr id="24" name="Image 23">
+            <a:extLst>
+              <a:ext uri="{FF2B5EF4-FFF2-40B4-BE49-F238E27FC236}">
+                <a16:creationId xmlns:a16="http://schemas.microsoft.com/office/drawing/2014/main" id="{1E5AAA2E-C6DC-4187-9541-84A1E2155660}"/>
+              </a:ext>
+            </a:extLst>
+          </p:cNvPr>
+          <p:cNvPicPr>
+            <a:picLocks noChangeAspect="1"/>
+          </p:cNvPicPr>
+          <p:nvPr/>
+        </p:nvPicPr>
+        <p:blipFill>
+          <a:blip r:embed="rId4"/>
+          <a:stretch>
+            <a:fillRect/>
+          </a:stretch>
+        </p:blipFill>
+        <p:spPr>
+          <a:xfrm>
+            <a:off x="7887843" y="3823411"/>
+            <a:ext cx="3674173" cy="2057537"/>
+          </a:xfrm>
+          <a:prstGeom prst="rect">
+            <a:avLst/>
+          </a:prstGeom>
+        </p:spPr>
+      </p:pic>
+      <p:sp>
+        <p:nvSpPr>
+          <p:cNvPr id="25" name="ZoneTexte 24">
+            <a:extLst>
+              <a:ext uri="{FF2B5EF4-FFF2-40B4-BE49-F238E27FC236}">
+                <a16:creationId xmlns:a16="http://schemas.microsoft.com/office/drawing/2014/main" id="{BBAFCFAC-9DC6-41DE-8390-11C270AD5764}"/>
+              </a:ext>
+            </a:extLst>
+          </p:cNvPr>
+          <p:cNvSpPr txBox="1"/>
+          <p:nvPr/>
+        </p:nvSpPr>
+        <p:spPr>
+          <a:xfrm>
+            <a:off x="8235419" y="5915455"/>
+            <a:ext cx="2843093" cy="461665"/>
+          </a:xfrm>
+          <a:prstGeom prst="rect">
+            <a:avLst/>
+          </a:prstGeom>
+          <a:noFill/>
+        </p:spPr>
+        <p:txBody>
+          <a:bodyPr wrap="square" rtlCol="0">
+            <a:spAutoFit/>
+          </a:bodyPr>
+          <a:lstStyle/>
+          <a:p>
+            <a:pPr algn="ctr"/>
+            <a:r>
+              <a:rPr lang="fr-FR" sz="2400" b="1" dirty="0"/>
+              <a:t>Raspberry</a:t>
+            </a:r>
+          </a:p>
+        </p:txBody>
+      </p:sp>
+      <p:sp>
+        <p:nvSpPr>
+          <p:cNvPr id="26" name="ZoneTexte 25">
+            <a:extLst>
+              <a:ext uri="{FF2B5EF4-FFF2-40B4-BE49-F238E27FC236}">
+                <a16:creationId xmlns:a16="http://schemas.microsoft.com/office/drawing/2014/main" id="{C7DEE3AC-7C2D-4969-9E36-519A5584C54C}"/>
+              </a:ext>
+            </a:extLst>
+          </p:cNvPr>
+          <p:cNvSpPr txBox="1"/>
+          <p:nvPr/>
+        </p:nvSpPr>
+        <p:spPr>
+          <a:xfrm>
+            <a:off x="8769790" y="686857"/>
+            <a:ext cx="2427494" cy="461665"/>
+          </a:xfrm>
+          <a:prstGeom prst="rect">
+            <a:avLst/>
+          </a:prstGeom>
+        </p:spPr>
+        <p:style>
+          <a:lnRef idx="3">
+            <a:schemeClr val="lt1"/>
+          </a:lnRef>
+          <a:fillRef idx="1">
+            <a:schemeClr val="accent1"/>
+          </a:fillRef>
+          <a:effectRef idx="1">
+            <a:schemeClr val="accent1"/>
+          </a:effectRef>
+          <a:fontRef idx="minor">
+            <a:schemeClr val="lt1"/>
+          </a:fontRef>
+        </p:style>
+        <p:txBody>
+          <a:bodyPr wrap="square" rtlCol="0">
+            <a:spAutoFit/>
+          </a:bodyPr>
+          <a:lstStyle/>
+          <a:p>
+            <a:r>
+              <a:rPr lang="fr-FR" sz="2400" b="1" dirty="0"/>
+              <a:t>GESTION DU JEU</a:t>
+            </a:r>
+          </a:p>
+        </p:txBody>
+      </p:sp>
+    </p:spTree>
+    <p:extLst>
+      <p:ext uri="{BB962C8B-B14F-4D97-AF65-F5344CB8AC3E}">
+        <p14:creationId xmlns:p14="http://schemas.microsoft.com/office/powerpoint/2010/main" val="2139083632"/>
+      </p:ext>
+    </p:extLst>
+  </p:cSld>
+  <p:clrMapOvr>
+    <a:overrideClrMapping bg1="dk1" tx1="lt1" bg2="dk2" tx2="lt2" accent1="accent1" accent2="accent2" accent3="accent3" accent4="accent4" accent5="accent5" accent6="accent6" hlink="hlink" folHlink="folHlink"/>
+  </p:clrMapOvr>
+  <p:timing>
+    <p:tnLst>
+      <p:par>
+        <p:cTn id="1" dur="indefinite" restart="never" nodeType="tmRoot">
+          <p:childTnLst>
+            <p:seq concurrent="1" nextAc="seek">
+              <p:cTn id="2" dur="indefinite" nodeType="mainSeq">
+                <p:childTnLst>
+                  <p:par>
+                    <p:cTn id="3" fill="hold">
+                      <p:stCondLst>
+                        <p:cond delay="indefinite"/>
+                      </p:stCondLst>
+                      <p:childTnLst>
+                        <p:par>
+                          <p:cTn id="4" fill="hold">
+                            <p:stCondLst>
+                              <p:cond delay="0"/>
+                            </p:stCondLst>
+                            <p:childTnLst>
+                              <p:par>
+                                <p:cTn id="5" presetID="1" presetClass="entr" presetSubtype="0" fill="hold" nodeType="clickEffect">
+                                  <p:stCondLst>
+                                    <p:cond delay="0"/>
+                                  </p:stCondLst>
+                                  <p:childTnLst>
+                                    <p:set>
+                                      <p:cBhvr>
+                                        <p:cTn id="6" dur="1" fill="hold">
+                                          <p:stCondLst>
+                                            <p:cond delay="0"/>
+                                          </p:stCondLst>
+                                        </p:cTn>
+                                        <p:tgtEl>
+                                          <p:spTgt spid="3"/>
+                                        </p:tgtEl>
+                                        <p:attrNameLst>
+                                          <p:attrName>style.visibility</p:attrName>
+                                        </p:attrNameLst>
+                                      </p:cBhvr>
+                                      <p:to>
+                                        <p:strVal val="visible"/>
+                                      </p:to>
+                                    </p:set>
+                                  </p:childTnLst>
+                                </p:cTn>
+                              </p:par>
+                              <p:par>
+                                <p:cTn id="7" presetID="1" presetClass="entr" presetSubtype="0" fill="hold" grpId="0" nodeType="withEffect">
+                                  <p:stCondLst>
+                                    <p:cond delay="0"/>
+                                  </p:stCondLst>
+                                  <p:childTnLst>
+                                    <p:set>
+                                      <p:cBhvr>
+                                        <p:cTn id="8" dur="1" fill="hold">
+                                          <p:stCondLst>
+                                            <p:cond delay="0"/>
+                                          </p:stCondLst>
+                                        </p:cTn>
+                                        <p:tgtEl>
+                                          <p:spTgt spid="21"/>
+                                        </p:tgtEl>
+                                        <p:attrNameLst>
+                                          <p:attrName>style.visibility</p:attrName>
+                                        </p:attrNameLst>
+                                      </p:cBhvr>
+                                      <p:to>
+                                        <p:strVal val="visible"/>
+                                      </p:to>
+                                    </p:set>
+                                  </p:childTnLst>
+                                </p:cTn>
+                              </p:par>
+                            </p:childTnLst>
+                          </p:cTn>
+                        </p:par>
+                      </p:childTnLst>
+                    </p:cTn>
+                  </p:par>
+                  <p:par>
+                    <p:cTn id="9" fill="hold">
+                      <p:stCondLst>
+                        <p:cond delay="indefinite"/>
+                      </p:stCondLst>
+                      <p:childTnLst>
+                        <p:par>
+                          <p:cTn id="10" fill="hold">
+                            <p:stCondLst>
+                              <p:cond delay="0"/>
+                            </p:stCondLst>
+                            <p:childTnLst>
+                              <p:par>
+                                <p:cTn id="11" presetID="10" presetClass="entr" presetSubtype="0" fill="hold" grpId="0" nodeType="clickEffect">
+                                  <p:stCondLst>
+                                    <p:cond delay="0"/>
+                                  </p:stCondLst>
+                                  <p:childTnLst>
+                                    <p:set>
+                                      <p:cBhvr>
+                                        <p:cTn id="12" dur="1" fill="hold">
+                                          <p:stCondLst>
+                                            <p:cond delay="0"/>
+                                          </p:stCondLst>
+                                        </p:cTn>
+                                        <p:tgtEl>
+                                          <p:spTgt spid="4"/>
+                                        </p:tgtEl>
+                                        <p:attrNameLst>
+                                          <p:attrName>style.visibility</p:attrName>
+                                        </p:attrNameLst>
+                                      </p:cBhvr>
+                                      <p:to>
+                                        <p:strVal val="visible"/>
+                                      </p:to>
+                                    </p:set>
+                                    <p:animEffect transition="in" filter="fade">
+                                      <p:cBhvr>
+                                        <p:cTn id="13" dur="500"/>
+                                        <p:tgtEl>
+                                          <p:spTgt spid="4"/>
+                                        </p:tgtEl>
+                                      </p:cBhvr>
+                                    </p:animEffect>
+                                  </p:childTnLst>
+                                </p:cTn>
+                              </p:par>
+                              <p:par>
+                                <p:cTn id="14" presetID="10" presetClass="entr" presetSubtype="0" fill="hold" grpId="0" nodeType="withEffect">
+                                  <p:stCondLst>
+                                    <p:cond delay="0"/>
+                                  </p:stCondLst>
+                                  <p:childTnLst>
+                                    <p:set>
+                                      <p:cBhvr>
+                                        <p:cTn id="15" dur="1" fill="hold">
+                                          <p:stCondLst>
+                                            <p:cond delay="0"/>
+                                          </p:stCondLst>
+                                        </p:cTn>
+                                        <p:tgtEl>
+                                          <p:spTgt spid="22"/>
+                                        </p:tgtEl>
+                                        <p:attrNameLst>
+                                          <p:attrName>style.visibility</p:attrName>
+                                        </p:attrNameLst>
+                                      </p:cBhvr>
+                                      <p:to>
+                                        <p:strVal val="visible"/>
+                                      </p:to>
+                                    </p:set>
+                                    <p:animEffect transition="in" filter="fade">
+                                      <p:cBhvr>
+                                        <p:cTn id="16" dur="500"/>
+                                        <p:tgtEl>
+                                          <p:spTgt spid="22"/>
+                                        </p:tgtEl>
+                                      </p:cBhvr>
+                                    </p:animEffect>
+                                  </p:childTnLst>
+                                </p:cTn>
+                              </p:par>
+                            </p:childTnLst>
+                          </p:cTn>
+                        </p:par>
+                      </p:childTnLst>
+                    </p:cTn>
+                  </p:par>
+                  <p:par>
+                    <p:cTn id="17" fill="hold">
+                      <p:stCondLst>
+                        <p:cond delay="indefinite"/>
+                      </p:stCondLst>
+                      <p:childTnLst>
+                        <p:par>
+                          <p:cTn id="18" fill="hold">
+                            <p:stCondLst>
+                              <p:cond delay="0"/>
+                            </p:stCondLst>
+                            <p:childTnLst>
+                              <p:par>
+                                <p:cTn id="19" presetID="1" presetClass="entr" presetSubtype="0" fill="hold" nodeType="clickEffect">
+                                  <p:stCondLst>
+                                    <p:cond delay="0"/>
+                                  </p:stCondLst>
+                                  <p:childTnLst>
+                                    <p:set>
+                                      <p:cBhvr>
+                                        <p:cTn id="20" dur="1" fill="hold">
+                                          <p:stCondLst>
+                                            <p:cond delay="0"/>
+                                          </p:stCondLst>
+                                        </p:cTn>
+                                        <p:tgtEl>
+                                          <p:spTgt spid="24"/>
+                                        </p:tgtEl>
+                                        <p:attrNameLst>
+                                          <p:attrName>style.visibility</p:attrName>
+                                        </p:attrNameLst>
+                                      </p:cBhvr>
+                                      <p:to>
+                                        <p:strVal val="visible"/>
+                                      </p:to>
+                                    </p:set>
+                                  </p:childTnLst>
+                                </p:cTn>
+                              </p:par>
+                              <p:par>
+                                <p:cTn id="21" presetID="1" presetClass="entr" presetSubtype="0" fill="hold" grpId="0" nodeType="withEffect">
+                                  <p:stCondLst>
+                                    <p:cond delay="0"/>
+                                  </p:stCondLst>
+                                  <p:childTnLst>
+                                    <p:set>
+                                      <p:cBhvr>
+                                        <p:cTn id="22" dur="1" fill="hold">
+                                          <p:stCondLst>
+                                            <p:cond delay="0"/>
+                                          </p:stCondLst>
+                                        </p:cTn>
+                                        <p:tgtEl>
+                                          <p:spTgt spid="25"/>
+                                        </p:tgtEl>
+                                        <p:attrNameLst>
+                                          <p:attrName>style.visibility</p:attrName>
+                                        </p:attrNameLst>
+                                      </p:cBhvr>
+                                      <p:to>
+                                        <p:strVal val="visible"/>
+                                      </p:to>
+                                    </p:set>
+                                  </p:childTnLst>
+                                </p:cTn>
+                              </p:par>
+                            </p:childTnLst>
+                          </p:cTn>
+                        </p:par>
+                      </p:childTnLst>
+                    </p:cTn>
+                  </p:par>
+                  <p:par>
+                    <p:cTn id="23" fill="hold">
+                      <p:stCondLst>
+                        <p:cond delay="indefinite"/>
+                      </p:stCondLst>
+                      <p:childTnLst>
+                        <p:par>
+                          <p:cTn id="24" fill="hold">
+                            <p:stCondLst>
+                              <p:cond delay="0"/>
+                            </p:stCondLst>
+                            <p:childTnLst>
+                              <p:par>
+                                <p:cTn id="25" presetID="10" presetClass="entr" presetSubtype="0" fill="hold" grpId="0" nodeType="clickEffect">
+                                  <p:stCondLst>
+                                    <p:cond delay="0"/>
+                                  </p:stCondLst>
+                                  <p:childTnLst>
+                                    <p:set>
+                                      <p:cBhvr>
+                                        <p:cTn id="26" dur="1" fill="hold">
+                                          <p:stCondLst>
+                                            <p:cond delay="0"/>
+                                          </p:stCondLst>
+                                        </p:cTn>
+                                        <p:tgtEl>
+                                          <p:spTgt spid="20"/>
+                                        </p:tgtEl>
+                                        <p:attrNameLst>
+                                          <p:attrName>style.visibility</p:attrName>
+                                        </p:attrNameLst>
+                                      </p:cBhvr>
+                                      <p:to>
+                                        <p:strVal val="visible"/>
+                                      </p:to>
+                                    </p:set>
+                                    <p:animEffect transition="in" filter="fade">
+                                      <p:cBhvr>
+                                        <p:cTn id="27" dur="500"/>
+                                        <p:tgtEl>
+                                          <p:spTgt spid="20"/>
+                                        </p:tgtEl>
+                                      </p:cBhvr>
+                                    </p:animEffect>
+                                  </p:childTnLst>
+                                </p:cTn>
+                              </p:par>
+                              <p:par>
+                                <p:cTn id="28" presetID="10" presetClass="entr" presetSubtype="0" fill="hold" grpId="0" nodeType="withEffect">
+                                  <p:stCondLst>
+                                    <p:cond delay="0"/>
+                                  </p:stCondLst>
+                                  <p:childTnLst>
+                                    <p:set>
+                                      <p:cBhvr>
+                                        <p:cTn id="29" dur="1" fill="hold">
+                                          <p:stCondLst>
+                                            <p:cond delay="0"/>
+                                          </p:stCondLst>
+                                        </p:cTn>
+                                        <p:tgtEl>
+                                          <p:spTgt spid="23"/>
+                                        </p:tgtEl>
+                                        <p:attrNameLst>
+                                          <p:attrName>style.visibility</p:attrName>
+                                        </p:attrNameLst>
+                                      </p:cBhvr>
+                                      <p:to>
+                                        <p:strVal val="visible"/>
+                                      </p:to>
+                                    </p:set>
+                                    <p:animEffect transition="in" filter="fade">
+                                      <p:cBhvr>
+                                        <p:cTn id="30" dur="500"/>
+                                        <p:tgtEl>
+                                          <p:spTgt spid="23"/>
+                                        </p:tgtEl>
+                                      </p:cBhvr>
+                                    </p:animEffect>
+                                  </p:childTnLst>
+                                </p:cTn>
+                              </p:par>
+                            </p:childTnLst>
+                          </p:cTn>
+                        </p:par>
+                      </p:childTnLst>
+                    </p:cTn>
+                  </p:par>
+                  <p:par>
+                    <p:cTn id="31" fill="hold">
+                      <p:stCondLst>
+                        <p:cond delay="indefinite"/>
+                      </p:stCondLst>
+                      <p:childTnLst>
+                        <p:par>
+                          <p:cTn id="32" fill="hold">
+                            <p:stCondLst>
+                              <p:cond delay="0"/>
+                            </p:stCondLst>
+                            <p:childTnLst>
+                              <p:par>
+                                <p:cTn id="33" presetID="1" presetClass="entr" presetSubtype="0" fill="hold" grpId="0" nodeType="clickEffect">
+                                  <p:stCondLst>
+                                    <p:cond delay="0"/>
+                                  </p:stCondLst>
+                                  <p:childTnLst>
+                                    <p:set>
+                                      <p:cBhvr>
+                                        <p:cTn id="34" dur="1" fill="hold">
+                                          <p:stCondLst>
+                                            <p:cond delay="0"/>
+                                          </p:stCondLst>
+                                        </p:cTn>
+                                        <p:tgtEl>
+                                          <p:spTgt spid="26"/>
+                                        </p:tgtEl>
+                                        <p:attrNameLst>
+                                          <p:attrName>style.visibility</p:attrName>
+                                        </p:attrNameLst>
+                                      </p:cBhvr>
+                                      <p:to>
+                                        <p:strVal val="visible"/>
+                                      </p:to>
+                                    </p:set>
+                                  </p:childTnLst>
+                                </p:cTn>
+                              </p:par>
+                            </p:childTnLst>
+                          </p:cTn>
+                        </p:par>
+                      </p:childTnLst>
+                    </p:cTn>
+                  </p:par>
+                </p:childTnLst>
+              </p:cTn>
+              <p:prevCondLst>
+                <p:cond evt="onPrev" delay="0">
+                  <p:tgtEl>
+                    <p:sldTgt/>
+                  </p:tgtEl>
+                </p:cond>
+              </p:prevCondLst>
+              <p:nextCondLst>
+                <p:cond evt="onNext" delay="0">
+                  <p:tgtEl>
+                    <p:sldTgt/>
+                  </p:tgtEl>
+                </p:cond>
+              </p:nextCondLst>
+            </p:seq>
+          </p:childTnLst>
+        </p:cTn>
+      </p:par>
+    </p:tnLst>
+    <p:bldLst>
+      <p:bldP spid="4" grpId="0" animBg="1"/>
+      <p:bldP spid="20" grpId="0" animBg="1"/>
+      <p:bldP spid="21" grpId="0"/>
+      <p:bldP spid="22" grpId="0"/>
+      <p:bldP spid="23" grpId="0"/>
+      <p:bldP spid="25" grpId="0"/>
+      <p:bldP spid="26" grpId="0" animBg="1"/>
+    </p:bldLst>
+  </p:timing>
+</p:sld>
+</file>
+
+<file path=ppt/slides/slide9.xml><?xml version="1.0" encoding="utf-8"?>
+<p:sld xmlns:a="http://schemas.openxmlformats.org/drawingml/2006/main" xmlns:r="http://schemas.openxmlformats.org/officeDocument/2006/relationships" xmlns:p="http://schemas.openxmlformats.org/presentationml/2006/main">
+  <p:cSld>
+    <p:bg>
+      <p:bgPr>
+        <a:solidFill>
+          <a:schemeClr val="bg1"/>
+        </a:solidFill>
+        <a:effectLst/>
+      </p:bgPr>
+    </p:bg>
+    <p:spTree>
+      <p:nvGrpSpPr>
+        <p:cNvPr id="1" name=""/>
+        <p:cNvGrpSpPr/>
+        <p:nvPr/>
+      </p:nvGrpSpPr>
+      <p:grpSpPr>
+        <a:xfrm>
+          <a:off x="0" y="0"/>
+          <a:ext cx="0" cy="0"/>
+          <a:chOff x="0" y="0"/>
+          <a:chExt cx="0" cy="0"/>
+        </a:xfrm>
+      </p:grpSpPr>
+      <p:sp>
+        <p:nvSpPr>
+          <p:cNvPr id="14" name="Rectangle 13">
+            <a:extLst>
+              <a:ext uri="{FF2B5EF4-FFF2-40B4-BE49-F238E27FC236}">
+                <a16:creationId xmlns:a16="http://schemas.microsoft.com/office/drawing/2014/main" id="{9228552E-C8B1-4A80-8448-0787CE0FC704}"/>
+              </a:ext>
+              <a:ext uri="{C183D7F6-B498-43B3-948B-1728B52AA6E4}">
+                <adec:decorative xmlns:adec="http://schemas.microsoft.com/office/drawing/2017/decorative" val="1"/>
+              </a:ext>
+            </a:extLst>
+          </p:cNvPr>
+          <p:cNvSpPr>
+            <a:spLocks noGrp="1" noRot="1" noChangeAspect="1" noMove="1" noResize="1" noEditPoints="1" noAdjustHandles="1" noChangeArrowheads="1" noChangeShapeType="1" noTextEdit="1"/>
+          </p:cNvSpPr>
+          <p:nvPr>
+            <p:extLst>
+              <p:ext uri="{386F3935-93C4-4BCD-93E2-E3B085C9AB24}">
+                <p16:designElem xmlns:p16="http://schemas.microsoft.com/office/powerpoint/2015/main" val="1"/>
+              </p:ext>
+            </p:extLst>
+          </p:nvPr>
+        </p:nvSpPr>
+        <p:spPr>
+          <a:xfrm>
+            <a:off x="0" y="0"/>
+            <a:ext cx="12192000" cy="6858000"/>
+          </a:xfrm>
+          <a:prstGeom prst="rect">
+            <a:avLst/>
+          </a:prstGeom>
+          <a:solidFill>
+            <a:srgbClr val="000000"/>
+          </a:solidFill>
+          <a:ln>
+            <a:noFill/>
+          </a:ln>
+        </p:spPr>
+        <p:style>
+          <a:lnRef idx="2">
+            <a:schemeClr val="accent1">
+              <a:shade val="50000"/>
+            </a:schemeClr>
+          </a:lnRef>
+          <a:fillRef idx="1">
+            <a:schemeClr val="accent1"/>
+          </a:fillRef>
+          <a:effectRef idx="0">
+            <a:schemeClr val="accent1"/>
+          </a:effectRef>
+          <a:fontRef idx="minor">
+            <a:schemeClr val="lt1"/>
+          </a:fontRef>
+        </p:style>
+        <p:txBody>
+          <a:bodyPr rtlCol="0" anchor="ctr"/>
+          <a:lstStyle/>
+          <a:p>
+            <a:pPr algn="ctr"/>
+            <a:endParaRPr lang="en-US"/>
+          </a:p>
+        </p:txBody>
+      </p:sp>
+      <p:pic>
+        <p:nvPicPr>
+          <p:cNvPr id="9" name="Image 8" descr="Une image contenant table, paire&#10;&#10;Description générée automatiquement">
+            <a:extLst>
+              <a:ext uri="{FF2B5EF4-FFF2-40B4-BE49-F238E27FC236}">
+                <a16:creationId xmlns:a16="http://schemas.microsoft.com/office/drawing/2014/main" id="{E3697A3D-84DA-440D-85B9-5185F9EF2884}"/>
+              </a:ext>
+            </a:extLst>
+          </p:cNvPr>
+          <p:cNvPicPr>
+            <a:picLocks noChangeAspect="1"/>
+          </p:cNvPicPr>
+          <p:nvPr/>
+        </p:nvPicPr>
+        <p:blipFill rotWithShape="1">
+          <a:blip r:embed="rId2">
+            <a:alphaModFix amt="35000"/>
+            <a:extLst>
+              <a:ext uri="{28A0092B-C50C-407E-A947-70E740481C1C}">
+                <a14:useLocalDpi xmlns:a14="http://schemas.microsoft.com/office/drawing/2010/main" val="0"/>
+              </a:ext>
+            </a:extLst>
+          </a:blip>
+          <a:srcRect t="6250"/>
+          <a:stretch/>
+        </p:blipFill>
+        <p:spPr>
+          <a:xfrm>
+            <a:off x="-1" y="-30"/>
+            <a:ext cx="12192000" cy="6855958"/>
+          </a:xfrm>
+          <a:prstGeom prst="rect">
+            <a:avLst/>
+          </a:prstGeom>
+        </p:spPr>
+      </p:pic>
+      <p:sp>
+        <p:nvSpPr>
+          <p:cNvPr id="13" name="ZoneTexte 12">
+            <a:extLst>
+              <a:ext uri="{FF2B5EF4-FFF2-40B4-BE49-F238E27FC236}">
+                <a16:creationId xmlns:a16="http://schemas.microsoft.com/office/drawing/2014/main" id="{BF459B64-D182-492C-A5B7-74BFC55788E5}"/>
+              </a:ext>
+            </a:extLst>
+          </p:cNvPr>
+          <p:cNvSpPr txBox="1"/>
+          <p:nvPr/>
+        </p:nvSpPr>
+        <p:spPr>
+          <a:xfrm>
+            <a:off x="29673" y="100652"/>
+            <a:ext cx="6847537" cy="461665"/>
+          </a:xfrm>
+          <a:prstGeom prst="rect">
+            <a:avLst/>
+          </a:prstGeom>
+          <a:noFill/>
+        </p:spPr>
+        <p:txBody>
+          <a:bodyPr wrap="square" rtlCol="0">
+            <a:spAutoFit/>
+          </a:bodyPr>
+          <a:lstStyle/>
+          <a:p>
+            <a:r>
+              <a:rPr lang="fr-FR" sz="2400" b="1" dirty="0"/>
+              <a:t>Développement de l’application WEB de Supervision</a:t>
+            </a:r>
+          </a:p>
+        </p:txBody>
+      </p:sp>
+    </p:spTree>
+    <p:extLst>
+      <p:ext uri="{BB962C8B-B14F-4D97-AF65-F5344CB8AC3E}">
+        <p14:creationId xmlns:p14="http://schemas.microsoft.com/office/powerpoint/2010/main" val="2096689058"/>
       </p:ext>
     </p:extLst>
   </p:cSld>

--- a/Etudiants/Thomas/Revue Projet/Revue 1/Thomas Cadeau Revue 1.pptx
+++ b/Etudiants/Thomas/Revue Projet/Revue 1/Thomas Cadeau Revue 1.pptx
@@ -10837,6 +10837,77 @@
           </a:p>
         </p:txBody>
       </p:sp>
+      <p:pic>
+        <p:nvPicPr>
+          <p:cNvPr id="3" name="Image 2" descr="Une image contenant capture d’écran&#10;&#10;Description générée automatiquement">
+            <a:extLst>
+              <a:ext uri="{FF2B5EF4-FFF2-40B4-BE49-F238E27FC236}">
+                <a16:creationId xmlns:a16="http://schemas.microsoft.com/office/drawing/2014/main" id="{B9025792-0014-4574-89A9-91B616AFEDEE}"/>
+              </a:ext>
+            </a:extLst>
+          </p:cNvPr>
+          <p:cNvPicPr>
+            <a:picLocks noChangeAspect="1"/>
+          </p:cNvPicPr>
+          <p:nvPr/>
+        </p:nvPicPr>
+        <p:blipFill>
+          <a:blip r:embed="rId3">
+            <a:extLst>
+              <a:ext uri="{28A0092B-C50C-407E-A947-70E740481C1C}">
+                <a14:useLocalDpi xmlns:a14="http://schemas.microsoft.com/office/drawing/2010/main" val="0"/>
+              </a:ext>
+            </a:extLst>
+          </a:blip>
+          <a:stretch>
+            <a:fillRect/>
+          </a:stretch>
+        </p:blipFill>
+        <p:spPr>
+          <a:xfrm>
+            <a:off x="2364309" y="662969"/>
+            <a:ext cx="7463379" cy="4759256"/>
+          </a:xfrm>
+          <a:prstGeom prst="rect">
+            <a:avLst/>
+          </a:prstGeom>
+        </p:spPr>
+      </p:pic>
+      <p:sp>
+        <p:nvSpPr>
+          <p:cNvPr id="4" name="ZoneTexte 3">
+            <a:extLst>
+              <a:ext uri="{FF2B5EF4-FFF2-40B4-BE49-F238E27FC236}">
+                <a16:creationId xmlns:a16="http://schemas.microsoft.com/office/drawing/2014/main" id="{FAE3A4B2-B272-468F-BE8F-2EF28DC3E5D5}"/>
+              </a:ext>
+            </a:extLst>
+          </p:cNvPr>
+          <p:cNvSpPr txBox="1"/>
+          <p:nvPr/>
+        </p:nvSpPr>
+        <p:spPr>
+          <a:xfrm>
+            <a:off x="719926" y="5823584"/>
+            <a:ext cx="3288766" cy="523220"/>
+          </a:xfrm>
+          <a:prstGeom prst="rect">
+            <a:avLst/>
+          </a:prstGeom>
+          <a:noFill/>
+        </p:spPr>
+        <p:txBody>
+          <a:bodyPr wrap="square" rtlCol="0">
+            <a:spAutoFit/>
+          </a:bodyPr>
+          <a:lstStyle/>
+          <a:p>
+            <a:r>
+              <a:rPr lang="fr-FR" sz="2800" b="1" dirty="0"/>
+              <a:t>LANGUAGES :</a:t>
+            </a:r>
+          </a:p>
+        </p:txBody>
+      </p:sp>
     </p:spTree>
     <p:extLst>
       <p:ext uri="{BB962C8B-B14F-4D97-AF65-F5344CB8AC3E}">

--- a/Etudiants/Thomas/Revue Projet/Revue 1/Thomas Cadeau Revue 1.pptx
+++ b/Etudiants/Thomas/Revue Projet/Revue 1/Thomas Cadeau Revue 1.pptx
@@ -14,6 +14,7 @@
     <p:sldId id="265" r:id="rId8"/>
     <p:sldId id="266" r:id="rId9"/>
     <p:sldId id="267" r:id="rId10"/>
+    <p:sldId id="268" r:id="rId11"/>
   </p:sldIdLst>
   <p:sldSz cx="12192000" cy="6858000"/>
   <p:notesSz cx="6858000" cy="9144000"/>
@@ -4188,10 +4189,478 @@
           </a:p>
         </p:txBody>
       </p:sp>
+      <p:sp>
+        <p:nvSpPr>
+          <p:cNvPr id="2" name="ZoneTexte 1">
+            <a:extLst>
+              <a:ext uri="{FF2B5EF4-FFF2-40B4-BE49-F238E27FC236}">
+                <a16:creationId xmlns:a16="http://schemas.microsoft.com/office/drawing/2014/main" id="{591B3518-21BA-4EF1-9AD5-074101F86244}"/>
+              </a:ext>
+            </a:extLst>
+          </p:cNvPr>
+          <p:cNvSpPr txBox="1"/>
+          <p:nvPr/>
+        </p:nvSpPr>
+        <p:spPr>
+          <a:xfrm>
+            <a:off x="10839619" y="172589"/>
+            <a:ext cx="1244218" cy="369332"/>
+          </a:xfrm>
+          <a:prstGeom prst="rect">
+            <a:avLst/>
+          </a:prstGeom>
+          <a:noFill/>
+        </p:spPr>
+        <p:txBody>
+          <a:bodyPr wrap="square" rtlCol="0">
+            <a:spAutoFit/>
+          </a:bodyPr>
+          <a:lstStyle/>
+          <a:p>
+            <a:r>
+              <a:rPr lang="fr-FR" b="1" dirty="0"/>
+              <a:t>Page 1/10</a:t>
+            </a:r>
+          </a:p>
+        </p:txBody>
+      </p:sp>
     </p:spTree>
     <p:extLst>
       <p:ext uri="{BB962C8B-B14F-4D97-AF65-F5344CB8AC3E}">
         <p14:creationId xmlns:p14="http://schemas.microsoft.com/office/powerpoint/2010/main" val="3816919354"/>
+      </p:ext>
+    </p:extLst>
+  </p:cSld>
+  <p:clrMapOvr>
+    <a:overrideClrMapping bg1="dk1" tx1="lt1" bg2="dk2" tx2="lt2" accent1="accent1" accent2="accent2" accent3="accent3" accent4="accent4" accent5="accent5" accent6="accent6" hlink="hlink" folHlink="folHlink"/>
+  </p:clrMapOvr>
+</p:sld>
+</file>
+
+<file path=ppt/slides/slide10.xml><?xml version="1.0" encoding="utf-8"?>
+<p:sld xmlns:a="http://schemas.openxmlformats.org/drawingml/2006/main" xmlns:r="http://schemas.openxmlformats.org/officeDocument/2006/relationships" xmlns:p="http://schemas.openxmlformats.org/presentationml/2006/main">
+  <p:cSld>
+    <p:bg>
+      <p:bgPr>
+        <a:solidFill>
+          <a:schemeClr val="bg1"/>
+        </a:solidFill>
+        <a:effectLst/>
+      </p:bgPr>
+    </p:bg>
+    <p:spTree>
+      <p:nvGrpSpPr>
+        <p:cNvPr id="1" name=""/>
+        <p:cNvGrpSpPr/>
+        <p:nvPr/>
+      </p:nvGrpSpPr>
+      <p:grpSpPr>
+        <a:xfrm>
+          <a:off x="0" y="0"/>
+          <a:ext cx="0" cy="0"/>
+          <a:chOff x="0" y="0"/>
+          <a:chExt cx="0" cy="0"/>
+        </a:xfrm>
+      </p:grpSpPr>
+      <p:sp>
+        <p:nvSpPr>
+          <p:cNvPr id="14" name="Rectangle 13">
+            <a:extLst>
+              <a:ext uri="{FF2B5EF4-FFF2-40B4-BE49-F238E27FC236}">
+                <a16:creationId xmlns:a16="http://schemas.microsoft.com/office/drawing/2014/main" id="{9228552E-C8B1-4A80-8448-0787CE0FC704}"/>
+              </a:ext>
+              <a:ext uri="{C183D7F6-B498-43B3-948B-1728B52AA6E4}">
+                <adec:decorative xmlns:adec="http://schemas.microsoft.com/office/drawing/2017/decorative" val="1"/>
+              </a:ext>
+            </a:extLst>
+          </p:cNvPr>
+          <p:cNvSpPr>
+            <a:spLocks noGrp="1" noRot="1" noChangeAspect="1" noMove="1" noResize="1" noEditPoints="1" noAdjustHandles="1" noChangeArrowheads="1" noChangeShapeType="1" noTextEdit="1"/>
+          </p:cNvSpPr>
+          <p:nvPr>
+            <p:extLst>
+              <p:ext uri="{386F3935-93C4-4BCD-93E2-E3B085C9AB24}">
+                <p16:designElem xmlns:p16="http://schemas.microsoft.com/office/powerpoint/2015/main" val="1"/>
+              </p:ext>
+            </p:extLst>
+          </p:nvPr>
+        </p:nvSpPr>
+        <p:spPr>
+          <a:xfrm>
+            <a:off x="0" y="0"/>
+            <a:ext cx="12192000" cy="6858000"/>
+          </a:xfrm>
+          <a:prstGeom prst="rect">
+            <a:avLst/>
+          </a:prstGeom>
+          <a:solidFill>
+            <a:srgbClr val="000000"/>
+          </a:solidFill>
+          <a:ln>
+            <a:noFill/>
+          </a:ln>
+        </p:spPr>
+        <p:style>
+          <a:lnRef idx="2">
+            <a:schemeClr val="accent1">
+              <a:shade val="50000"/>
+            </a:schemeClr>
+          </a:lnRef>
+          <a:fillRef idx="1">
+            <a:schemeClr val="accent1"/>
+          </a:fillRef>
+          <a:effectRef idx="0">
+            <a:schemeClr val="accent1"/>
+          </a:effectRef>
+          <a:fontRef idx="minor">
+            <a:schemeClr val="lt1"/>
+          </a:fontRef>
+        </p:style>
+        <p:txBody>
+          <a:bodyPr rtlCol="0" anchor="ctr"/>
+          <a:lstStyle/>
+          <a:p>
+            <a:pPr algn="ctr"/>
+            <a:endParaRPr lang="en-US"/>
+          </a:p>
+        </p:txBody>
+      </p:sp>
+      <p:pic>
+        <p:nvPicPr>
+          <p:cNvPr id="9" name="Image 8" descr="Une image contenant table, paire&#10;&#10;Description générée automatiquement">
+            <a:extLst>
+              <a:ext uri="{FF2B5EF4-FFF2-40B4-BE49-F238E27FC236}">
+                <a16:creationId xmlns:a16="http://schemas.microsoft.com/office/drawing/2014/main" id="{E3697A3D-84DA-440D-85B9-5185F9EF2884}"/>
+              </a:ext>
+            </a:extLst>
+          </p:cNvPr>
+          <p:cNvPicPr>
+            <a:picLocks noChangeAspect="1"/>
+          </p:cNvPicPr>
+          <p:nvPr/>
+        </p:nvPicPr>
+        <p:blipFill rotWithShape="1">
+          <a:blip r:embed="rId2">
+            <a:alphaModFix amt="35000"/>
+            <a:extLst>
+              <a:ext uri="{28A0092B-C50C-407E-A947-70E740481C1C}">
+                <a14:useLocalDpi xmlns:a14="http://schemas.microsoft.com/office/drawing/2010/main" val="0"/>
+              </a:ext>
+            </a:extLst>
+          </a:blip>
+          <a:srcRect t="6250"/>
+          <a:stretch/>
+        </p:blipFill>
+        <p:spPr>
+          <a:xfrm>
+            <a:off x="-1" y="-30"/>
+            <a:ext cx="12192000" cy="6855958"/>
+          </a:xfrm>
+          <a:prstGeom prst="rect">
+            <a:avLst/>
+          </a:prstGeom>
+        </p:spPr>
+      </p:pic>
+      <p:pic>
+        <p:nvPicPr>
+          <p:cNvPr id="15" name="Image 14">
+            <a:extLst>
+              <a:ext uri="{FF2B5EF4-FFF2-40B4-BE49-F238E27FC236}">
+                <a16:creationId xmlns:a16="http://schemas.microsoft.com/office/drawing/2014/main" id="{C95BB7D6-F213-46CE-81ED-DB5AF2A92540}"/>
+              </a:ext>
+            </a:extLst>
+          </p:cNvPr>
+          <p:cNvPicPr>
+            <a:picLocks noChangeAspect="1"/>
+          </p:cNvPicPr>
+          <p:nvPr/>
+        </p:nvPicPr>
+        <p:blipFill>
+          <a:blip r:embed="rId3">
+            <a:extLst>
+              <a:ext uri="{28A0092B-C50C-407E-A947-70E740481C1C}">
+                <a14:useLocalDpi xmlns:a14="http://schemas.microsoft.com/office/drawing/2010/main" val="0"/>
+              </a:ext>
+            </a:extLst>
+          </a:blip>
+          <a:srcRect/>
+          <a:stretch/>
+        </p:blipFill>
+        <p:spPr>
+          <a:xfrm>
+            <a:off x="6095999" y="687086"/>
+            <a:ext cx="6170914" cy="6170914"/>
+          </a:xfrm>
+          <a:custGeom>
+            <a:avLst/>
+            <a:gdLst>
+              <a:gd name="connsiteX0" fmla="*/ 3397813 w 6170914"/>
+              <a:gd name="connsiteY0" fmla="*/ 0 h 6313225"/>
+              <a:gd name="connsiteX1" fmla="*/ 6019731 w 6170914"/>
+              <a:gd name="connsiteY1" fmla="*/ 1236489 h 6313225"/>
+              <a:gd name="connsiteX2" fmla="*/ 6170914 w 6170914"/>
+              <a:gd name="connsiteY2" fmla="*/ 1438663 h 6313225"/>
+              <a:gd name="connsiteX3" fmla="*/ 6170914 w 6170914"/>
+              <a:gd name="connsiteY3" fmla="*/ 5356963 h 6313225"/>
+              <a:gd name="connsiteX4" fmla="*/ 6019731 w 6170914"/>
+              <a:gd name="connsiteY4" fmla="*/ 5559138 h 6313225"/>
+              <a:gd name="connsiteX5" fmla="*/ 5194591 w 6170914"/>
+              <a:gd name="connsiteY5" fmla="*/ 6282226 h 6313225"/>
+              <a:gd name="connsiteX6" fmla="*/ 5141791 w 6170914"/>
+              <a:gd name="connsiteY6" fmla="*/ 6313225 h 6313225"/>
+              <a:gd name="connsiteX7" fmla="*/ 1659199 w 6170914"/>
+              <a:gd name="connsiteY7" fmla="*/ 6313225 h 6313225"/>
+              <a:gd name="connsiteX8" fmla="*/ 1498064 w 6170914"/>
+              <a:gd name="connsiteY8" fmla="*/ 6215333 h 6313225"/>
+              <a:gd name="connsiteX9" fmla="*/ 0 w 6170914"/>
+              <a:gd name="connsiteY9" fmla="*/ 3397813 h 6313225"/>
+              <a:gd name="connsiteX10" fmla="*/ 3397813 w 6170914"/>
+              <a:gd name="connsiteY10" fmla="*/ 0 h 6313225"/>
+            </a:gdLst>
+            <a:ahLst/>
+            <a:cxnLst>
+              <a:cxn ang="0">
+                <a:pos x="connsiteX0" y="connsiteY0"/>
+              </a:cxn>
+              <a:cxn ang="0">
+                <a:pos x="connsiteX1" y="connsiteY1"/>
+              </a:cxn>
+              <a:cxn ang="0">
+                <a:pos x="connsiteX2" y="connsiteY2"/>
+              </a:cxn>
+              <a:cxn ang="0">
+                <a:pos x="connsiteX3" y="connsiteY3"/>
+              </a:cxn>
+              <a:cxn ang="0">
+                <a:pos x="connsiteX4" y="connsiteY4"/>
+              </a:cxn>
+              <a:cxn ang="0">
+                <a:pos x="connsiteX5" y="connsiteY5"/>
+              </a:cxn>
+              <a:cxn ang="0">
+                <a:pos x="connsiteX6" y="connsiteY6"/>
+              </a:cxn>
+              <a:cxn ang="0">
+                <a:pos x="connsiteX7" y="connsiteY7"/>
+              </a:cxn>
+              <a:cxn ang="0">
+                <a:pos x="connsiteX8" y="connsiteY8"/>
+              </a:cxn>
+              <a:cxn ang="0">
+                <a:pos x="connsiteX9" y="connsiteY9"/>
+              </a:cxn>
+              <a:cxn ang="0">
+                <a:pos x="connsiteX10" y="connsiteY10"/>
+              </a:cxn>
+            </a:cxnLst>
+            <a:rect l="l" t="t" r="r" b="b"/>
+            <a:pathLst>
+              <a:path w="6170914" h="6313225">
+                <a:moveTo>
+                  <a:pt x="3397813" y="0"/>
+                </a:moveTo>
+                <a:cubicBezTo>
+                  <a:pt x="4453378" y="0"/>
+                  <a:pt x="5396522" y="481334"/>
+                  <a:pt x="6019731" y="1236489"/>
+                </a:cubicBezTo>
+                <a:lnTo>
+                  <a:pt x="6170914" y="1438663"/>
+                </a:lnTo>
+                <a:lnTo>
+                  <a:pt x="6170914" y="5356963"/>
+                </a:lnTo>
+                <a:lnTo>
+                  <a:pt x="6019731" y="5559138"/>
+                </a:lnTo>
+                <a:cubicBezTo>
+                  <a:pt x="5786028" y="5842321"/>
+                  <a:pt x="5507333" y="6086998"/>
+                  <a:pt x="5194591" y="6282226"/>
+                </a:cubicBezTo>
+                <a:lnTo>
+                  <a:pt x="5141791" y="6313225"/>
+                </a:lnTo>
+                <a:lnTo>
+                  <a:pt x="1659199" y="6313225"/>
+                </a:lnTo>
+                <a:lnTo>
+                  <a:pt x="1498064" y="6215333"/>
+                </a:lnTo>
+                <a:cubicBezTo>
+                  <a:pt x="594240" y="5604721"/>
+                  <a:pt x="0" y="4570663"/>
+                  <a:pt x="0" y="3397813"/>
+                </a:cubicBezTo>
+                <a:cubicBezTo>
+                  <a:pt x="0" y="1521253"/>
+                  <a:pt x="1521253" y="0"/>
+                  <a:pt x="3397813" y="0"/>
+                </a:cubicBezTo>
+                <a:close/>
+              </a:path>
+            </a:pathLst>
+          </a:custGeom>
+        </p:spPr>
+      </p:pic>
+      <p:pic>
+        <p:nvPicPr>
+          <p:cNvPr id="7" name="Graphique 6" descr="Questions">
+            <a:extLst>
+              <a:ext uri="{FF2B5EF4-FFF2-40B4-BE49-F238E27FC236}">
+                <a16:creationId xmlns:a16="http://schemas.microsoft.com/office/drawing/2014/main" id="{EE1E20A0-5460-4931-B5A5-DA270DB0C9EF}"/>
+              </a:ext>
+            </a:extLst>
+          </p:cNvPr>
+          <p:cNvPicPr>
+            <a:picLocks noChangeAspect="1"/>
+          </p:cNvPicPr>
+          <p:nvPr/>
+        </p:nvPicPr>
+        <p:blipFill>
+          <a:blip r:embed="rId4">
+            <a:extLst>
+              <a:ext uri="{28A0092B-C50C-407E-A947-70E740481C1C}">
+                <a14:useLocalDpi xmlns:a14="http://schemas.microsoft.com/office/drawing/2010/main" val="0"/>
+              </a:ext>
+              <a:ext uri="{96DAC541-7B7A-43D3-8B79-37D633B846F1}">
+                <asvg:svgBlip xmlns:asvg="http://schemas.microsoft.com/office/drawing/2016/SVG/main" r:embed="rId5"/>
+              </a:ext>
+            </a:extLst>
+          </a:blip>
+          <a:stretch>
+            <a:fillRect/>
+          </a:stretch>
+        </p:blipFill>
+        <p:spPr>
+          <a:xfrm>
+            <a:off x="7274052" y="2001962"/>
+            <a:ext cx="3814807" cy="3814807"/>
+          </a:xfrm>
+          <a:prstGeom prst="rect">
+            <a:avLst/>
+          </a:prstGeom>
+        </p:spPr>
+      </p:pic>
+      <p:pic>
+        <p:nvPicPr>
+          <p:cNvPr id="16" name="Image 15" descr="Une image contenant dessin&#10;&#10;Description générée automatiquement">
+            <a:extLst>
+              <a:ext uri="{FF2B5EF4-FFF2-40B4-BE49-F238E27FC236}">
+                <a16:creationId xmlns:a16="http://schemas.microsoft.com/office/drawing/2014/main" id="{48341C8C-ADB6-4D9D-9057-EC629E10DD03}"/>
+              </a:ext>
+            </a:extLst>
+          </p:cNvPr>
+          <p:cNvPicPr>
+            <a:picLocks noChangeAspect="1"/>
+          </p:cNvPicPr>
+          <p:nvPr/>
+        </p:nvPicPr>
+        <p:blipFill>
+          <a:blip r:embed="rId6">
+            <a:extLst>
+              <a:ext uri="{28A0092B-C50C-407E-A947-70E740481C1C}">
+                <a14:useLocalDpi xmlns:a14="http://schemas.microsoft.com/office/drawing/2010/main" val="0"/>
+              </a:ext>
+            </a:extLst>
+          </a:blip>
+          <a:stretch>
+            <a:fillRect/>
+          </a:stretch>
+        </p:blipFill>
+        <p:spPr>
+          <a:xfrm>
+            <a:off x="8147747" y="1041231"/>
+            <a:ext cx="2583710" cy="817940"/>
+          </a:xfrm>
+          <a:prstGeom prst="rect">
+            <a:avLst/>
+          </a:prstGeom>
+        </p:spPr>
+      </p:pic>
+      <p:sp>
+        <p:nvSpPr>
+          <p:cNvPr id="17" name="ZoneTexte 16">
+            <a:extLst>
+              <a:ext uri="{FF2B5EF4-FFF2-40B4-BE49-F238E27FC236}">
+                <a16:creationId xmlns:a16="http://schemas.microsoft.com/office/drawing/2014/main" id="{DD91AD93-85E4-4421-98FB-EE1A5D8F3211}"/>
+              </a:ext>
+            </a:extLst>
+          </p:cNvPr>
+          <p:cNvSpPr txBox="1"/>
+          <p:nvPr/>
+        </p:nvSpPr>
+        <p:spPr>
+          <a:xfrm>
+            <a:off x="307360" y="2803047"/>
+            <a:ext cx="6047335" cy="1938992"/>
+          </a:xfrm>
+          <a:prstGeom prst="rect">
+            <a:avLst/>
+          </a:prstGeom>
+          <a:noFill/>
+        </p:spPr>
+        <p:txBody>
+          <a:bodyPr wrap="square" rtlCol="0">
+            <a:spAutoFit/>
+          </a:bodyPr>
+          <a:lstStyle/>
+          <a:p>
+            <a:r>
+              <a:rPr lang="fr-FR" sz="4000" b="1" dirty="0"/>
+              <a:t>Merci de votre écoute.</a:t>
+            </a:r>
+          </a:p>
+          <a:p>
+            <a:endParaRPr lang="fr-FR" sz="4000" b="1" dirty="0"/>
+          </a:p>
+          <a:p>
+            <a:r>
+              <a:rPr lang="fr-FR" sz="4000" b="1" dirty="0"/>
+              <a:t>Avez-vous des questions ?</a:t>
+            </a:r>
+          </a:p>
+        </p:txBody>
+      </p:sp>
+      <p:sp>
+        <p:nvSpPr>
+          <p:cNvPr id="18" name="ZoneTexte 17">
+            <a:extLst>
+              <a:ext uri="{FF2B5EF4-FFF2-40B4-BE49-F238E27FC236}">
+                <a16:creationId xmlns:a16="http://schemas.microsoft.com/office/drawing/2014/main" id="{C6F2403B-F4AE-4361-B23F-588F0696BC60}"/>
+              </a:ext>
+            </a:extLst>
+          </p:cNvPr>
+          <p:cNvSpPr txBox="1"/>
+          <p:nvPr/>
+        </p:nvSpPr>
+        <p:spPr>
+          <a:xfrm>
+            <a:off x="10731457" y="158862"/>
+            <a:ext cx="1352380" cy="369332"/>
+          </a:xfrm>
+          <a:prstGeom prst="rect">
+            <a:avLst/>
+          </a:prstGeom>
+          <a:noFill/>
+        </p:spPr>
+        <p:txBody>
+          <a:bodyPr wrap="square" rtlCol="0">
+            <a:spAutoFit/>
+          </a:bodyPr>
+          <a:lstStyle/>
+          <a:p>
+            <a:r>
+              <a:rPr lang="fr-FR" b="1" dirty="0"/>
+              <a:t>Page 10/10</a:t>
+            </a:r>
+          </a:p>
+        </p:txBody>
+      </p:sp>
+    </p:spTree>
+    <p:extLst>
+      <p:ext uri="{BB962C8B-B14F-4D97-AF65-F5344CB8AC3E}">
+        <p14:creationId xmlns:p14="http://schemas.microsoft.com/office/powerpoint/2010/main" val="2844285706"/>
       </p:ext>
     </p:extLst>
   </p:cSld>
@@ -4696,6 +5165,41 @@
           </a:prstGeom>
         </p:spPr>
       </p:pic>
+      <p:sp>
+        <p:nvSpPr>
+          <p:cNvPr id="10" name="ZoneTexte 9">
+            <a:extLst>
+              <a:ext uri="{FF2B5EF4-FFF2-40B4-BE49-F238E27FC236}">
+                <a16:creationId xmlns:a16="http://schemas.microsoft.com/office/drawing/2014/main" id="{7107A878-D275-4891-88EE-78770E2B7DB4}"/>
+              </a:ext>
+            </a:extLst>
+          </p:cNvPr>
+          <p:cNvSpPr txBox="1"/>
+          <p:nvPr/>
+        </p:nvSpPr>
+        <p:spPr>
+          <a:xfrm>
+            <a:off x="10839619" y="172589"/>
+            <a:ext cx="1244218" cy="369332"/>
+          </a:xfrm>
+          <a:prstGeom prst="rect">
+            <a:avLst/>
+          </a:prstGeom>
+          <a:noFill/>
+        </p:spPr>
+        <p:txBody>
+          <a:bodyPr wrap="square" rtlCol="0">
+            <a:spAutoFit/>
+          </a:bodyPr>
+          <a:lstStyle/>
+          <a:p>
+            <a:r>
+              <a:rPr lang="fr-FR" b="1" dirty="0"/>
+              <a:t>Page 2/10</a:t>
+            </a:r>
+          </a:p>
+        </p:txBody>
+      </p:sp>
     </p:spTree>
     <p:extLst>
       <p:ext uri="{BB962C8B-B14F-4D97-AF65-F5344CB8AC3E}">
@@ -6161,6 +6665,41 @@
           <a:p>
             <a:pPr algn="ctr"/>
             <a:endParaRPr lang="fr-FR" dirty="0"/>
+          </a:p>
+        </p:txBody>
+      </p:sp>
+      <p:sp>
+        <p:nvSpPr>
+          <p:cNvPr id="35" name="ZoneTexte 34">
+            <a:extLst>
+              <a:ext uri="{FF2B5EF4-FFF2-40B4-BE49-F238E27FC236}">
+                <a16:creationId xmlns:a16="http://schemas.microsoft.com/office/drawing/2014/main" id="{3A84C302-6EE9-4F78-B7A7-2F34210B162B}"/>
+              </a:ext>
+            </a:extLst>
+          </p:cNvPr>
+          <p:cNvSpPr txBox="1"/>
+          <p:nvPr/>
+        </p:nvSpPr>
+        <p:spPr>
+          <a:xfrm>
+            <a:off x="10839619" y="172589"/>
+            <a:ext cx="1244218" cy="369332"/>
+          </a:xfrm>
+          <a:prstGeom prst="rect">
+            <a:avLst/>
+          </a:prstGeom>
+          <a:noFill/>
+        </p:spPr>
+        <p:txBody>
+          <a:bodyPr wrap="square" rtlCol="0">
+            <a:spAutoFit/>
+          </a:bodyPr>
+          <a:lstStyle/>
+          <a:p>
+            <a:r>
+              <a:rPr lang="fr-FR" b="1" dirty="0"/>
+              <a:t>Page 3/10</a:t>
+            </a:r>
           </a:p>
         </p:txBody>
       </p:sp>
@@ -6604,6 +7143,41 @@
           </a:effectLst>
         </p:spPr>
       </p:pic>
+      <p:sp>
+        <p:nvSpPr>
+          <p:cNvPr id="5" name="ZoneTexte 4">
+            <a:extLst>
+              <a:ext uri="{FF2B5EF4-FFF2-40B4-BE49-F238E27FC236}">
+                <a16:creationId xmlns:a16="http://schemas.microsoft.com/office/drawing/2014/main" id="{B122DC23-9F4D-427F-AFEE-314068FC4A11}"/>
+              </a:ext>
+            </a:extLst>
+          </p:cNvPr>
+          <p:cNvSpPr txBox="1"/>
+          <p:nvPr/>
+        </p:nvSpPr>
+        <p:spPr>
+          <a:xfrm>
+            <a:off x="10839619" y="172589"/>
+            <a:ext cx="1244218" cy="369332"/>
+          </a:xfrm>
+          <a:prstGeom prst="rect">
+            <a:avLst/>
+          </a:prstGeom>
+          <a:noFill/>
+        </p:spPr>
+        <p:txBody>
+          <a:bodyPr wrap="square" rtlCol="0">
+            <a:spAutoFit/>
+          </a:bodyPr>
+          <a:lstStyle/>
+          <a:p>
+            <a:r>
+              <a:rPr lang="fr-FR" b="1" dirty="0"/>
+              <a:t>Page 4/10</a:t>
+            </a:r>
+          </a:p>
+        </p:txBody>
+      </p:sp>
     </p:spTree>
     <p:extLst>
       <p:ext uri="{BB962C8B-B14F-4D97-AF65-F5344CB8AC3E}">
@@ -6777,6 +7351,41 @@
           </a:prstGeom>
         </p:spPr>
       </p:pic>
+      <p:sp>
+        <p:nvSpPr>
+          <p:cNvPr id="5" name="ZoneTexte 4">
+            <a:extLst>
+              <a:ext uri="{FF2B5EF4-FFF2-40B4-BE49-F238E27FC236}">
+                <a16:creationId xmlns:a16="http://schemas.microsoft.com/office/drawing/2014/main" id="{45A5D1A1-DF52-4E06-986D-5F7FBDF6E8F7}"/>
+              </a:ext>
+            </a:extLst>
+          </p:cNvPr>
+          <p:cNvSpPr txBox="1"/>
+          <p:nvPr/>
+        </p:nvSpPr>
+        <p:spPr>
+          <a:xfrm>
+            <a:off x="10839619" y="172589"/>
+            <a:ext cx="1244218" cy="369332"/>
+          </a:xfrm>
+          <a:prstGeom prst="rect">
+            <a:avLst/>
+          </a:prstGeom>
+          <a:noFill/>
+        </p:spPr>
+        <p:txBody>
+          <a:bodyPr wrap="square" rtlCol="0">
+            <a:spAutoFit/>
+          </a:bodyPr>
+          <a:lstStyle/>
+          <a:p>
+            <a:r>
+              <a:rPr lang="fr-FR" b="1" dirty="0"/>
+              <a:t>Page 5/10</a:t>
+            </a:r>
+          </a:p>
+        </p:txBody>
+      </p:sp>
     </p:spTree>
     <p:extLst>
       <p:ext uri="{BB962C8B-B14F-4D97-AF65-F5344CB8AC3E}">
@@ -7741,6 +8350,41 @@
             <a:r>
               <a:rPr lang="fr-FR" sz="2400" b="1" dirty="0"/>
               <a:t>Mécanisme 5 : L’EAU</a:t>
+            </a:r>
+          </a:p>
+        </p:txBody>
+      </p:sp>
+      <p:sp>
+        <p:nvSpPr>
+          <p:cNvPr id="15" name="ZoneTexte 14">
+            <a:extLst>
+              <a:ext uri="{FF2B5EF4-FFF2-40B4-BE49-F238E27FC236}">
+                <a16:creationId xmlns:a16="http://schemas.microsoft.com/office/drawing/2014/main" id="{F1430274-1330-49D7-93B8-E6348684683F}"/>
+              </a:ext>
+            </a:extLst>
+          </p:cNvPr>
+          <p:cNvSpPr txBox="1"/>
+          <p:nvPr/>
+        </p:nvSpPr>
+        <p:spPr>
+          <a:xfrm>
+            <a:off x="10839619" y="172589"/>
+            <a:ext cx="1244218" cy="369332"/>
+          </a:xfrm>
+          <a:prstGeom prst="rect">
+            <a:avLst/>
+          </a:prstGeom>
+          <a:noFill/>
+        </p:spPr>
+        <p:txBody>
+          <a:bodyPr wrap="square" rtlCol="0">
+            <a:spAutoFit/>
+          </a:bodyPr>
+          <a:lstStyle/>
+          <a:p>
+            <a:r>
+              <a:rPr lang="fr-FR" b="1" dirty="0"/>
+              <a:t>Page 6/10</a:t>
             </a:r>
           </a:p>
         </p:txBody>
@@ -9292,6 +9936,41 @@
           </a:prstGeom>
         </p:spPr>
       </p:pic>
+      <p:sp>
+        <p:nvSpPr>
+          <p:cNvPr id="20" name="ZoneTexte 19">
+            <a:extLst>
+              <a:ext uri="{FF2B5EF4-FFF2-40B4-BE49-F238E27FC236}">
+                <a16:creationId xmlns:a16="http://schemas.microsoft.com/office/drawing/2014/main" id="{75E6244E-9715-4958-BEF7-FF756F0D3BCA}"/>
+              </a:ext>
+            </a:extLst>
+          </p:cNvPr>
+          <p:cNvSpPr txBox="1"/>
+          <p:nvPr/>
+        </p:nvSpPr>
+        <p:spPr>
+          <a:xfrm>
+            <a:off x="10839619" y="172589"/>
+            <a:ext cx="1244218" cy="369332"/>
+          </a:xfrm>
+          <a:prstGeom prst="rect">
+            <a:avLst/>
+          </a:prstGeom>
+          <a:noFill/>
+        </p:spPr>
+        <p:txBody>
+          <a:bodyPr wrap="square" rtlCol="0">
+            <a:spAutoFit/>
+          </a:bodyPr>
+          <a:lstStyle/>
+          <a:p>
+            <a:r>
+              <a:rPr lang="fr-FR" b="1" dirty="0"/>
+              <a:t>Page 7/10</a:t>
+            </a:r>
+          </a:p>
+        </p:txBody>
+      </p:sp>
     </p:spTree>
     <p:extLst>
       <p:ext uri="{BB962C8B-B14F-4D97-AF65-F5344CB8AC3E}">
@@ -10261,6 +10940,41 @@
           </a:p>
         </p:txBody>
       </p:sp>
+      <p:sp>
+        <p:nvSpPr>
+          <p:cNvPr id="15" name="ZoneTexte 14">
+            <a:extLst>
+              <a:ext uri="{FF2B5EF4-FFF2-40B4-BE49-F238E27FC236}">
+                <a16:creationId xmlns:a16="http://schemas.microsoft.com/office/drawing/2014/main" id="{E18FDB3A-4EC1-4A60-BE35-88819C235F90}"/>
+              </a:ext>
+            </a:extLst>
+          </p:cNvPr>
+          <p:cNvSpPr txBox="1"/>
+          <p:nvPr/>
+        </p:nvSpPr>
+        <p:spPr>
+          <a:xfrm>
+            <a:off x="10839619" y="172589"/>
+            <a:ext cx="1244218" cy="369332"/>
+          </a:xfrm>
+          <a:prstGeom prst="rect">
+            <a:avLst/>
+          </a:prstGeom>
+          <a:noFill/>
+        </p:spPr>
+        <p:txBody>
+          <a:bodyPr wrap="square" rtlCol="0">
+            <a:spAutoFit/>
+          </a:bodyPr>
+          <a:lstStyle/>
+          <a:p>
+            <a:r>
+              <a:rPr lang="fr-FR" b="1" dirty="0"/>
+              <a:t>Page 8/10</a:t>
+            </a:r>
+          </a:p>
+        </p:txBody>
+      </p:sp>
     </p:spTree>
     <p:extLst>
       <p:ext uri="{BB962C8B-B14F-4D97-AF65-F5344CB8AC3E}">
@@ -10865,7 +11579,7 @@
         </p:blipFill>
         <p:spPr>
           <a:xfrm>
-            <a:off x="2364309" y="662969"/>
+            <a:off x="2364308" y="692251"/>
             <a:ext cx="7463379" cy="4759256"/>
           </a:xfrm>
           <a:prstGeom prst="rect">
@@ -10887,7 +11601,7 @@
         </p:nvSpPr>
         <p:spPr>
           <a:xfrm>
-            <a:off x="719926" y="5823584"/>
+            <a:off x="600635" y="5872059"/>
             <a:ext cx="3288766" cy="523220"/>
           </a:xfrm>
           <a:prstGeom prst="rect">
@@ -10904,6 +11618,204 @@
             <a:r>
               <a:rPr lang="fr-FR" sz="2800" b="1" dirty="0"/>
               <a:t>LANGUAGES :</a:t>
+            </a:r>
+          </a:p>
+        </p:txBody>
+      </p:sp>
+      <p:sp>
+        <p:nvSpPr>
+          <p:cNvPr id="2" name="Rectangle 1">
+            <a:extLst>
+              <a:ext uri="{FF2B5EF4-FFF2-40B4-BE49-F238E27FC236}">
+                <a16:creationId xmlns:a16="http://schemas.microsoft.com/office/drawing/2014/main" id="{27923177-3DB9-406F-82B5-EDDE663E3B38}"/>
+              </a:ext>
+            </a:extLst>
+          </p:cNvPr>
+          <p:cNvSpPr/>
+          <p:nvPr/>
+        </p:nvSpPr>
+        <p:spPr>
+          <a:xfrm>
+            <a:off x="3004457" y="5565074"/>
+            <a:ext cx="5793762" cy="1148003"/>
+          </a:xfrm>
+          <a:prstGeom prst="rect">
+            <a:avLst/>
+          </a:prstGeom>
+          <a:solidFill>
+            <a:schemeClr val="accent3">
+              <a:alpha val="50000"/>
+            </a:schemeClr>
+          </a:solidFill>
+          <a:ln>
+            <a:noFill/>
+          </a:ln>
+        </p:spPr>
+        <p:style>
+          <a:lnRef idx="0">
+            <a:scrgbClr r="0" g="0" b="0"/>
+          </a:lnRef>
+          <a:fillRef idx="0">
+            <a:scrgbClr r="0" g="0" b="0"/>
+          </a:fillRef>
+          <a:effectRef idx="0">
+            <a:scrgbClr r="0" g="0" b="0"/>
+          </a:effectRef>
+          <a:fontRef idx="minor">
+            <a:schemeClr val="lt1"/>
+          </a:fontRef>
+        </p:style>
+        <p:txBody>
+          <a:bodyPr rtlCol="0" anchor="ctr"/>
+          <a:lstStyle/>
+          <a:p>
+            <a:pPr algn="ctr"/>
+            <a:endParaRPr lang="fr-FR"/>
+          </a:p>
+        </p:txBody>
+      </p:sp>
+      <p:pic>
+        <p:nvPicPr>
+          <p:cNvPr id="6" name="Image 5" descr="Une image contenant assiette, dessin&#10;&#10;Description générée automatiquement">
+            <a:extLst>
+              <a:ext uri="{FF2B5EF4-FFF2-40B4-BE49-F238E27FC236}">
+                <a16:creationId xmlns:a16="http://schemas.microsoft.com/office/drawing/2014/main" id="{FE180D02-FD24-4787-AE96-3A49627CA668}"/>
+              </a:ext>
+            </a:extLst>
+          </p:cNvPr>
+          <p:cNvPicPr>
+            <a:picLocks noChangeAspect="1"/>
+          </p:cNvPicPr>
+          <p:nvPr/>
+        </p:nvPicPr>
+        <p:blipFill>
+          <a:blip r:embed="rId4">
+            <a:extLst>
+              <a:ext uri="{28A0092B-C50C-407E-A947-70E740481C1C}">
+                <a14:useLocalDpi xmlns:a14="http://schemas.microsoft.com/office/drawing/2010/main" val="0"/>
+              </a:ext>
+            </a:extLst>
+          </a:blip>
+          <a:stretch>
+            <a:fillRect/>
+          </a:stretch>
+        </p:blipFill>
+        <p:spPr>
+          <a:xfrm>
+            <a:off x="3167972" y="5594358"/>
+            <a:ext cx="2071379" cy="1118719"/>
+          </a:xfrm>
+          <a:prstGeom prst="rect">
+            <a:avLst/>
+          </a:prstGeom>
+        </p:spPr>
+      </p:pic>
+      <p:pic>
+        <p:nvPicPr>
+          <p:cNvPr id="8" name="Image 7" descr="Une image contenant signe, vert, peint, assis&#10;&#10;Description générée automatiquement">
+            <a:extLst>
+              <a:ext uri="{FF2B5EF4-FFF2-40B4-BE49-F238E27FC236}">
+                <a16:creationId xmlns:a16="http://schemas.microsoft.com/office/drawing/2014/main" id="{3A3FFE08-79F0-4229-94FA-6DEAB7AF8D58}"/>
+              </a:ext>
+            </a:extLst>
+          </p:cNvPr>
+          <p:cNvPicPr>
+            <a:picLocks noChangeAspect="1"/>
+          </p:cNvPicPr>
+          <p:nvPr/>
+        </p:nvPicPr>
+        <p:blipFill>
+          <a:blip r:embed="rId5">
+            <a:extLst>
+              <a:ext uri="{28A0092B-C50C-407E-A947-70E740481C1C}">
+                <a14:useLocalDpi xmlns:a14="http://schemas.microsoft.com/office/drawing/2010/main" val="0"/>
+              </a:ext>
+            </a:extLst>
+          </a:blip>
+          <a:stretch>
+            <a:fillRect/>
+          </a:stretch>
+        </p:blipFill>
+        <p:spPr>
+          <a:xfrm>
+            <a:off x="6952645" y="5646200"/>
+            <a:ext cx="1522397" cy="985752"/>
+          </a:xfrm>
+          <a:prstGeom prst="rect">
+            <a:avLst/>
+          </a:prstGeom>
+        </p:spPr>
+      </p:pic>
+      <p:pic>
+        <p:nvPicPr>
+          <p:cNvPr id="11" name="Graphique 10" descr="Ajouter">
+            <a:extLst>
+              <a:ext uri="{FF2B5EF4-FFF2-40B4-BE49-F238E27FC236}">
+                <a16:creationId xmlns:a16="http://schemas.microsoft.com/office/drawing/2014/main" id="{C6FBAABD-6086-4BB5-BAE2-E356023184C9}"/>
+              </a:ext>
+            </a:extLst>
+          </p:cNvPr>
+          <p:cNvPicPr>
+            <a:picLocks noChangeAspect="1"/>
+          </p:cNvPicPr>
+          <p:nvPr/>
+        </p:nvPicPr>
+        <p:blipFill>
+          <a:blip r:embed="rId6">
+            <a:extLst>
+              <a:ext uri="{28A0092B-C50C-407E-A947-70E740481C1C}">
+                <a14:useLocalDpi xmlns:a14="http://schemas.microsoft.com/office/drawing/2010/main" val="0"/>
+              </a:ext>
+              <a:ext uri="{96DAC541-7B7A-43D3-8B79-37D633B846F1}">
+                <asvg:svgBlip xmlns:asvg="http://schemas.microsoft.com/office/drawing/2016/SVG/main" r:embed="rId7"/>
+              </a:ext>
+            </a:extLst>
+          </a:blip>
+          <a:stretch>
+            <a:fillRect/>
+          </a:stretch>
+        </p:blipFill>
+        <p:spPr>
+          <a:xfrm>
+            <a:off x="5638798" y="5676469"/>
+            <a:ext cx="914400" cy="914400"/>
+          </a:xfrm>
+          <a:prstGeom prst="rect">
+            <a:avLst/>
+          </a:prstGeom>
+        </p:spPr>
+      </p:pic>
+      <p:sp>
+        <p:nvSpPr>
+          <p:cNvPr id="15" name="ZoneTexte 14">
+            <a:extLst>
+              <a:ext uri="{FF2B5EF4-FFF2-40B4-BE49-F238E27FC236}">
+                <a16:creationId xmlns:a16="http://schemas.microsoft.com/office/drawing/2014/main" id="{5D0B31B1-04B7-4F4F-B7E4-9724B70B4331}"/>
+              </a:ext>
+            </a:extLst>
+          </p:cNvPr>
+          <p:cNvSpPr txBox="1"/>
+          <p:nvPr/>
+        </p:nvSpPr>
+        <p:spPr>
+          <a:xfrm>
+            <a:off x="10839619" y="172589"/>
+            <a:ext cx="1244218" cy="369332"/>
+          </a:xfrm>
+          <a:prstGeom prst="rect">
+            <a:avLst/>
+          </a:prstGeom>
+          <a:noFill/>
+        </p:spPr>
+        <p:txBody>
+          <a:bodyPr wrap="square" rtlCol="0">
+            <a:spAutoFit/>
+          </a:bodyPr>
+          <a:lstStyle/>
+          <a:p>
+            <a:r>
+              <a:rPr lang="fr-FR" b="1" dirty="0"/>
+              <a:t>Page 9/10</a:t>
             </a:r>
           </a:p>
         </p:txBody>
